--- a/C_SDS_Mini_Project_sem3.pptx
+++ b/C_SDS_Mini_Project_sem3.pptx
@@ -2,10 +2,21 @@
 <file path=ppt/presentation.xml><?xml version="1.0" encoding="utf-8"?>
 <p:presentation xmlns:a="http://schemas.openxmlformats.org/drawingml/2006/main" xmlns:r="http://schemas.openxmlformats.org/officeDocument/2006/relationships" xmlns:p="http://schemas.openxmlformats.org/presentationml/2006/main" saveSubsetFonts="1">
   <p:sldMasterIdLst>
-    <p:sldMasterId id="2147483648" r:id="rId1"/>
+    <p:sldMasterId id="2147483678" r:id="rId1"/>
   </p:sldMasterIdLst>
   <p:sldIdLst>
     <p:sldId id="256" r:id="rId2"/>
+    <p:sldId id="257" r:id="rId3"/>
+    <p:sldId id="258" r:id="rId4"/>
+    <p:sldId id="259" r:id="rId5"/>
+    <p:sldId id="260" r:id="rId6"/>
+    <p:sldId id="261" r:id="rId7"/>
+    <p:sldId id="262" r:id="rId8"/>
+    <p:sldId id="263" r:id="rId9"/>
+    <p:sldId id="264" r:id="rId10"/>
+    <p:sldId id="265" r:id="rId11"/>
+    <p:sldId id="266" r:id="rId12"/>
+    <p:sldId id="267" r:id="rId13"/>
   </p:sldIdLst>
   <p:sldSz cx="12192000" cy="6858000"/>
   <p:notesSz cx="6858000" cy="9144000"/>
@@ -13,7 +24,7 @@
     <a:defPPr>
       <a:defRPr lang="en-US"/>
     </a:defPPr>
-    <a:lvl1pPr marL="0" algn="l" defTabSz="914400" rtl="0" eaLnBrk="1" latinLnBrk="0" hangingPunct="1">
+    <a:lvl1pPr marL="0" algn="l" defTabSz="457200" rtl="0" eaLnBrk="1" latinLnBrk="0" hangingPunct="1">
       <a:defRPr sz="1800" kern="1200">
         <a:solidFill>
           <a:schemeClr val="tx1"/>
@@ -23,7 +34,7 @@
         <a:cs typeface="+mn-cs"/>
       </a:defRPr>
     </a:lvl1pPr>
-    <a:lvl2pPr marL="457200" algn="l" defTabSz="914400" rtl="0" eaLnBrk="1" latinLnBrk="0" hangingPunct="1">
+    <a:lvl2pPr marL="457200" algn="l" defTabSz="457200" rtl="0" eaLnBrk="1" latinLnBrk="0" hangingPunct="1">
       <a:defRPr sz="1800" kern="1200">
         <a:solidFill>
           <a:schemeClr val="tx1"/>
@@ -33,7 +44,7 @@
         <a:cs typeface="+mn-cs"/>
       </a:defRPr>
     </a:lvl2pPr>
-    <a:lvl3pPr marL="914400" algn="l" defTabSz="914400" rtl="0" eaLnBrk="1" latinLnBrk="0" hangingPunct="1">
+    <a:lvl3pPr marL="914400" algn="l" defTabSz="457200" rtl="0" eaLnBrk="1" latinLnBrk="0" hangingPunct="1">
       <a:defRPr sz="1800" kern="1200">
         <a:solidFill>
           <a:schemeClr val="tx1"/>
@@ -43,7 +54,7 @@
         <a:cs typeface="+mn-cs"/>
       </a:defRPr>
     </a:lvl3pPr>
-    <a:lvl4pPr marL="1371600" algn="l" defTabSz="914400" rtl="0" eaLnBrk="1" latinLnBrk="0" hangingPunct="1">
+    <a:lvl4pPr marL="1371600" algn="l" defTabSz="457200" rtl="0" eaLnBrk="1" latinLnBrk="0" hangingPunct="1">
       <a:defRPr sz="1800" kern="1200">
         <a:solidFill>
           <a:schemeClr val="tx1"/>
@@ -53,7 +64,7 @@
         <a:cs typeface="+mn-cs"/>
       </a:defRPr>
     </a:lvl4pPr>
-    <a:lvl5pPr marL="1828800" algn="l" defTabSz="914400" rtl="0" eaLnBrk="1" latinLnBrk="0" hangingPunct="1">
+    <a:lvl5pPr marL="1828800" algn="l" defTabSz="457200" rtl="0" eaLnBrk="1" latinLnBrk="0" hangingPunct="1">
       <a:defRPr sz="1800" kern="1200">
         <a:solidFill>
           <a:schemeClr val="tx1"/>
@@ -63,7 +74,7 @@
         <a:cs typeface="+mn-cs"/>
       </a:defRPr>
     </a:lvl5pPr>
-    <a:lvl6pPr marL="2286000" algn="l" defTabSz="914400" rtl="0" eaLnBrk="1" latinLnBrk="0" hangingPunct="1">
+    <a:lvl6pPr marL="2286000" algn="l" defTabSz="457200" rtl="0" eaLnBrk="1" latinLnBrk="0" hangingPunct="1">
       <a:defRPr sz="1800" kern="1200">
         <a:solidFill>
           <a:schemeClr val="tx1"/>
@@ -73,7 +84,7 @@
         <a:cs typeface="+mn-cs"/>
       </a:defRPr>
     </a:lvl6pPr>
-    <a:lvl7pPr marL="2743200" algn="l" defTabSz="914400" rtl="0" eaLnBrk="1" latinLnBrk="0" hangingPunct="1">
+    <a:lvl7pPr marL="2743200" algn="l" defTabSz="457200" rtl="0" eaLnBrk="1" latinLnBrk="0" hangingPunct="1">
       <a:defRPr sz="1800" kern="1200">
         <a:solidFill>
           <a:schemeClr val="tx1"/>
@@ -83,7 +94,7 @@
         <a:cs typeface="+mn-cs"/>
       </a:defRPr>
     </a:lvl7pPr>
-    <a:lvl8pPr marL="3200400" algn="l" defTabSz="914400" rtl="0" eaLnBrk="1" latinLnBrk="0" hangingPunct="1">
+    <a:lvl8pPr marL="3200400" algn="l" defTabSz="457200" rtl="0" eaLnBrk="1" latinLnBrk="0" hangingPunct="1">
       <a:defRPr sz="1800" kern="1200">
         <a:solidFill>
           <a:schemeClr val="tx1"/>
@@ -93,7 +104,7 @@
         <a:cs typeface="+mn-cs"/>
       </a:defRPr>
     </a:lvl8pPr>
-    <a:lvl9pPr marL="3657600" algn="l" defTabSz="914400" rtl="0" eaLnBrk="1" latinLnBrk="0" hangingPunct="1">
+    <a:lvl9pPr marL="3657600" algn="l" defTabSz="457200" rtl="0" eaLnBrk="1" latinLnBrk="0" hangingPunct="1">
       <a:defRPr sz="1800" kern="1200">
         <a:solidFill>
           <a:schemeClr val="tx1"/>
@@ -104,11 +115,16 @@
       </a:defRPr>
     </a:lvl9pPr>
   </p:defaultTextStyle>
+  <p:extLst>
+    <p:ext uri="{EFAFB233-063F-42B5-8137-9DF3F51BA10A}">
+      <p15:sldGuideLst xmlns:p15="http://schemas.microsoft.com/office/powerpoint/2012/main"/>
+    </p:ext>
+  </p:extLst>
 </p:presentation>
 </file>
 
 <file path=ppt/slideLayouts/slideLayout1.xml><?xml version="1.0" encoding="utf-8"?>
-<p:sldLayout xmlns:a="http://schemas.openxmlformats.org/drawingml/2006/main" xmlns:r="http://schemas.openxmlformats.org/officeDocument/2006/relationships" xmlns:p="http://schemas.openxmlformats.org/presentationml/2006/main" type="title" preserve="1">
+<p:sldLayout xmlns:a="http://schemas.openxmlformats.org/drawingml/2006/main" xmlns:r="http://schemas.openxmlformats.org/officeDocument/2006/relationships" xmlns:p="http://schemas.openxmlformats.org/presentationml/2006/main" showMasterSp="0" type="title" preserve="1">
   <p:cSld name="Title Slide">
     <p:spTree>
       <p:nvGrpSpPr>
@@ -124,15 +140,539 @@
           <a:chExt cx="0" cy="0"/>
         </a:xfrm>
       </p:grpSpPr>
-      <p:sp>
-        <p:nvSpPr>
-          <p:cNvPr id="2" name="Title 1">
-            <a:extLst>
-              <a:ext uri="{FF2B5EF4-FFF2-40B4-BE49-F238E27FC236}">
-                <a16:creationId xmlns:a16="http://schemas.microsoft.com/office/drawing/2014/main" id="{7B27178E-21EC-4753-886D-BF77BD35F0CB}"/>
-              </a:ext>
-            </a:extLst>
-          </p:cNvPr>
+      <p:grpSp>
+        <p:nvGrpSpPr>
+          <p:cNvPr id="7" name="Group 6"/>
+          <p:cNvGrpSpPr/>
+          <p:nvPr/>
+        </p:nvGrpSpPr>
+        <p:grpSpPr>
+          <a:xfrm>
+            <a:off x="0" y="-8467"/>
+            <a:ext cx="12192000" cy="6866467"/>
+            <a:chOff x="0" y="-8467"/>
+            <a:chExt cx="12192000" cy="6866467"/>
+          </a:xfrm>
+        </p:grpSpPr>
+        <p:cxnSp>
+          <p:nvCxnSpPr>
+            <p:cNvPr id="32" name="Straight Connector 31"/>
+            <p:cNvCxnSpPr/>
+            <p:nvPr/>
+          </p:nvCxnSpPr>
+          <p:spPr>
+            <a:xfrm>
+              <a:off x="9371012" y="0"/>
+              <a:ext cx="1219200" cy="6858000"/>
+            </a:xfrm>
+            <a:prstGeom prst="line">
+              <a:avLst/>
+            </a:prstGeom>
+            <a:ln w="9525">
+              <a:solidFill>
+                <a:schemeClr val="bg1">
+                  <a:lumMod val="75000"/>
+                </a:schemeClr>
+              </a:solidFill>
+            </a:ln>
+          </p:spPr>
+          <p:style>
+            <a:lnRef idx="2">
+              <a:schemeClr val="accent1"/>
+            </a:lnRef>
+            <a:fillRef idx="0">
+              <a:schemeClr val="accent1"/>
+            </a:fillRef>
+            <a:effectRef idx="1">
+              <a:schemeClr val="accent1"/>
+            </a:effectRef>
+            <a:fontRef idx="minor">
+              <a:schemeClr val="tx1"/>
+            </a:fontRef>
+          </p:style>
+        </p:cxnSp>
+        <p:cxnSp>
+          <p:nvCxnSpPr>
+            <p:cNvPr id="21" name="Straight Connector 20"/>
+            <p:cNvCxnSpPr/>
+            <p:nvPr/>
+          </p:nvCxnSpPr>
+          <p:spPr>
+            <a:xfrm flipH="1">
+              <a:off x="7425267" y="3681413"/>
+              <a:ext cx="4763558" cy="3176587"/>
+            </a:xfrm>
+            <a:prstGeom prst="line">
+              <a:avLst/>
+            </a:prstGeom>
+            <a:ln w="9525">
+              <a:solidFill>
+                <a:schemeClr val="bg1">
+                  <a:lumMod val="85000"/>
+                </a:schemeClr>
+              </a:solidFill>
+            </a:ln>
+          </p:spPr>
+          <p:style>
+            <a:lnRef idx="2">
+              <a:schemeClr val="accent1"/>
+            </a:lnRef>
+            <a:fillRef idx="0">
+              <a:schemeClr val="accent1"/>
+            </a:fillRef>
+            <a:effectRef idx="1">
+              <a:schemeClr val="accent1"/>
+            </a:effectRef>
+            <a:fontRef idx="minor">
+              <a:schemeClr val="tx1"/>
+            </a:fontRef>
+          </p:style>
+        </p:cxnSp>
+        <p:sp>
+          <p:nvSpPr>
+            <p:cNvPr id="24" name="Rectangle 23"/>
+            <p:cNvSpPr/>
+            <p:nvPr/>
+          </p:nvSpPr>
+          <p:spPr>
+            <a:xfrm>
+              <a:off x="9181476" y="-8467"/>
+              <a:ext cx="3007349" cy="6866467"/>
+            </a:xfrm>
+            <a:custGeom>
+              <a:avLst/>
+              <a:gdLst/>
+              <a:ahLst/>
+              <a:cxnLst/>
+              <a:rect l="l" t="t" r="r" b="b"/>
+              <a:pathLst>
+                <a:path w="3007349" h="6866467">
+                  <a:moveTo>
+                    <a:pt x="2045532" y="0"/>
+                  </a:moveTo>
+                  <a:lnTo>
+                    <a:pt x="3007349" y="0"/>
+                  </a:lnTo>
+                  <a:lnTo>
+                    <a:pt x="3007349" y="6866467"/>
+                  </a:lnTo>
+                  <a:lnTo>
+                    <a:pt x="0" y="6866467"/>
+                  </a:lnTo>
+                  <a:lnTo>
+                    <a:pt x="2045532" y="0"/>
+                  </a:lnTo>
+                  <a:close/>
+                </a:path>
+              </a:pathLst>
+            </a:custGeom>
+            <a:solidFill>
+              <a:schemeClr val="accent1">
+                <a:alpha val="30000"/>
+              </a:schemeClr>
+            </a:solidFill>
+            <a:ln>
+              <a:noFill/>
+            </a:ln>
+            <a:effectLst/>
+          </p:spPr>
+          <p:style>
+            <a:lnRef idx="1">
+              <a:schemeClr val="accent1"/>
+            </a:lnRef>
+            <a:fillRef idx="3">
+              <a:schemeClr val="accent1"/>
+            </a:fillRef>
+            <a:effectRef idx="2">
+              <a:schemeClr val="accent1"/>
+            </a:effectRef>
+            <a:fontRef idx="minor">
+              <a:schemeClr val="lt1"/>
+            </a:fontRef>
+          </p:style>
+        </p:sp>
+        <p:sp>
+          <p:nvSpPr>
+            <p:cNvPr id="26" name="Rectangle 25"/>
+            <p:cNvSpPr/>
+            <p:nvPr/>
+          </p:nvSpPr>
+          <p:spPr>
+            <a:xfrm>
+              <a:off x="9603442" y="-8467"/>
+              <a:ext cx="2588558" cy="6866467"/>
+            </a:xfrm>
+            <a:custGeom>
+              <a:avLst/>
+              <a:gdLst/>
+              <a:ahLst/>
+              <a:cxnLst/>
+              <a:rect l="l" t="t" r="r" b="b"/>
+              <a:pathLst>
+                <a:path w="2573311" h="6866467">
+                  <a:moveTo>
+                    <a:pt x="0" y="0"/>
+                  </a:moveTo>
+                  <a:lnTo>
+                    <a:pt x="2573311" y="0"/>
+                  </a:lnTo>
+                  <a:lnTo>
+                    <a:pt x="2573311" y="6866467"/>
+                  </a:lnTo>
+                  <a:lnTo>
+                    <a:pt x="1202336" y="6866467"/>
+                  </a:lnTo>
+                  <a:lnTo>
+                    <a:pt x="0" y="0"/>
+                  </a:lnTo>
+                  <a:close/>
+                </a:path>
+              </a:pathLst>
+            </a:custGeom>
+            <a:solidFill>
+              <a:schemeClr val="accent1">
+                <a:alpha val="20000"/>
+              </a:schemeClr>
+            </a:solidFill>
+            <a:ln>
+              <a:noFill/>
+            </a:ln>
+            <a:effectLst/>
+          </p:spPr>
+          <p:style>
+            <a:lnRef idx="1">
+              <a:schemeClr val="accent1"/>
+            </a:lnRef>
+            <a:fillRef idx="3">
+              <a:schemeClr val="accent1"/>
+            </a:fillRef>
+            <a:effectRef idx="2">
+              <a:schemeClr val="accent1"/>
+            </a:effectRef>
+            <a:fontRef idx="minor">
+              <a:schemeClr val="lt1"/>
+            </a:fontRef>
+          </p:style>
+        </p:sp>
+        <p:sp>
+          <p:nvSpPr>
+            <p:cNvPr id="27" name="Isosceles Triangle 26"/>
+            <p:cNvSpPr/>
+            <p:nvPr/>
+          </p:nvSpPr>
+          <p:spPr>
+            <a:xfrm>
+              <a:off x="8932333" y="3048000"/>
+              <a:ext cx="3259667" cy="3810000"/>
+            </a:xfrm>
+            <a:prstGeom prst="triangle">
+              <a:avLst>
+                <a:gd name="adj" fmla="val 100000"/>
+              </a:avLst>
+            </a:prstGeom>
+            <a:solidFill>
+              <a:schemeClr val="accent2">
+                <a:alpha val="72000"/>
+              </a:schemeClr>
+            </a:solidFill>
+            <a:ln>
+              <a:noFill/>
+            </a:ln>
+            <a:effectLst/>
+          </p:spPr>
+          <p:style>
+            <a:lnRef idx="1">
+              <a:schemeClr val="accent1"/>
+            </a:lnRef>
+            <a:fillRef idx="3">
+              <a:schemeClr val="accent1"/>
+            </a:fillRef>
+            <a:effectRef idx="2">
+              <a:schemeClr val="accent1"/>
+            </a:effectRef>
+            <a:fontRef idx="minor">
+              <a:schemeClr val="lt1"/>
+            </a:fontRef>
+          </p:style>
+        </p:sp>
+        <p:sp>
+          <p:nvSpPr>
+            <p:cNvPr id="28" name="Rectangle 27"/>
+            <p:cNvSpPr/>
+            <p:nvPr/>
+          </p:nvSpPr>
+          <p:spPr>
+            <a:xfrm>
+              <a:off x="9334500" y="-8467"/>
+              <a:ext cx="2854326" cy="6866467"/>
+            </a:xfrm>
+            <a:custGeom>
+              <a:avLst/>
+              <a:gdLst/>
+              <a:ahLst/>
+              <a:cxnLst/>
+              <a:rect l="l" t="t" r="r" b="b"/>
+              <a:pathLst>
+                <a:path w="2858013" h="6866467">
+                  <a:moveTo>
+                    <a:pt x="0" y="0"/>
+                  </a:moveTo>
+                  <a:lnTo>
+                    <a:pt x="2858013" y="0"/>
+                  </a:lnTo>
+                  <a:lnTo>
+                    <a:pt x="2858013" y="6866467"/>
+                  </a:lnTo>
+                  <a:lnTo>
+                    <a:pt x="2473942" y="6866467"/>
+                  </a:lnTo>
+                  <a:lnTo>
+                    <a:pt x="0" y="0"/>
+                  </a:lnTo>
+                  <a:close/>
+                </a:path>
+              </a:pathLst>
+            </a:custGeom>
+            <a:solidFill>
+              <a:schemeClr val="accent2">
+                <a:lumMod val="75000"/>
+                <a:alpha val="70000"/>
+              </a:schemeClr>
+            </a:solidFill>
+            <a:ln>
+              <a:noFill/>
+            </a:ln>
+            <a:effectLst/>
+          </p:spPr>
+          <p:style>
+            <a:lnRef idx="1">
+              <a:schemeClr val="accent1"/>
+            </a:lnRef>
+            <a:fillRef idx="3">
+              <a:schemeClr val="accent1"/>
+            </a:fillRef>
+            <a:effectRef idx="2">
+              <a:schemeClr val="accent1"/>
+            </a:effectRef>
+            <a:fontRef idx="minor">
+              <a:schemeClr val="lt1"/>
+            </a:fontRef>
+          </p:style>
+        </p:sp>
+        <p:sp>
+          <p:nvSpPr>
+            <p:cNvPr id="29" name="Rectangle 28"/>
+            <p:cNvSpPr/>
+            <p:nvPr/>
+          </p:nvSpPr>
+          <p:spPr>
+            <a:xfrm>
+              <a:off x="10898730" y="-8467"/>
+              <a:ext cx="1290094" cy="6866467"/>
+            </a:xfrm>
+            <a:custGeom>
+              <a:avLst/>
+              <a:gdLst/>
+              <a:ahLst/>
+              <a:cxnLst/>
+              <a:rect l="l" t="t" r="r" b="b"/>
+              <a:pathLst>
+                <a:path w="1290094" h="6858000">
+                  <a:moveTo>
+                    <a:pt x="1019735" y="0"/>
+                  </a:moveTo>
+                  <a:lnTo>
+                    <a:pt x="1290094" y="0"/>
+                  </a:lnTo>
+                  <a:lnTo>
+                    <a:pt x="1290094" y="6858000"/>
+                  </a:lnTo>
+                  <a:lnTo>
+                    <a:pt x="0" y="6858000"/>
+                  </a:lnTo>
+                  <a:lnTo>
+                    <a:pt x="1019735" y="0"/>
+                  </a:lnTo>
+                  <a:close/>
+                </a:path>
+              </a:pathLst>
+            </a:custGeom>
+            <a:solidFill>
+              <a:schemeClr val="accent1">
+                <a:lumMod val="60000"/>
+                <a:lumOff val="40000"/>
+                <a:alpha val="70000"/>
+              </a:schemeClr>
+            </a:solidFill>
+            <a:ln>
+              <a:noFill/>
+            </a:ln>
+            <a:effectLst/>
+          </p:spPr>
+          <p:style>
+            <a:lnRef idx="1">
+              <a:schemeClr val="accent1"/>
+            </a:lnRef>
+            <a:fillRef idx="3">
+              <a:schemeClr val="accent1"/>
+            </a:fillRef>
+            <a:effectRef idx="2">
+              <a:schemeClr val="accent1"/>
+            </a:effectRef>
+            <a:fontRef idx="minor">
+              <a:schemeClr val="lt1"/>
+            </a:fontRef>
+          </p:style>
+        </p:sp>
+        <p:sp>
+          <p:nvSpPr>
+            <p:cNvPr id="30" name="Rectangle 29"/>
+            <p:cNvSpPr/>
+            <p:nvPr/>
+          </p:nvSpPr>
+          <p:spPr>
+            <a:xfrm>
+              <a:off x="10938999" y="-8467"/>
+              <a:ext cx="1249825" cy="6866467"/>
+            </a:xfrm>
+            <a:custGeom>
+              <a:avLst/>
+              <a:gdLst/>
+              <a:ahLst/>
+              <a:cxnLst/>
+              <a:rect l="l" t="t" r="r" b="b"/>
+              <a:pathLst>
+                <a:path w="1249825" h="6858000">
+                  <a:moveTo>
+                    <a:pt x="0" y="0"/>
+                  </a:moveTo>
+                  <a:lnTo>
+                    <a:pt x="1249825" y="0"/>
+                  </a:lnTo>
+                  <a:lnTo>
+                    <a:pt x="1249825" y="6858000"/>
+                  </a:lnTo>
+                  <a:lnTo>
+                    <a:pt x="1109382" y="6858000"/>
+                  </a:lnTo>
+                  <a:lnTo>
+                    <a:pt x="0" y="0"/>
+                  </a:lnTo>
+                  <a:close/>
+                </a:path>
+              </a:pathLst>
+            </a:custGeom>
+            <a:solidFill>
+              <a:schemeClr val="accent1">
+                <a:alpha val="65000"/>
+              </a:schemeClr>
+            </a:solidFill>
+            <a:ln>
+              <a:noFill/>
+            </a:ln>
+            <a:effectLst/>
+          </p:spPr>
+          <p:style>
+            <a:lnRef idx="1">
+              <a:schemeClr val="accent1"/>
+            </a:lnRef>
+            <a:fillRef idx="3">
+              <a:schemeClr val="accent1"/>
+            </a:fillRef>
+            <a:effectRef idx="2">
+              <a:schemeClr val="accent1"/>
+            </a:effectRef>
+            <a:fontRef idx="minor">
+              <a:schemeClr val="lt1"/>
+            </a:fontRef>
+          </p:style>
+        </p:sp>
+        <p:sp>
+          <p:nvSpPr>
+            <p:cNvPr id="31" name="Isosceles Triangle 30"/>
+            <p:cNvSpPr/>
+            <p:nvPr/>
+          </p:nvSpPr>
+          <p:spPr>
+            <a:xfrm>
+              <a:off x="10371666" y="3589867"/>
+              <a:ext cx="1817159" cy="3268133"/>
+            </a:xfrm>
+            <a:prstGeom prst="triangle">
+              <a:avLst>
+                <a:gd name="adj" fmla="val 100000"/>
+              </a:avLst>
+            </a:prstGeom>
+            <a:solidFill>
+              <a:schemeClr val="accent1">
+                <a:alpha val="80000"/>
+              </a:schemeClr>
+            </a:solidFill>
+            <a:ln>
+              <a:noFill/>
+            </a:ln>
+            <a:effectLst/>
+          </p:spPr>
+          <p:style>
+            <a:lnRef idx="1">
+              <a:schemeClr val="accent1"/>
+            </a:lnRef>
+            <a:fillRef idx="3">
+              <a:schemeClr val="accent1"/>
+            </a:fillRef>
+            <a:effectRef idx="2">
+              <a:schemeClr val="accent1"/>
+            </a:effectRef>
+            <a:fontRef idx="minor">
+              <a:schemeClr val="lt1"/>
+            </a:fontRef>
+          </p:style>
+        </p:sp>
+        <p:sp>
+          <p:nvSpPr>
+            <p:cNvPr id="19" name="Isosceles Triangle 18"/>
+            <p:cNvSpPr/>
+            <p:nvPr/>
+          </p:nvSpPr>
+          <p:spPr>
+            <a:xfrm rot="10800000">
+              <a:off x="0" y="0"/>
+              <a:ext cx="842596" cy="5666154"/>
+            </a:xfrm>
+            <a:prstGeom prst="triangle">
+              <a:avLst>
+                <a:gd name="adj" fmla="val 100000"/>
+              </a:avLst>
+            </a:prstGeom>
+            <a:solidFill>
+              <a:schemeClr val="accent1">
+                <a:alpha val="85000"/>
+              </a:schemeClr>
+            </a:solidFill>
+            <a:ln>
+              <a:noFill/>
+            </a:ln>
+            <a:effectLst/>
+          </p:spPr>
+          <p:style>
+            <a:lnRef idx="1">
+              <a:schemeClr val="accent1"/>
+            </a:lnRef>
+            <a:fillRef idx="3">
+              <a:schemeClr val="accent1"/>
+            </a:fillRef>
+            <a:effectRef idx="2">
+              <a:schemeClr val="accent1"/>
+            </a:effectRef>
+            <a:fontRef idx="minor">
+              <a:schemeClr val="lt1"/>
+            </a:fontRef>
+          </p:style>
+        </p:sp>
+      </p:grpSp>
+      <p:sp>
+        <p:nvSpPr>
+          <p:cNvPr id="2" name="Title 1"/>
           <p:cNvSpPr>
             <a:spLocks noGrp="1"/>
           </p:cNvSpPr>
@@ -142,15 +682,21 @@
         </p:nvSpPr>
         <p:spPr>
           <a:xfrm>
-            <a:off x="1524000" y="1122363"/>
-            <a:ext cx="9144000" cy="2387600"/>
+            <a:off x="1507067" y="2404534"/>
+            <a:ext cx="7766936" cy="1646302"/>
           </a:xfrm>
         </p:spPr>
         <p:txBody>
-          <a:bodyPr anchor="b"/>
+          <a:bodyPr anchor="b">
+            <a:noAutofit/>
+          </a:bodyPr>
           <a:lstStyle>
-            <a:lvl1pPr algn="ctr">
-              <a:defRPr sz="6000"/>
+            <a:lvl1pPr algn="r">
+              <a:defRPr sz="5400">
+                <a:solidFill>
+                  <a:schemeClr val="accent1"/>
+                </a:solidFill>
+              </a:defRPr>
             </a:lvl1pPr>
           </a:lstStyle>
           <a:p>
@@ -158,19 +704,13 @@
               <a:rPr lang="en-US"/>
               <a:t>Click to edit Master title style</a:t>
             </a:r>
-            <a:endParaRPr lang="en-IN"/>
-          </a:p>
-        </p:txBody>
-      </p:sp>
-      <p:sp>
-        <p:nvSpPr>
-          <p:cNvPr id="3" name="Subtitle 2">
-            <a:extLst>
-              <a:ext uri="{FF2B5EF4-FFF2-40B4-BE49-F238E27FC236}">
-                <a16:creationId xmlns:a16="http://schemas.microsoft.com/office/drawing/2014/main" id="{4A430B61-B76D-4DE8-A747-0E89A9282925}"/>
-              </a:ext>
-            </a:extLst>
-          </p:cNvPr>
+            <a:endParaRPr lang="en-US" dirty="0"/>
+          </a:p>
+        </p:txBody>
+      </p:sp>
+      <p:sp>
+        <p:nvSpPr>
+          <p:cNvPr id="3" name="Subtitle 2"/>
           <p:cNvSpPr>
             <a:spLocks noGrp="1"/>
           </p:cNvSpPr>
@@ -180,48 +720,103 @@
         </p:nvSpPr>
         <p:spPr>
           <a:xfrm>
-            <a:off x="1524000" y="3602038"/>
-            <a:ext cx="9144000" cy="1655762"/>
+            <a:off x="1507067" y="4050833"/>
+            <a:ext cx="7766936" cy="1096899"/>
           </a:xfrm>
         </p:spPr>
         <p:txBody>
-          <a:bodyPr/>
+          <a:bodyPr anchor="t"/>
           <a:lstStyle>
-            <a:lvl1pPr marL="0" indent="0" algn="ctr">
-              <a:buNone/>
-              <a:defRPr sz="2400"/>
+            <a:lvl1pPr marL="0" indent="0" algn="r">
+              <a:buNone/>
+              <a:defRPr>
+                <a:solidFill>
+                  <a:schemeClr val="tx1">
+                    <a:lumMod val="50000"/>
+                    <a:lumOff val="50000"/>
+                  </a:schemeClr>
+                </a:solidFill>
+              </a:defRPr>
             </a:lvl1pPr>
             <a:lvl2pPr marL="457200" indent="0" algn="ctr">
               <a:buNone/>
-              <a:defRPr sz="2000"/>
+              <a:defRPr>
+                <a:solidFill>
+                  <a:schemeClr val="tx1">
+                    <a:tint val="75000"/>
+                  </a:schemeClr>
+                </a:solidFill>
+              </a:defRPr>
             </a:lvl2pPr>
             <a:lvl3pPr marL="914400" indent="0" algn="ctr">
               <a:buNone/>
-              <a:defRPr sz="1800"/>
+              <a:defRPr>
+                <a:solidFill>
+                  <a:schemeClr val="tx1">
+                    <a:tint val="75000"/>
+                  </a:schemeClr>
+                </a:solidFill>
+              </a:defRPr>
             </a:lvl3pPr>
             <a:lvl4pPr marL="1371600" indent="0" algn="ctr">
               <a:buNone/>
-              <a:defRPr sz="1600"/>
+              <a:defRPr>
+                <a:solidFill>
+                  <a:schemeClr val="tx1">
+                    <a:tint val="75000"/>
+                  </a:schemeClr>
+                </a:solidFill>
+              </a:defRPr>
             </a:lvl4pPr>
             <a:lvl5pPr marL="1828800" indent="0" algn="ctr">
               <a:buNone/>
-              <a:defRPr sz="1600"/>
+              <a:defRPr>
+                <a:solidFill>
+                  <a:schemeClr val="tx1">
+                    <a:tint val="75000"/>
+                  </a:schemeClr>
+                </a:solidFill>
+              </a:defRPr>
             </a:lvl5pPr>
             <a:lvl6pPr marL="2286000" indent="0" algn="ctr">
               <a:buNone/>
-              <a:defRPr sz="1600"/>
+              <a:defRPr>
+                <a:solidFill>
+                  <a:schemeClr val="tx1">
+                    <a:tint val="75000"/>
+                  </a:schemeClr>
+                </a:solidFill>
+              </a:defRPr>
             </a:lvl6pPr>
             <a:lvl7pPr marL="2743200" indent="0" algn="ctr">
               <a:buNone/>
-              <a:defRPr sz="1600"/>
+              <a:defRPr>
+                <a:solidFill>
+                  <a:schemeClr val="tx1">
+                    <a:tint val="75000"/>
+                  </a:schemeClr>
+                </a:solidFill>
+              </a:defRPr>
             </a:lvl7pPr>
             <a:lvl8pPr marL="3200400" indent="0" algn="ctr">
               <a:buNone/>
-              <a:defRPr sz="1600"/>
+              <a:defRPr>
+                <a:solidFill>
+                  <a:schemeClr val="tx1">
+                    <a:tint val="75000"/>
+                  </a:schemeClr>
+                </a:solidFill>
+              </a:defRPr>
             </a:lvl8pPr>
             <a:lvl9pPr marL="3657600" indent="0" algn="ctr">
               <a:buNone/>
-              <a:defRPr sz="1600"/>
+              <a:defRPr>
+                <a:solidFill>
+                  <a:schemeClr val="tx1">
+                    <a:tint val="75000"/>
+                  </a:schemeClr>
+                </a:solidFill>
+              </a:defRPr>
             </a:lvl9pPr>
           </a:lstStyle>
           <a:p>
@@ -229,19 +824,13 @@
               <a:rPr lang="en-US"/>
               <a:t>Click to edit Master subtitle style</a:t>
             </a:r>
-            <a:endParaRPr lang="en-IN"/>
-          </a:p>
-        </p:txBody>
-      </p:sp>
-      <p:sp>
-        <p:nvSpPr>
-          <p:cNvPr id="4" name="Date Placeholder 3">
-            <a:extLst>
-              <a:ext uri="{FF2B5EF4-FFF2-40B4-BE49-F238E27FC236}">
-                <a16:creationId xmlns:a16="http://schemas.microsoft.com/office/drawing/2014/main" id="{4A61726C-EF3E-4304-BA67-FE511EC9EE52}"/>
-              </a:ext>
-            </a:extLst>
-          </p:cNvPr>
+            <a:endParaRPr lang="en-US" dirty="0"/>
+          </a:p>
+        </p:txBody>
+      </p:sp>
+      <p:sp>
+        <p:nvSpPr>
+          <p:cNvPr id="4" name="Date Placeholder 3"/>
           <p:cNvSpPr>
             <a:spLocks noGrp="1"/>
           </p:cNvSpPr>
@@ -256,7 +845,7 @@
           <a:p>
             <a:fld id="{DD8A53B7-D45A-42DA-899B-CEC8DCC8EB58}" type="datetimeFigureOut">
               <a:rPr lang="en-IN" smtClean="0"/>
-              <a:t>19-10-2020</a:t>
+              <a:t>10-11-2020</a:t>
             </a:fld>
             <a:endParaRPr lang="en-IN"/>
           </a:p>
@@ -264,13 +853,7 @@
       </p:sp>
       <p:sp>
         <p:nvSpPr>
-          <p:cNvPr id="5" name="Footer Placeholder 4">
-            <a:extLst>
-              <a:ext uri="{FF2B5EF4-FFF2-40B4-BE49-F238E27FC236}">
-                <a16:creationId xmlns:a16="http://schemas.microsoft.com/office/drawing/2014/main" id="{D5891697-0659-4615-B90A-CB3C5537FDD5}"/>
-              </a:ext>
-            </a:extLst>
-          </p:cNvPr>
+          <p:cNvPr id="5" name="Footer Placeholder 4"/>
           <p:cNvSpPr>
             <a:spLocks noGrp="1"/>
           </p:cNvSpPr>
@@ -289,13 +872,7 @@
       </p:sp>
       <p:sp>
         <p:nvSpPr>
-          <p:cNvPr id="6" name="Slide Number Placeholder 5">
-            <a:extLst>
-              <a:ext uri="{FF2B5EF4-FFF2-40B4-BE49-F238E27FC236}">
-                <a16:creationId xmlns:a16="http://schemas.microsoft.com/office/drawing/2014/main" id="{52AAD8D1-2BC1-4028-BA09-C117B562134D}"/>
-              </a:ext>
-            </a:extLst>
-          </p:cNvPr>
+          <p:cNvPr id="6" name="Slide Number Placeholder 5"/>
           <p:cNvSpPr>
             <a:spLocks noGrp="1"/>
           </p:cNvSpPr>
@@ -319,7 +896,7 @@
     </p:spTree>
     <p:extLst>
       <p:ext uri="{BB962C8B-B14F-4D97-AF65-F5344CB8AC3E}">
-        <p14:creationId xmlns:p14="http://schemas.microsoft.com/office/powerpoint/2010/main" val="2970652955"/>
+        <p14:creationId xmlns:p14="http://schemas.microsoft.com/office/powerpoint/2010/main" val="2975418369"/>
       </p:ext>
     </p:extLst>
   </p:cSld>
@@ -330,6 +907,1619 @@
 </file>
 
 <file path=ppt/slideLayouts/slideLayout10.xml><?xml version="1.0" encoding="utf-8"?>
+<p:sldLayout xmlns:a="http://schemas.openxmlformats.org/drawingml/2006/main" xmlns:r="http://schemas.openxmlformats.org/officeDocument/2006/relationships" xmlns:p="http://schemas.openxmlformats.org/presentationml/2006/main" preserve="1">
+  <p:cSld name="Title and Caption">
+    <p:spTree>
+      <p:nvGrpSpPr>
+        <p:cNvPr id="1" name=""/>
+        <p:cNvGrpSpPr/>
+        <p:nvPr/>
+      </p:nvGrpSpPr>
+      <p:grpSpPr>
+        <a:xfrm>
+          <a:off x="0" y="0"/>
+          <a:ext cx="0" cy="0"/>
+          <a:chOff x="0" y="0"/>
+          <a:chExt cx="0" cy="0"/>
+        </a:xfrm>
+      </p:grpSpPr>
+      <p:sp>
+        <p:nvSpPr>
+          <p:cNvPr id="2" name="Title 1"/>
+          <p:cNvSpPr>
+            <a:spLocks noGrp="1"/>
+          </p:cNvSpPr>
+          <p:nvPr>
+            <p:ph type="title"/>
+          </p:nvPr>
+        </p:nvSpPr>
+        <p:spPr>
+          <a:xfrm>
+            <a:off x="677335" y="609600"/>
+            <a:ext cx="8596668" cy="3403600"/>
+          </a:xfrm>
+        </p:spPr>
+        <p:txBody>
+          <a:bodyPr anchor="ctr">
+            <a:normAutofit/>
+          </a:bodyPr>
+          <a:lstStyle>
+            <a:lvl1pPr algn="l">
+              <a:defRPr sz="4400" b="0" cap="none"/>
+            </a:lvl1pPr>
+          </a:lstStyle>
+          <a:p>
+            <a:r>
+              <a:rPr lang="en-US"/>
+              <a:t>Click to edit Master title style</a:t>
+            </a:r>
+            <a:endParaRPr lang="en-US" dirty="0"/>
+          </a:p>
+        </p:txBody>
+      </p:sp>
+      <p:sp>
+        <p:nvSpPr>
+          <p:cNvPr id="3" name="Text Placeholder 2"/>
+          <p:cNvSpPr>
+            <a:spLocks noGrp="1"/>
+          </p:cNvSpPr>
+          <p:nvPr>
+            <p:ph type="body" idx="1"/>
+          </p:nvPr>
+        </p:nvSpPr>
+        <p:spPr>
+          <a:xfrm>
+            <a:off x="677335" y="4470400"/>
+            <a:ext cx="8596668" cy="1570962"/>
+          </a:xfrm>
+        </p:spPr>
+        <p:txBody>
+          <a:bodyPr anchor="ctr">
+            <a:normAutofit/>
+          </a:bodyPr>
+          <a:lstStyle>
+            <a:lvl1pPr marL="0" indent="0" algn="l">
+              <a:buNone/>
+              <a:defRPr sz="1800">
+                <a:solidFill>
+                  <a:schemeClr val="tx1">
+                    <a:lumMod val="75000"/>
+                    <a:lumOff val="25000"/>
+                  </a:schemeClr>
+                </a:solidFill>
+              </a:defRPr>
+            </a:lvl1pPr>
+            <a:lvl2pPr marL="457200" indent="0">
+              <a:buNone/>
+              <a:defRPr sz="1800">
+                <a:solidFill>
+                  <a:schemeClr val="tx1">
+                    <a:tint val="75000"/>
+                  </a:schemeClr>
+                </a:solidFill>
+              </a:defRPr>
+            </a:lvl2pPr>
+            <a:lvl3pPr marL="914400" indent="0">
+              <a:buNone/>
+              <a:defRPr sz="1600">
+                <a:solidFill>
+                  <a:schemeClr val="tx1">
+                    <a:tint val="75000"/>
+                  </a:schemeClr>
+                </a:solidFill>
+              </a:defRPr>
+            </a:lvl3pPr>
+            <a:lvl4pPr marL="1371600" indent="0">
+              <a:buNone/>
+              <a:defRPr sz="1400">
+                <a:solidFill>
+                  <a:schemeClr val="tx1">
+                    <a:tint val="75000"/>
+                  </a:schemeClr>
+                </a:solidFill>
+              </a:defRPr>
+            </a:lvl4pPr>
+            <a:lvl5pPr marL="1828800" indent="0">
+              <a:buNone/>
+              <a:defRPr sz="1400">
+                <a:solidFill>
+                  <a:schemeClr val="tx1">
+                    <a:tint val="75000"/>
+                  </a:schemeClr>
+                </a:solidFill>
+              </a:defRPr>
+            </a:lvl5pPr>
+            <a:lvl6pPr marL="2286000" indent="0">
+              <a:buNone/>
+              <a:defRPr sz="1400">
+                <a:solidFill>
+                  <a:schemeClr val="tx1">
+                    <a:tint val="75000"/>
+                  </a:schemeClr>
+                </a:solidFill>
+              </a:defRPr>
+            </a:lvl6pPr>
+            <a:lvl7pPr marL="2743200" indent="0">
+              <a:buNone/>
+              <a:defRPr sz="1400">
+                <a:solidFill>
+                  <a:schemeClr val="tx1">
+                    <a:tint val="75000"/>
+                  </a:schemeClr>
+                </a:solidFill>
+              </a:defRPr>
+            </a:lvl7pPr>
+            <a:lvl8pPr marL="3200400" indent="0">
+              <a:buNone/>
+              <a:defRPr sz="1400">
+                <a:solidFill>
+                  <a:schemeClr val="tx1">
+                    <a:tint val="75000"/>
+                  </a:schemeClr>
+                </a:solidFill>
+              </a:defRPr>
+            </a:lvl8pPr>
+            <a:lvl9pPr marL="3657600" indent="0">
+              <a:buNone/>
+              <a:defRPr sz="1400">
+                <a:solidFill>
+                  <a:schemeClr val="tx1">
+                    <a:tint val="75000"/>
+                  </a:schemeClr>
+                </a:solidFill>
+              </a:defRPr>
+            </a:lvl9pPr>
+          </a:lstStyle>
+          <a:p>
+            <a:pPr lvl="0"/>
+            <a:r>
+              <a:rPr lang="en-US"/>
+              <a:t>Click to edit Master text styles</a:t>
+            </a:r>
+          </a:p>
+        </p:txBody>
+      </p:sp>
+      <p:sp>
+        <p:nvSpPr>
+          <p:cNvPr id="4" name="Date Placeholder 3"/>
+          <p:cNvSpPr>
+            <a:spLocks noGrp="1"/>
+          </p:cNvSpPr>
+          <p:nvPr>
+            <p:ph type="dt" sz="half" idx="10"/>
+          </p:nvPr>
+        </p:nvSpPr>
+        <p:spPr/>
+        <p:txBody>
+          <a:bodyPr/>
+          <a:lstStyle/>
+          <a:p>
+            <a:fld id="{DD8A53B7-D45A-42DA-899B-CEC8DCC8EB58}" type="datetimeFigureOut">
+              <a:rPr lang="en-IN" smtClean="0"/>
+              <a:t>10-11-2020</a:t>
+            </a:fld>
+            <a:endParaRPr lang="en-IN"/>
+          </a:p>
+        </p:txBody>
+      </p:sp>
+      <p:sp>
+        <p:nvSpPr>
+          <p:cNvPr id="5" name="Footer Placeholder 4"/>
+          <p:cNvSpPr>
+            <a:spLocks noGrp="1"/>
+          </p:cNvSpPr>
+          <p:nvPr>
+            <p:ph type="ftr" sz="quarter" idx="11"/>
+          </p:nvPr>
+        </p:nvSpPr>
+        <p:spPr/>
+        <p:txBody>
+          <a:bodyPr/>
+          <a:lstStyle/>
+          <a:p>
+            <a:endParaRPr lang="en-IN"/>
+          </a:p>
+        </p:txBody>
+      </p:sp>
+      <p:sp>
+        <p:nvSpPr>
+          <p:cNvPr id="6" name="Slide Number Placeholder 5"/>
+          <p:cNvSpPr>
+            <a:spLocks noGrp="1"/>
+          </p:cNvSpPr>
+          <p:nvPr>
+            <p:ph type="sldNum" sz="quarter" idx="12"/>
+          </p:nvPr>
+        </p:nvSpPr>
+        <p:spPr/>
+        <p:txBody>
+          <a:bodyPr/>
+          <a:lstStyle/>
+          <a:p>
+            <a:fld id="{3A0EF986-8380-485B-804A-9F7AA35B7F0A}" type="slidenum">
+              <a:rPr lang="en-IN" smtClean="0"/>
+              <a:t>‹#›</a:t>
+            </a:fld>
+            <a:endParaRPr lang="en-IN"/>
+          </a:p>
+        </p:txBody>
+      </p:sp>
+    </p:spTree>
+    <p:extLst>
+      <p:ext uri="{BB962C8B-B14F-4D97-AF65-F5344CB8AC3E}">
+        <p14:creationId xmlns:p14="http://schemas.microsoft.com/office/powerpoint/2010/main" val="1465263963"/>
+      </p:ext>
+    </p:extLst>
+  </p:cSld>
+  <p:clrMapOvr>
+    <a:masterClrMapping/>
+  </p:clrMapOvr>
+</p:sldLayout>
+</file>
+
+<file path=ppt/slideLayouts/slideLayout11.xml><?xml version="1.0" encoding="utf-8"?>
+<p:sldLayout xmlns:a="http://schemas.openxmlformats.org/drawingml/2006/main" xmlns:r="http://schemas.openxmlformats.org/officeDocument/2006/relationships" xmlns:p="http://schemas.openxmlformats.org/presentationml/2006/main" preserve="1">
+  <p:cSld name="Quote with Caption">
+    <p:spTree>
+      <p:nvGrpSpPr>
+        <p:cNvPr id="1" name=""/>
+        <p:cNvGrpSpPr/>
+        <p:nvPr/>
+      </p:nvGrpSpPr>
+      <p:grpSpPr>
+        <a:xfrm>
+          <a:off x="0" y="0"/>
+          <a:ext cx="0" cy="0"/>
+          <a:chOff x="0" y="0"/>
+          <a:chExt cx="0" cy="0"/>
+        </a:xfrm>
+      </p:grpSpPr>
+      <p:sp>
+        <p:nvSpPr>
+          <p:cNvPr id="2" name="Title 1"/>
+          <p:cNvSpPr>
+            <a:spLocks noGrp="1"/>
+          </p:cNvSpPr>
+          <p:nvPr>
+            <p:ph type="title"/>
+          </p:nvPr>
+        </p:nvSpPr>
+        <p:spPr>
+          <a:xfrm>
+            <a:off x="931334" y="609600"/>
+            <a:ext cx="8094134" cy="3022600"/>
+          </a:xfrm>
+        </p:spPr>
+        <p:txBody>
+          <a:bodyPr anchor="ctr">
+            <a:normAutofit/>
+          </a:bodyPr>
+          <a:lstStyle>
+            <a:lvl1pPr algn="l">
+              <a:defRPr sz="4400" b="0" cap="none"/>
+            </a:lvl1pPr>
+          </a:lstStyle>
+          <a:p>
+            <a:r>
+              <a:rPr lang="en-US"/>
+              <a:t>Click to edit Master title style</a:t>
+            </a:r>
+            <a:endParaRPr lang="en-US" dirty="0"/>
+          </a:p>
+        </p:txBody>
+      </p:sp>
+      <p:sp>
+        <p:nvSpPr>
+          <p:cNvPr id="23" name="Text Placeholder 9"/>
+          <p:cNvSpPr>
+            <a:spLocks noGrp="1"/>
+          </p:cNvSpPr>
+          <p:nvPr>
+            <p:ph type="body" sz="quarter" idx="13"/>
+          </p:nvPr>
+        </p:nvSpPr>
+        <p:spPr>
+          <a:xfrm>
+            <a:off x="1366139" y="3632200"/>
+            <a:ext cx="7224524" cy="381000"/>
+          </a:xfrm>
+        </p:spPr>
+        <p:txBody>
+          <a:bodyPr anchor="ctr">
+            <a:noAutofit/>
+          </a:bodyPr>
+          <a:lstStyle>
+            <a:lvl1pPr marL="0" indent="0">
+              <a:buFontTx/>
+              <a:buNone/>
+              <a:defRPr sz="1600">
+                <a:solidFill>
+                  <a:schemeClr val="tx1">
+                    <a:lumMod val="50000"/>
+                    <a:lumOff val="50000"/>
+                  </a:schemeClr>
+                </a:solidFill>
+              </a:defRPr>
+            </a:lvl1pPr>
+            <a:lvl2pPr marL="457200" indent="0">
+              <a:buFontTx/>
+              <a:buNone/>
+              <a:defRPr/>
+            </a:lvl2pPr>
+            <a:lvl3pPr marL="914400" indent="0">
+              <a:buFontTx/>
+              <a:buNone/>
+              <a:defRPr/>
+            </a:lvl3pPr>
+            <a:lvl4pPr marL="1371600" indent="0">
+              <a:buFontTx/>
+              <a:buNone/>
+              <a:defRPr/>
+            </a:lvl4pPr>
+            <a:lvl5pPr marL="1828800" indent="0">
+              <a:buFontTx/>
+              <a:buNone/>
+              <a:defRPr/>
+            </a:lvl5pPr>
+          </a:lstStyle>
+          <a:p>
+            <a:pPr lvl="0"/>
+            <a:r>
+              <a:rPr lang="en-US"/>
+              <a:t>Click to edit Master text styles</a:t>
+            </a:r>
+          </a:p>
+        </p:txBody>
+      </p:sp>
+      <p:sp>
+        <p:nvSpPr>
+          <p:cNvPr id="3" name="Text Placeholder 2"/>
+          <p:cNvSpPr>
+            <a:spLocks noGrp="1"/>
+          </p:cNvSpPr>
+          <p:nvPr>
+            <p:ph type="body" idx="1"/>
+          </p:nvPr>
+        </p:nvSpPr>
+        <p:spPr>
+          <a:xfrm>
+            <a:off x="677335" y="4470400"/>
+            <a:ext cx="8596668" cy="1570962"/>
+          </a:xfrm>
+        </p:spPr>
+        <p:txBody>
+          <a:bodyPr anchor="ctr">
+            <a:normAutofit/>
+          </a:bodyPr>
+          <a:lstStyle>
+            <a:lvl1pPr marL="0" indent="0" algn="l">
+              <a:buNone/>
+              <a:defRPr sz="1800">
+                <a:solidFill>
+                  <a:schemeClr val="tx1">
+                    <a:lumMod val="75000"/>
+                    <a:lumOff val="25000"/>
+                  </a:schemeClr>
+                </a:solidFill>
+              </a:defRPr>
+            </a:lvl1pPr>
+            <a:lvl2pPr marL="457200" indent="0">
+              <a:buNone/>
+              <a:defRPr sz="1800">
+                <a:solidFill>
+                  <a:schemeClr val="tx1">
+                    <a:tint val="75000"/>
+                  </a:schemeClr>
+                </a:solidFill>
+              </a:defRPr>
+            </a:lvl2pPr>
+            <a:lvl3pPr marL="914400" indent="0">
+              <a:buNone/>
+              <a:defRPr sz="1600">
+                <a:solidFill>
+                  <a:schemeClr val="tx1">
+                    <a:tint val="75000"/>
+                  </a:schemeClr>
+                </a:solidFill>
+              </a:defRPr>
+            </a:lvl3pPr>
+            <a:lvl4pPr marL="1371600" indent="0">
+              <a:buNone/>
+              <a:defRPr sz="1400">
+                <a:solidFill>
+                  <a:schemeClr val="tx1">
+                    <a:tint val="75000"/>
+                  </a:schemeClr>
+                </a:solidFill>
+              </a:defRPr>
+            </a:lvl4pPr>
+            <a:lvl5pPr marL="1828800" indent="0">
+              <a:buNone/>
+              <a:defRPr sz="1400">
+                <a:solidFill>
+                  <a:schemeClr val="tx1">
+                    <a:tint val="75000"/>
+                  </a:schemeClr>
+                </a:solidFill>
+              </a:defRPr>
+            </a:lvl5pPr>
+            <a:lvl6pPr marL="2286000" indent="0">
+              <a:buNone/>
+              <a:defRPr sz="1400">
+                <a:solidFill>
+                  <a:schemeClr val="tx1">
+                    <a:tint val="75000"/>
+                  </a:schemeClr>
+                </a:solidFill>
+              </a:defRPr>
+            </a:lvl6pPr>
+            <a:lvl7pPr marL="2743200" indent="0">
+              <a:buNone/>
+              <a:defRPr sz="1400">
+                <a:solidFill>
+                  <a:schemeClr val="tx1">
+                    <a:tint val="75000"/>
+                  </a:schemeClr>
+                </a:solidFill>
+              </a:defRPr>
+            </a:lvl7pPr>
+            <a:lvl8pPr marL="3200400" indent="0">
+              <a:buNone/>
+              <a:defRPr sz="1400">
+                <a:solidFill>
+                  <a:schemeClr val="tx1">
+                    <a:tint val="75000"/>
+                  </a:schemeClr>
+                </a:solidFill>
+              </a:defRPr>
+            </a:lvl8pPr>
+            <a:lvl9pPr marL="3657600" indent="0">
+              <a:buNone/>
+              <a:defRPr sz="1400">
+                <a:solidFill>
+                  <a:schemeClr val="tx1">
+                    <a:tint val="75000"/>
+                  </a:schemeClr>
+                </a:solidFill>
+              </a:defRPr>
+            </a:lvl9pPr>
+          </a:lstStyle>
+          <a:p>
+            <a:pPr lvl="0"/>
+            <a:r>
+              <a:rPr lang="en-US"/>
+              <a:t>Click to edit Master text styles</a:t>
+            </a:r>
+          </a:p>
+        </p:txBody>
+      </p:sp>
+      <p:sp>
+        <p:nvSpPr>
+          <p:cNvPr id="4" name="Date Placeholder 3"/>
+          <p:cNvSpPr>
+            <a:spLocks noGrp="1"/>
+          </p:cNvSpPr>
+          <p:nvPr>
+            <p:ph type="dt" sz="half" idx="10"/>
+          </p:nvPr>
+        </p:nvSpPr>
+        <p:spPr/>
+        <p:txBody>
+          <a:bodyPr/>
+          <a:lstStyle/>
+          <a:p>
+            <a:fld id="{DD8A53B7-D45A-42DA-899B-CEC8DCC8EB58}" type="datetimeFigureOut">
+              <a:rPr lang="en-IN" smtClean="0"/>
+              <a:t>10-11-2020</a:t>
+            </a:fld>
+            <a:endParaRPr lang="en-IN"/>
+          </a:p>
+        </p:txBody>
+      </p:sp>
+      <p:sp>
+        <p:nvSpPr>
+          <p:cNvPr id="5" name="Footer Placeholder 4"/>
+          <p:cNvSpPr>
+            <a:spLocks noGrp="1"/>
+          </p:cNvSpPr>
+          <p:nvPr>
+            <p:ph type="ftr" sz="quarter" idx="11"/>
+          </p:nvPr>
+        </p:nvSpPr>
+        <p:spPr/>
+        <p:txBody>
+          <a:bodyPr/>
+          <a:lstStyle/>
+          <a:p>
+            <a:endParaRPr lang="en-IN"/>
+          </a:p>
+        </p:txBody>
+      </p:sp>
+      <p:sp>
+        <p:nvSpPr>
+          <p:cNvPr id="6" name="Slide Number Placeholder 5"/>
+          <p:cNvSpPr>
+            <a:spLocks noGrp="1"/>
+          </p:cNvSpPr>
+          <p:nvPr>
+            <p:ph type="sldNum" sz="quarter" idx="12"/>
+          </p:nvPr>
+        </p:nvSpPr>
+        <p:spPr/>
+        <p:txBody>
+          <a:bodyPr/>
+          <a:lstStyle/>
+          <a:p>
+            <a:fld id="{3A0EF986-8380-485B-804A-9F7AA35B7F0A}" type="slidenum">
+              <a:rPr lang="en-IN" smtClean="0"/>
+              <a:t>‹#›</a:t>
+            </a:fld>
+            <a:endParaRPr lang="en-IN"/>
+          </a:p>
+        </p:txBody>
+      </p:sp>
+      <p:sp>
+        <p:nvSpPr>
+          <p:cNvPr id="20" name="TextBox 19"/>
+          <p:cNvSpPr txBox="1"/>
+          <p:nvPr/>
+        </p:nvSpPr>
+        <p:spPr>
+          <a:xfrm>
+            <a:off x="541870" y="790378"/>
+            <a:ext cx="609600" cy="584776"/>
+          </a:xfrm>
+          <a:prstGeom prst="rect">
+            <a:avLst/>
+          </a:prstGeom>
+        </p:spPr>
+        <p:txBody>
+          <a:bodyPr vert="horz" lIns="91440" tIns="45720" rIns="91440" bIns="45720" rtlCol="0" anchor="ctr">
+            <a:noAutofit/>
+          </a:bodyPr>
+          <a:lstStyle/>
+          <a:p>
+            <a:pPr lvl="0"/>
+            <a:r>
+              <a:rPr lang="en-US" sz="8000" baseline="0" dirty="0">
+                <a:ln w="3175" cmpd="sng">
+                  <a:noFill/>
+                </a:ln>
+                <a:solidFill>
+                  <a:schemeClr val="accent1">
+                    <a:lumMod val="60000"/>
+                    <a:lumOff val="40000"/>
+                  </a:schemeClr>
+                </a:solidFill>
+                <a:effectLst/>
+                <a:latin typeface="Arial"/>
+              </a:rPr>
+              <a:t>“</a:t>
+            </a:r>
+          </a:p>
+        </p:txBody>
+      </p:sp>
+      <p:sp>
+        <p:nvSpPr>
+          <p:cNvPr id="22" name="TextBox 21"/>
+          <p:cNvSpPr txBox="1"/>
+          <p:nvPr/>
+        </p:nvSpPr>
+        <p:spPr>
+          <a:xfrm>
+            <a:off x="8893011" y="2886556"/>
+            <a:ext cx="609600" cy="584776"/>
+          </a:xfrm>
+          <a:prstGeom prst="rect">
+            <a:avLst/>
+          </a:prstGeom>
+        </p:spPr>
+        <p:txBody>
+          <a:bodyPr vert="horz" lIns="91440" tIns="45720" rIns="91440" bIns="45720" rtlCol="0" anchor="ctr">
+            <a:noAutofit/>
+          </a:bodyPr>
+          <a:lstStyle/>
+          <a:p>
+            <a:pPr lvl="0"/>
+            <a:r>
+              <a:rPr lang="en-US" sz="8000" baseline="0" dirty="0">
+                <a:ln w="3175" cmpd="sng">
+                  <a:noFill/>
+                </a:ln>
+                <a:solidFill>
+                  <a:schemeClr val="accent1">
+                    <a:lumMod val="60000"/>
+                    <a:lumOff val="40000"/>
+                  </a:schemeClr>
+                </a:solidFill>
+                <a:latin typeface="Arial"/>
+              </a:rPr>
+              <a:t>”</a:t>
+            </a:r>
+            <a:endParaRPr lang="en-US" dirty="0">
+              <a:solidFill>
+                <a:schemeClr val="accent1">
+                  <a:lumMod val="60000"/>
+                  <a:lumOff val="40000"/>
+                </a:schemeClr>
+              </a:solidFill>
+              <a:latin typeface="Arial"/>
+            </a:endParaRPr>
+          </a:p>
+        </p:txBody>
+      </p:sp>
+    </p:spTree>
+    <p:extLst>
+      <p:ext uri="{BB962C8B-B14F-4D97-AF65-F5344CB8AC3E}">
+        <p14:creationId xmlns:p14="http://schemas.microsoft.com/office/powerpoint/2010/main" val="668399293"/>
+      </p:ext>
+    </p:extLst>
+  </p:cSld>
+  <p:clrMapOvr>
+    <a:masterClrMapping/>
+  </p:clrMapOvr>
+</p:sldLayout>
+</file>
+
+<file path=ppt/slideLayouts/slideLayout12.xml><?xml version="1.0" encoding="utf-8"?>
+<p:sldLayout xmlns:a="http://schemas.openxmlformats.org/drawingml/2006/main" xmlns:r="http://schemas.openxmlformats.org/officeDocument/2006/relationships" xmlns:p="http://schemas.openxmlformats.org/presentationml/2006/main" preserve="1">
+  <p:cSld name="Name Card">
+    <p:spTree>
+      <p:nvGrpSpPr>
+        <p:cNvPr id="1" name=""/>
+        <p:cNvGrpSpPr/>
+        <p:nvPr/>
+      </p:nvGrpSpPr>
+      <p:grpSpPr>
+        <a:xfrm>
+          <a:off x="0" y="0"/>
+          <a:ext cx="0" cy="0"/>
+          <a:chOff x="0" y="0"/>
+          <a:chExt cx="0" cy="0"/>
+        </a:xfrm>
+      </p:grpSpPr>
+      <p:sp>
+        <p:nvSpPr>
+          <p:cNvPr id="2" name="Title 1"/>
+          <p:cNvSpPr>
+            <a:spLocks noGrp="1"/>
+          </p:cNvSpPr>
+          <p:nvPr>
+            <p:ph type="title"/>
+          </p:nvPr>
+        </p:nvSpPr>
+        <p:spPr>
+          <a:xfrm>
+            <a:off x="677335" y="1931988"/>
+            <a:ext cx="8596668" cy="2595460"/>
+          </a:xfrm>
+        </p:spPr>
+        <p:txBody>
+          <a:bodyPr anchor="b">
+            <a:normAutofit/>
+          </a:bodyPr>
+          <a:lstStyle>
+            <a:lvl1pPr algn="l">
+              <a:defRPr sz="4400" b="0" cap="none"/>
+            </a:lvl1pPr>
+          </a:lstStyle>
+          <a:p>
+            <a:r>
+              <a:rPr lang="en-US"/>
+              <a:t>Click to edit Master title style</a:t>
+            </a:r>
+            <a:endParaRPr lang="en-US" dirty="0"/>
+          </a:p>
+        </p:txBody>
+      </p:sp>
+      <p:sp>
+        <p:nvSpPr>
+          <p:cNvPr id="3" name="Text Placeholder 2"/>
+          <p:cNvSpPr>
+            <a:spLocks noGrp="1"/>
+          </p:cNvSpPr>
+          <p:nvPr>
+            <p:ph type="body" idx="1"/>
+          </p:nvPr>
+        </p:nvSpPr>
+        <p:spPr>
+          <a:xfrm>
+            <a:off x="677335" y="4527448"/>
+            <a:ext cx="8596668" cy="1513914"/>
+          </a:xfrm>
+        </p:spPr>
+        <p:txBody>
+          <a:bodyPr anchor="t">
+            <a:normAutofit/>
+          </a:bodyPr>
+          <a:lstStyle>
+            <a:lvl1pPr marL="0" indent="0" algn="l">
+              <a:buNone/>
+              <a:defRPr sz="1800">
+                <a:solidFill>
+                  <a:schemeClr val="tx1">
+                    <a:lumMod val="75000"/>
+                    <a:lumOff val="25000"/>
+                  </a:schemeClr>
+                </a:solidFill>
+              </a:defRPr>
+            </a:lvl1pPr>
+            <a:lvl2pPr marL="457200" indent="0">
+              <a:buNone/>
+              <a:defRPr sz="1800">
+                <a:solidFill>
+                  <a:schemeClr val="tx1">
+                    <a:tint val="75000"/>
+                  </a:schemeClr>
+                </a:solidFill>
+              </a:defRPr>
+            </a:lvl2pPr>
+            <a:lvl3pPr marL="914400" indent="0">
+              <a:buNone/>
+              <a:defRPr sz="1600">
+                <a:solidFill>
+                  <a:schemeClr val="tx1">
+                    <a:tint val="75000"/>
+                  </a:schemeClr>
+                </a:solidFill>
+              </a:defRPr>
+            </a:lvl3pPr>
+            <a:lvl4pPr marL="1371600" indent="0">
+              <a:buNone/>
+              <a:defRPr sz="1400">
+                <a:solidFill>
+                  <a:schemeClr val="tx1">
+                    <a:tint val="75000"/>
+                  </a:schemeClr>
+                </a:solidFill>
+              </a:defRPr>
+            </a:lvl4pPr>
+            <a:lvl5pPr marL="1828800" indent="0">
+              <a:buNone/>
+              <a:defRPr sz="1400">
+                <a:solidFill>
+                  <a:schemeClr val="tx1">
+                    <a:tint val="75000"/>
+                  </a:schemeClr>
+                </a:solidFill>
+              </a:defRPr>
+            </a:lvl5pPr>
+            <a:lvl6pPr marL="2286000" indent="0">
+              <a:buNone/>
+              <a:defRPr sz="1400">
+                <a:solidFill>
+                  <a:schemeClr val="tx1">
+                    <a:tint val="75000"/>
+                  </a:schemeClr>
+                </a:solidFill>
+              </a:defRPr>
+            </a:lvl6pPr>
+            <a:lvl7pPr marL="2743200" indent="0">
+              <a:buNone/>
+              <a:defRPr sz="1400">
+                <a:solidFill>
+                  <a:schemeClr val="tx1">
+                    <a:tint val="75000"/>
+                  </a:schemeClr>
+                </a:solidFill>
+              </a:defRPr>
+            </a:lvl7pPr>
+            <a:lvl8pPr marL="3200400" indent="0">
+              <a:buNone/>
+              <a:defRPr sz="1400">
+                <a:solidFill>
+                  <a:schemeClr val="tx1">
+                    <a:tint val="75000"/>
+                  </a:schemeClr>
+                </a:solidFill>
+              </a:defRPr>
+            </a:lvl8pPr>
+            <a:lvl9pPr marL="3657600" indent="0">
+              <a:buNone/>
+              <a:defRPr sz="1400">
+                <a:solidFill>
+                  <a:schemeClr val="tx1">
+                    <a:tint val="75000"/>
+                  </a:schemeClr>
+                </a:solidFill>
+              </a:defRPr>
+            </a:lvl9pPr>
+          </a:lstStyle>
+          <a:p>
+            <a:pPr lvl="0"/>
+            <a:r>
+              <a:rPr lang="en-US"/>
+              <a:t>Click to edit Master text styles</a:t>
+            </a:r>
+          </a:p>
+        </p:txBody>
+      </p:sp>
+      <p:sp>
+        <p:nvSpPr>
+          <p:cNvPr id="4" name="Date Placeholder 3"/>
+          <p:cNvSpPr>
+            <a:spLocks noGrp="1"/>
+          </p:cNvSpPr>
+          <p:nvPr>
+            <p:ph type="dt" sz="half" idx="10"/>
+          </p:nvPr>
+        </p:nvSpPr>
+        <p:spPr/>
+        <p:txBody>
+          <a:bodyPr/>
+          <a:lstStyle/>
+          <a:p>
+            <a:fld id="{DD8A53B7-D45A-42DA-899B-CEC8DCC8EB58}" type="datetimeFigureOut">
+              <a:rPr lang="en-IN" smtClean="0"/>
+              <a:t>10-11-2020</a:t>
+            </a:fld>
+            <a:endParaRPr lang="en-IN"/>
+          </a:p>
+        </p:txBody>
+      </p:sp>
+      <p:sp>
+        <p:nvSpPr>
+          <p:cNvPr id="5" name="Footer Placeholder 4"/>
+          <p:cNvSpPr>
+            <a:spLocks noGrp="1"/>
+          </p:cNvSpPr>
+          <p:nvPr>
+            <p:ph type="ftr" sz="quarter" idx="11"/>
+          </p:nvPr>
+        </p:nvSpPr>
+        <p:spPr/>
+        <p:txBody>
+          <a:bodyPr/>
+          <a:lstStyle/>
+          <a:p>
+            <a:endParaRPr lang="en-IN"/>
+          </a:p>
+        </p:txBody>
+      </p:sp>
+      <p:sp>
+        <p:nvSpPr>
+          <p:cNvPr id="6" name="Slide Number Placeholder 5"/>
+          <p:cNvSpPr>
+            <a:spLocks noGrp="1"/>
+          </p:cNvSpPr>
+          <p:nvPr>
+            <p:ph type="sldNum" sz="quarter" idx="12"/>
+          </p:nvPr>
+        </p:nvSpPr>
+        <p:spPr/>
+        <p:txBody>
+          <a:bodyPr/>
+          <a:lstStyle/>
+          <a:p>
+            <a:fld id="{3A0EF986-8380-485B-804A-9F7AA35B7F0A}" type="slidenum">
+              <a:rPr lang="en-IN" smtClean="0"/>
+              <a:t>‹#›</a:t>
+            </a:fld>
+            <a:endParaRPr lang="en-IN"/>
+          </a:p>
+        </p:txBody>
+      </p:sp>
+    </p:spTree>
+    <p:extLst>
+      <p:ext uri="{BB962C8B-B14F-4D97-AF65-F5344CB8AC3E}">
+        <p14:creationId xmlns:p14="http://schemas.microsoft.com/office/powerpoint/2010/main" val="1404065239"/>
+      </p:ext>
+    </p:extLst>
+  </p:cSld>
+  <p:clrMapOvr>
+    <a:masterClrMapping/>
+  </p:clrMapOvr>
+</p:sldLayout>
+</file>
+
+<file path=ppt/slideLayouts/slideLayout13.xml><?xml version="1.0" encoding="utf-8"?>
+<p:sldLayout xmlns:a="http://schemas.openxmlformats.org/drawingml/2006/main" xmlns:r="http://schemas.openxmlformats.org/officeDocument/2006/relationships" xmlns:p="http://schemas.openxmlformats.org/presentationml/2006/main" preserve="1">
+  <p:cSld name="Quote Name Card">
+    <p:spTree>
+      <p:nvGrpSpPr>
+        <p:cNvPr id="1" name=""/>
+        <p:cNvGrpSpPr/>
+        <p:nvPr/>
+      </p:nvGrpSpPr>
+      <p:grpSpPr>
+        <a:xfrm>
+          <a:off x="0" y="0"/>
+          <a:ext cx="0" cy="0"/>
+          <a:chOff x="0" y="0"/>
+          <a:chExt cx="0" cy="0"/>
+        </a:xfrm>
+      </p:grpSpPr>
+      <p:sp>
+        <p:nvSpPr>
+          <p:cNvPr id="2" name="Title 1"/>
+          <p:cNvSpPr>
+            <a:spLocks noGrp="1"/>
+          </p:cNvSpPr>
+          <p:nvPr>
+            <p:ph type="title"/>
+          </p:nvPr>
+        </p:nvSpPr>
+        <p:spPr>
+          <a:xfrm>
+            <a:off x="931334" y="609600"/>
+            <a:ext cx="8094134" cy="3022600"/>
+          </a:xfrm>
+        </p:spPr>
+        <p:txBody>
+          <a:bodyPr anchor="ctr">
+            <a:normAutofit/>
+          </a:bodyPr>
+          <a:lstStyle>
+            <a:lvl1pPr algn="l">
+              <a:defRPr sz="4400" b="0" cap="none"/>
+            </a:lvl1pPr>
+          </a:lstStyle>
+          <a:p>
+            <a:r>
+              <a:rPr lang="en-US"/>
+              <a:t>Click to edit Master title style</a:t>
+            </a:r>
+            <a:endParaRPr lang="en-US" dirty="0"/>
+          </a:p>
+        </p:txBody>
+      </p:sp>
+      <p:sp>
+        <p:nvSpPr>
+          <p:cNvPr id="23" name="Text Placeholder 9"/>
+          <p:cNvSpPr>
+            <a:spLocks noGrp="1"/>
+          </p:cNvSpPr>
+          <p:nvPr>
+            <p:ph type="body" sz="quarter" idx="13"/>
+          </p:nvPr>
+        </p:nvSpPr>
+        <p:spPr>
+          <a:xfrm>
+            <a:off x="677332" y="4013200"/>
+            <a:ext cx="8596669" cy="514248"/>
+          </a:xfrm>
+        </p:spPr>
+        <p:txBody>
+          <a:bodyPr anchor="b">
+            <a:noAutofit/>
+          </a:bodyPr>
+          <a:lstStyle>
+            <a:lvl1pPr marL="0" indent="0">
+              <a:buFontTx/>
+              <a:buNone/>
+              <a:defRPr sz="2400">
+                <a:solidFill>
+                  <a:schemeClr val="tx1">
+                    <a:lumMod val="75000"/>
+                    <a:lumOff val="25000"/>
+                  </a:schemeClr>
+                </a:solidFill>
+              </a:defRPr>
+            </a:lvl1pPr>
+            <a:lvl2pPr marL="457200" indent="0">
+              <a:buFontTx/>
+              <a:buNone/>
+              <a:defRPr/>
+            </a:lvl2pPr>
+            <a:lvl3pPr marL="914400" indent="0">
+              <a:buFontTx/>
+              <a:buNone/>
+              <a:defRPr/>
+            </a:lvl3pPr>
+            <a:lvl4pPr marL="1371600" indent="0">
+              <a:buFontTx/>
+              <a:buNone/>
+              <a:defRPr/>
+            </a:lvl4pPr>
+            <a:lvl5pPr marL="1828800" indent="0">
+              <a:buFontTx/>
+              <a:buNone/>
+              <a:defRPr/>
+            </a:lvl5pPr>
+          </a:lstStyle>
+          <a:p>
+            <a:pPr lvl="0"/>
+            <a:r>
+              <a:rPr lang="en-US"/>
+              <a:t>Click to edit Master text styles</a:t>
+            </a:r>
+          </a:p>
+        </p:txBody>
+      </p:sp>
+      <p:sp>
+        <p:nvSpPr>
+          <p:cNvPr id="3" name="Text Placeholder 2"/>
+          <p:cNvSpPr>
+            <a:spLocks noGrp="1"/>
+          </p:cNvSpPr>
+          <p:nvPr>
+            <p:ph type="body" idx="1"/>
+          </p:nvPr>
+        </p:nvSpPr>
+        <p:spPr>
+          <a:xfrm>
+            <a:off x="677335" y="4527448"/>
+            <a:ext cx="8596668" cy="1513914"/>
+          </a:xfrm>
+        </p:spPr>
+        <p:txBody>
+          <a:bodyPr anchor="t">
+            <a:normAutofit/>
+          </a:bodyPr>
+          <a:lstStyle>
+            <a:lvl1pPr marL="0" indent="0" algn="l">
+              <a:buNone/>
+              <a:defRPr sz="1800">
+                <a:solidFill>
+                  <a:schemeClr val="tx1">
+                    <a:lumMod val="50000"/>
+                    <a:lumOff val="50000"/>
+                  </a:schemeClr>
+                </a:solidFill>
+              </a:defRPr>
+            </a:lvl1pPr>
+            <a:lvl2pPr marL="457200" indent="0">
+              <a:buNone/>
+              <a:defRPr sz="1800">
+                <a:solidFill>
+                  <a:schemeClr val="tx1">
+                    <a:tint val="75000"/>
+                  </a:schemeClr>
+                </a:solidFill>
+              </a:defRPr>
+            </a:lvl2pPr>
+            <a:lvl3pPr marL="914400" indent="0">
+              <a:buNone/>
+              <a:defRPr sz="1600">
+                <a:solidFill>
+                  <a:schemeClr val="tx1">
+                    <a:tint val="75000"/>
+                  </a:schemeClr>
+                </a:solidFill>
+              </a:defRPr>
+            </a:lvl3pPr>
+            <a:lvl4pPr marL="1371600" indent="0">
+              <a:buNone/>
+              <a:defRPr sz="1400">
+                <a:solidFill>
+                  <a:schemeClr val="tx1">
+                    <a:tint val="75000"/>
+                  </a:schemeClr>
+                </a:solidFill>
+              </a:defRPr>
+            </a:lvl4pPr>
+            <a:lvl5pPr marL="1828800" indent="0">
+              <a:buNone/>
+              <a:defRPr sz="1400">
+                <a:solidFill>
+                  <a:schemeClr val="tx1">
+                    <a:tint val="75000"/>
+                  </a:schemeClr>
+                </a:solidFill>
+              </a:defRPr>
+            </a:lvl5pPr>
+            <a:lvl6pPr marL="2286000" indent="0">
+              <a:buNone/>
+              <a:defRPr sz="1400">
+                <a:solidFill>
+                  <a:schemeClr val="tx1">
+                    <a:tint val="75000"/>
+                  </a:schemeClr>
+                </a:solidFill>
+              </a:defRPr>
+            </a:lvl6pPr>
+            <a:lvl7pPr marL="2743200" indent="0">
+              <a:buNone/>
+              <a:defRPr sz="1400">
+                <a:solidFill>
+                  <a:schemeClr val="tx1">
+                    <a:tint val="75000"/>
+                  </a:schemeClr>
+                </a:solidFill>
+              </a:defRPr>
+            </a:lvl7pPr>
+            <a:lvl8pPr marL="3200400" indent="0">
+              <a:buNone/>
+              <a:defRPr sz="1400">
+                <a:solidFill>
+                  <a:schemeClr val="tx1">
+                    <a:tint val="75000"/>
+                  </a:schemeClr>
+                </a:solidFill>
+              </a:defRPr>
+            </a:lvl8pPr>
+            <a:lvl9pPr marL="3657600" indent="0">
+              <a:buNone/>
+              <a:defRPr sz="1400">
+                <a:solidFill>
+                  <a:schemeClr val="tx1">
+                    <a:tint val="75000"/>
+                  </a:schemeClr>
+                </a:solidFill>
+              </a:defRPr>
+            </a:lvl9pPr>
+          </a:lstStyle>
+          <a:p>
+            <a:pPr lvl="0"/>
+            <a:r>
+              <a:rPr lang="en-US"/>
+              <a:t>Click to edit Master text styles</a:t>
+            </a:r>
+          </a:p>
+        </p:txBody>
+      </p:sp>
+      <p:sp>
+        <p:nvSpPr>
+          <p:cNvPr id="4" name="Date Placeholder 3"/>
+          <p:cNvSpPr>
+            <a:spLocks noGrp="1"/>
+          </p:cNvSpPr>
+          <p:nvPr>
+            <p:ph type="dt" sz="half" idx="10"/>
+          </p:nvPr>
+        </p:nvSpPr>
+        <p:spPr/>
+        <p:txBody>
+          <a:bodyPr/>
+          <a:lstStyle/>
+          <a:p>
+            <a:fld id="{DD8A53B7-D45A-42DA-899B-CEC8DCC8EB58}" type="datetimeFigureOut">
+              <a:rPr lang="en-IN" smtClean="0"/>
+              <a:t>10-11-2020</a:t>
+            </a:fld>
+            <a:endParaRPr lang="en-IN"/>
+          </a:p>
+        </p:txBody>
+      </p:sp>
+      <p:sp>
+        <p:nvSpPr>
+          <p:cNvPr id="5" name="Footer Placeholder 4"/>
+          <p:cNvSpPr>
+            <a:spLocks noGrp="1"/>
+          </p:cNvSpPr>
+          <p:nvPr>
+            <p:ph type="ftr" sz="quarter" idx="11"/>
+          </p:nvPr>
+        </p:nvSpPr>
+        <p:spPr/>
+        <p:txBody>
+          <a:bodyPr/>
+          <a:lstStyle/>
+          <a:p>
+            <a:endParaRPr lang="en-IN"/>
+          </a:p>
+        </p:txBody>
+      </p:sp>
+      <p:sp>
+        <p:nvSpPr>
+          <p:cNvPr id="6" name="Slide Number Placeholder 5"/>
+          <p:cNvSpPr>
+            <a:spLocks noGrp="1"/>
+          </p:cNvSpPr>
+          <p:nvPr>
+            <p:ph type="sldNum" sz="quarter" idx="12"/>
+          </p:nvPr>
+        </p:nvSpPr>
+        <p:spPr/>
+        <p:txBody>
+          <a:bodyPr/>
+          <a:lstStyle/>
+          <a:p>
+            <a:fld id="{3A0EF986-8380-485B-804A-9F7AA35B7F0A}" type="slidenum">
+              <a:rPr lang="en-IN" smtClean="0"/>
+              <a:t>‹#›</a:t>
+            </a:fld>
+            <a:endParaRPr lang="en-IN"/>
+          </a:p>
+        </p:txBody>
+      </p:sp>
+      <p:sp>
+        <p:nvSpPr>
+          <p:cNvPr id="24" name="TextBox 23"/>
+          <p:cNvSpPr txBox="1"/>
+          <p:nvPr/>
+        </p:nvSpPr>
+        <p:spPr>
+          <a:xfrm>
+            <a:off x="541870" y="790378"/>
+            <a:ext cx="609600" cy="584776"/>
+          </a:xfrm>
+          <a:prstGeom prst="rect">
+            <a:avLst/>
+          </a:prstGeom>
+        </p:spPr>
+        <p:txBody>
+          <a:bodyPr vert="horz" lIns="91440" tIns="45720" rIns="91440" bIns="45720" rtlCol="0" anchor="ctr">
+            <a:noAutofit/>
+          </a:bodyPr>
+          <a:lstStyle/>
+          <a:p>
+            <a:pPr lvl="0"/>
+            <a:r>
+              <a:rPr lang="en-US" sz="8000" baseline="0" dirty="0">
+                <a:ln w="3175" cmpd="sng">
+                  <a:noFill/>
+                </a:ln>
+                <a:solidFill>
+                  <a:schemeClr val="accent1">
+                    <a:lumMod val="60000"/>
+                    <a:lumOff val="40000"/>
+                  </a:schemeClr>
+                </a:solidFill>
+                <a:effectLst/>
+                <a:latin typeface="Arial"/>
+              </a:rPr>
+              <a:t>“</a:t>
+            </a:r>
+          </a:p>
+        </p:txBody>
+      </p:sp>
+      <p:sp>
+        <p:nvSpPr>
+          <p:cNvPr id="25" name="TextBox 24"/>
+          <p:cNvSpPr txBox="1"/>
+          <p:nvPr/>
+        </p:nvSpPr>
+        <p:spPr>
+          <a:xfrm>
+            <a:off x="8893011" y="2886556"/>
+            <a:ext cx="609600" cy="584776"/>
+          </a:xfrm>
+          <a:prstGeom prst="rect">
+            <a:avLst/>
+          </a:prstGeom>
+        </p:spPr>
+        <p:txBody>
+          <a:bodyPr vert="horz" lIns="91440" tIns="45720" rIns="91440" bIns="45720" rtlCol="0" anchor="ctr">
+            <a:noAutofit/>
+          </a:bodyPr>
+          <a:lstStyle/>
+          <a:p>
+            <a:pPr lvl="0"/>
+            <a:r>
+              <a:rPr lang="en-US" sz="8000" baseline="0" dirty="0">
+                <a:ln w="3175" cmpd="sng">
+                  <a:noFill/>
+                </a:ln>
+                <a:solidFill>
+                  <a:schemeClr val="accent1">
+                    <a:lumMod val="60000"/>
+                    <a:lumOff val="40000"/>
+                  </a:schemeClr>
+                </a:solidFill>
+                <a:effectLst/>
+                <a:latin typeface="Arial"/>
+              </a:rPr>
+              <a:t>”</a:t>
+            </a:r>
+          </a:p>
+        </p:txBody>
+      </p:sp>
+    </p:spTree>
+    <p:extLst>
+      <p:ext uri="{BB962C8B-B14F-4D97-AF65-F5344CB8AC3E}">
+        <p14:creationId xmlns:p14="http://schemas.microsoft.com/office/powerpoint/2010/main" val="637736432"/>
+      </p:ext>
+    </p:extLst>
+  </p:cSld>
+  <p:clrMapOvr>
+    <a:masterClrMapping/>
+  </p:clrMapOvr>
+</p:sldLayout>
+</file>
+
+<file path=ppt/slideLayouts/slideLayout14.xml><?xml version="1.0" encoding="utf-8"?>
+<p:sldLayout xmlns:a="http://schemas.openxmlformats.org/drawingml/2006/main" xmlns:r="http://schemas.openxmlformats.org/officeDocument/2006/relationships" xmlns:p="http://schemas.openxmlformats.org/presentationml/2006/main" preserve="1">
+  <p:cSld name="True or False">
+    <p:spTree>
+      <p:nvGrpSpPr>
+        <p:cNvPr id="1" name=""/>
+        <p:cNvGrpSpPr/>
+        <p:nvPr/>
+      </p:nvGrpSpPr>
+      <p:grpSpPr>
+        <a:xfrm>
+          <a:off x="0" y="0"/>
+          <a:ext cx="0" cy="0"/>
+          <a:chOff x="0" y="0"/>
+          <a:chExt cx="0" cy="0"/>
+        </a:xfrm>
+      </p:grpSpPr>
+      <p:sp>
+        <p:nvSpPr>
+          <p:cNvPr id="2" name="Title 1"/>
+          <p:cNvSpPr>
+            <a:spLocks noGrp="1"/>
+          </p:cNvSpPr>
+          <p:nvPr>
+            <p:ph type="title"/>
+          </p:nvPr>
+        </p:nvSpPr>
+        <p:spPr>
+          <a:xfrm>
+            <a:off x="685799" y="609600"/>
+            <a:ext cx="8588203" cy="3022600"/>
+          </a:xfrm>
+        </p:spPr>
+        <p:txBody>
+          <a:bodyPr anchor="ctr">
+            <a:normAutofit/>
+          </a:bodyPr>
+          <a:lstStyle>
+            <a:lvl1pPr algn="l">
+              <a:defRPr sz="4400" b="0" cap="none"/>
+            </a:lvl1pPr>
+          </a:lstStyle>
+          <a:p>
+            <a:r>
+              <a:rPr lang="en-US"/>
+              <a:t>Click to edit Master title style</a:t>
+            </a:r>
+            <a:endParaRPr lang="en-US" dirty="0"/>
+          </a:p>
+        </p:txBody>
+      </p:sp>
+      <p:sp>
+        <p:nvSpPr>
+          <p:cNvPr id="23" name="Text Placeholder 9"/>
+          <p:cNvSpPr>
+            <a:spLocks noGrp="1"/>
+          </p:cNvSpPr>
+          <p:nvPr>
+            <p:ph type="body" sz="quarter" idx="13"/>
+          </p:nvPr>
+        </p:nvSpPr>
+        <p:spPr>
+          <a:xfrm>
+            <a:off x="677332" y="4013200"/>
+            <a:ext cx="8596669" cy="514248"/>
+          </a:xfrm>
+        </p:spPr>
+        <p:txBody>
+          <a:bodyPr anchor="b">
+            <a:noAutofit/>
+          </a:bodyPr>
+          <a:lstStyle>
+            <a:lvl1pPr marL="0" indent="0">
+              <a:buFontTx/>
+              <a:buNone/>
+              <a:defRPr sz="2400">
+                <a:solidFill>
+                  <a:schemeClr val="accent1"/>
+                </a:solidFill>
+              </a:defRPr>
+            </a:lvl1pPr>
+            <a:lvl2pPr marL="457200" indent="0">
+              <a:buFontTx/>
+              <a:buNone/>
+              <a:defRPr/>
+            </a:lvl2pPr>
+            <a:lvl3pPr marL="914400" indent="0">
+              <a:buFontTx/>
+              <a:buNone/>
+              <a:defRPr/>
+            </a:lvl3pPr>
+            <a:lvl4pPr marL="1371600" indent="0">
+              <a:buFontTx/>
+              <a:buNone/>
+              <a:defRPr/>
+            </a:lvl4pPr>
+            <a:lvl5pPr marL="1828800" indent="0">
+              <a:buFontTx/>
+              <a:buNone/>
+              <a:defRPr/>
+            </a:lvl5pPr>
+          </a:lstStyle>
+          <a:p>
+            <a:pPr lvl="0"/>
+            <a:r>
+              <a:rPr lang="en-US"/>
+              <a:t>Click to edit Master text styles</a:t>
+            </a:r>
+          </a:p>
+        </p:txBody>
+      </p:sp>
+      <p:sp>
+        <p:nvSpPr>
+          <p:cNvPr id="3" name="Text Placeholder 2"/>
+          <p:cNvSpPr>
+            <a:spLocks noGrp="1"/>
+          </p:cNvSpPr>
+          <p:nvPr>
+            <p:ph type="body" idx="1"/>
+          </p:nvPr>
+        </p:nvSpPr>
+        <p:spPr>
+          <a:xfrm>
+            <a:off x="677335" y="4527448"/>
+            <a:ext cx="8596668" cy="1513914"/>
+          </a:xfrm>
+        </p:spPr>
+        <p:txBody>
+          <a:bodyPr anchor="t">
+            <a:normAutofit/>
+          </a:bodyPr>
+          <a:lstStyle>
+            <a:lvl1pPr marL="0" indent="0" algn="l">
+              <a:buNone/>
+              <a:defRPr sz="1800">
+                <a:solidFill>
+                  <a:schemeClr val="tx1">
+                    <a:lumMod val="50000"/>
+                    <a:lumOff val="50000"/>
+                  </a:schemeClr>
+                </a:solidFill>
+              </a:defRPr>
+            </a:lvl1pPr>
+            <a:lvl2pPr marL="457200" indent="0">
+              <a:buNone/>
+              <a:defRPr sz="1800">
+                <a:solidFill>
+                  <a:schemeClr val="tx1">
+                    <a:tint val="75000"/>
+                  </a:schemeClr>
+                </a:solidFill>
+              </a:defRPr>
+            </a:lvl2pPr>
+            <a:lvl3pPr marL="914400" indent="0">
+              <a:buNone/>
+              <a:defRPr sz="1600">
+                <a:solidFill>
+                  <a:schemeClr val="tx1">
+                    <a:tint val="75000"/>
+                  </a:schemeClr>
+                </a:solidFill>
+              </a:defRPr>
+            </a:lvl3pPr>
+            <a:lvl4pPr marL="1371600" indent="0">
+              <a:buNone/>
+              <a:defRPr sz="1400">
+                <a:solidFill>
+                  <a:schemeClr val="tx1">
+                    <a:tint val="75000"/>
+                  </a:schemeClr>
+                </a:solidFill>
+              </a:defRPr>
+            </a:lvl4pPr>
+            <a:lvl5pPr marL="1828800" indent="0">
+              <a:buNone/>
+              <a:defRPr sz="1400">
+                <a:solidFill>
+                  <a:schemeClr val="tx1">
+                    <a:tint val="75000"/>
+                  </a:schemeClr>
+                </a:solidFill>
+              </a:defRPr>
+            </a:lvl5pPr>
+            <a:lvl6pPr marL="2286000" indent="0">
+              <a:buNone/>
+              <a:defRPr sz="1400">
+                <a:solidFill>
+                  <a:schemeClr val="tx1">
+                    <a:tint val="75000"/>
+                  </a:schemeClr>
+                </a:solidFill>
+              </a:defRPr>
+            </a:lvl6pPr>
+            <a:lvl7pPr marL="2743200" indent="0">
+              <a:buNone/>
+              <a:defRPr sz="1400">
+                <a:solidFill>
+                  <a:schemeClr val="tx1">
+                    <a:tint val="75000"/>
+                  </a:schemeClr>
+                </a:solidFill>
+              </a:defRPr>
+            </a:lvl7pPr>
+            <a:lvl8pPr marL="3200400" indent="0">
+              <a:buNone/>
+              <a:defRPr sz="1400">
+                <a:solidFill>
+                  <a:schemeClr val="tx1">
+                    <a:tint val="75000"/>
+                  </a:schemeClr>
+                </a:solidFill>
+              </a:defRPr>
+            </a:lvl8pPr>
+            <a:lvl9pPr marL="3657600" indent="0">
+              <a:buNone/>
+              <a:defRPr sz="1400">
+                <a:solidFill>
+                  <a:schemeClr val="tx1">
+                    <a:tint val="75000"/>
+                  </a:schemeClr>
+                </a:solidFill>
+              </a:defRPr>
+            </a:lvl9pPr>
+          </a:lstStyle>
+          <a:p>
+            <a:pPr lvl="0"/>
+            <a:r>
+              <a:rPr lang="en-US"/>
+              <a:t>Click to edit Master text styles</a:t>
+            </a:r>
+          </a:p>
+        </p:txBody>
+      </p:sp>
+      <p:sp>
+        <p:nvSpPr>
+          <p:cNvPr id="4" name="Date Placeholder 3"/>
+          <p:cNvSpPr>
+            <a:spLocks noGrp="1"/>
+          </p:cNvSpPr>
+          <p:nvPr>
+            <p:ph type="dt" sz="half" idx="10"/>
+          </p:nvPr>
+        </p:nvSpPr>
+        <p:spPr/>
+        <p:txBody>
+          <a:bodyPr/>
+          <a:lstStyle/>
+          <a:p>
+            <a:fld id="{DD8A53B7-D45A-42DA-899B-CEC8DCC8EB58}" type="datetimeFigureOut">
+              <a:rPr lang="en-IN" smtClean="0"/>
+              <a:t>10-11-2020</a:t>
+            </a:fld>
+            <a:endParaRPr lang="en-IN"/>
+          </a:p>
+        </p:txBody>
+      </p:sp>
+      <p:sp>
+        <p:nvSpPr>
+          <p:cNvPr id="5" name="Footer Placeholder 4"/>
+          <p:cNvSpPr>
+            <a:spLocks noGrp="1"/>
+          </p:cNvSpPr>
+          <p:nvPr>
+            <p:ph type="ftr" sz="quarter" idx="11"/>
+          </p:nvPr>
+        </p:nvSpPr>
+        <p:spPr/>
+        <p:txBody>
+          <a:bodyPr/>
+          <a:lstStyle/>
+          <a:p>
+            <a:endParaRPr lang="en-IN"/>
+          </a:p>
+        </p:txBody>
+      </p:sp>
+      <p:sp>
+        <p:nvSpPr>
+          <p:cNvPr id="6" name="Slide Number Placeholder 5"/>
+          <p:cNvSpPr>
+            <a:spLocks noGrp="1"/>
+          </p:cNvSpPr>
+          <p:nvPr>
+            <p:ph type="sldNum" sz="quarter" idx="12"/>
+          </p:nvPr>
+        </p:nvSpPr>
+        <p:spPr/>
+        <p:txBody>
+          <a:bodyPr/>
+          <a:lstStyle/>
+          <a:p>
+            <a:fld id="{3A0EF986-8380-485B-804A-9F7AA35B7F0A}" type="slidenum">
+              <a:rPr lang="en-IN" smtClean="0"/>
+              <a:t>‹#›</a:t>
+            </a:fld>
+            <a:endParaRPr lang="en-IN"/>
+          </a:p>
+        </p:txBody>
+      </p:sp>
+    </p:spTree>
+    <p:extLst>
+      <p:ext uri="{BB962C8B-B14F-4D97-AF65-F5344CB8AC3E}">
+        <p14:creationId xmlns:p14="http://schemas.microsoft.com/office/powerpoint/2010/main" val="2326778878"/>
+      </p:ext>
+    </p:extLst>
+  </p:cSld>
+  <p:clrMapOvr>
+    <a:masterClrMapping/>
+  </p:clrMapOvr>
+</p:sldLayout>
+</file>
+
+<file path=ppt/slideLayouts/slideLayout15.xml><?xml version="1.0" encoding="utf-8"?>
 <p:sldLayout xmlns:a="http://schemas.openxmlformats.org/drawingml/2006/main" xmlns:r="http://schemas.openxmlformats.org/officeDocument/2006/relationships" xmlns:p="http://schemas.openxmlformats.org/presentationml/2006/main" type="vertTx" preserve="1">
   <p:cSld name="Title and Vertical Text">
     <p:spTree>
@@ -348,13 +2538,7 @@
       </p:grpSpPr>
       <p:sp>
         <p:nvSpPr>
-          <p:cNvPr id="2" name="Title 1">
-            <a:extLst>
-              <a:ext uri="{FF2B5EF4-FFF2-40B4-BE49-F238E27FC236}">
-                <a16:creationId xmlns:a16="http://schemas.microsoft.com/office/drawing/2014/main" id="{0F7B3E12-F922-400E-B791-01BF817A5D0E}"/>
-              </a:ext>
-            </a:extLst>
-          </p:cNvPr>
+          <p:cNvPr id="2" name="Title 1"/>
           <p:cNvSpPr>
             <a:spLocks noGrp="1"/>
           </p:cNvSpPr>
@@ -371,19 +2555,13 @@
               <a:rPr lang="en-US"/>
               <a:t>Click to edit Master title style</a:t>
             </a:r>
-            <a:endParaRPr lang="en-IN"/>
-          </a:p>
-        </p:txBody>
-      </p:sp>
-      <p:sp>
-        <p:nvSpPr>
-          <p:cNvPr id="3" name="Vertical Text Placeholder 2">
-            <a:extLst>
-              <a:ext uri="{FF2B5EF4-FFF2-40B4-BE49-F238E27FC236}">
-                <a16:creationId xmlns:a16="http://schemas.microsoft.com/office/drawing/2014/main" id="{1258F02A-E4F0-4543-9229-DDCFBA1AB5F0}"/>
-              </a:ext>
-            </a:extLst>
-          </p:cNvPr>
+            <a:endParaRPr lang="en-US" dirty="0"/>
+          </a:p>
+        </p:txBody>
+      </p:sp>
+      <p:sp>
+        <p:nvSpPr>
+          <p:cNvPr id="3" name="Vertical Text Placeholder 2"/>
           <p:cNvSpPr>
             <a:spLocks noGrp="1"/>
           </p:cNvSpPr>
@@ -429,19 +2607,13 @@
               <a:rPr lang="en-US"/>
               <a:t>Fifth level</a:t>
             </a:r>
-            <a:endParaRPr lang="en-IN"/>
-          </a:p>
-        </p:txBody>
-      </p:sp>
-      <p:sp>
-        <p:nvSpPr>
-          <p:cNvPr id="4" name="Date Placeholder 3">
-            <a:extLst>
-              <a:ext uri="{FF2B5EF4-FFF2-40B4-BE49-F238E27FC236}">
-                <a16:creationId xmlns:a16="http://schemas.microsoft.com/office/drawing/2014/main" id="{F828F726-CB88-46AE-B6C3-E48BBE36F1A6}"/>
-              </a:ext>
-            </a:extLst>
-          </p:cNvPr>
+            <a:endParaRPr lang="en-US" dirty="0"/>
+          </a:p>
+        </p:txBody>
+      </p:sp>
+      <p:sp>
+        <p:nvSpPr>
+          <p:cNvPr id="4" name="Date Placeholder 3"/>
           <p:cNvSpPr>
             <a:spLocks noGrp="1"/>
           </p:cNvSpPr>
@@ -456,7 +2628,7 @@
           <a:p>
             <a:fld id="{DD8A53B7-D45A-42DA-899B-CEC8DCC8EB58}" type="datetimeFigureOut">
               <a:rPr lang="en-IN" smtClean="0"/>
-              <a:t>19-10-2020</a:t>
+              <a:t>10-11-2020</a:t>
             </a:fld>
             <a:endParaRPr lang="en-IN"/>
           </a:p>
@@ -464,13 +2636,7 @@
       </p:sp>
       <p:sp>
         <p:nvSpPr>
-          <p:cNvPr id="5" name="Footer Placeholder 4">
-            <a:extLst>
-              <a:ext uri="{FF2B5EF4-FFF2-40B4-BE49-F238E27FC236}">
-                <a16:creationId xmlns:a16="http://schemas.microsoft.com/office/drawing/2014/main" id="{D6D41E5B-42CB-495B-8089-D1BE2F6711AE}"/>
-              </a:ext>
-            </a:extLst>
-          </p:cNvPr>
+          <p:cNvPr id="5" name="Footer Placeholder 4"/>
           <p:cNvSpPr>
             <a:spLocks noGrp="1"/>
           </p:cNvSpPr>
@@ -489,13 +2655,7 @@
       </p:sp>
       <p:sp>
         <p:nvSpPr>
-          <p:cNvPr id="6" name="Slide Number Placeholder 5">
-            <a:extLst>
-              <a:ext uri="{FF2B5EF4-FFF2-40B4-BE49-F238E27FC236}">
-                <a16:creationId xmlns:a16="http://schemas.microsoft.com/office/drawing/2014/main" id="{A25A845B-749B-4F79-9359-EDF6D57DA34B}"/>
-              </a:ext>
-            </a:extLst>
-          </p:cNvPr>
+          <p:cNvPr id="6" name="Slide Number Placeholder 5"/>
           <p:cNvSpPr>
             <a:spLocks noGrp="1"/>
           </p:cNvSpPr>
@@ -519,7 +2679,7 @@
     </p:spTree>
     <p:extLst>
       <p:ext uri="{BB962C8B-B14F-4D97-AF65-F5344CB8AC3E}">
-        <p14:creationId xmlns:p14="http://schemas.microsoft.com/office/powerpoint/2010/main" val="1339301576"/>
+        <p14:creationId xmlns:p14="http://schemas.microsoft.com/office/powerpoint/2010/main" val="3512356"/>
       </p:ext>
     </p:extLst>
   </p:cSld>
@@ -529,7 +2689,7 @@
 </p:sldLayout>
 </file>
 
-<file path=ppt/slideLayouts/slideLayout11.xml><?xml version="1.0" encoding="utf-8"?>
+<file path=ppt/slideLayouts/slideLayout16.xml><?xml version="1.0" encoding="utf-8"?>
 <p:sldLayout xmlns:a="http://schemas.openxmlformats.org/drawingml/2006/main" xmlns:r="http://schemas.openxmlformats.org/officeDocument/2006/relationships" xmlns:p="http://schemas.openxmlformats.org/presentationml/2006/main" type="vertTitleAndTx" preserve="1">
   <p:cSld name="Vertical Title and Text">
     <p:spTree>
@@ -548,13 +2708,7 @@
       </p:grpSpPr>
       <p:sp>
         <p:nvSpPr>
-          <p:cNvPr id="2" name="Vertical Title 1">
-            <a:extLst>
-              <a:ext uri="{FF2B5EF4-FFF2-40B4-BE49-F238E27FC236}">
-                <a16:creationId xmlns:a16="http://schemas.microsoft.com/office/drawing/2014/main" id="{93121DFF-8961-4DE6-83B4-C31AC39EA009}"/>
-              </a:ext>
-            </a:extLst>
-          </p:cNvPr>
+          <p:cNvPr id="2" name="Vertical Title 1"/>
           <p:cNvSpPr>
             <a:spLocks noGrp="1"/>
           </p:cNvSpPr>
@@ -564,48 +2718,42 @@
         </p:nvSpPr>
         <p:spPr>
           <a:xfrm>
-            <a:off x="8724900" y="365125"/>
-            <a:ext cx="2628900" cy="5811838"/>
+            <a:off x="7967673" y="609599"/>
+            <a:ext cx="1304743" cy="5251451"/>
           </a:xfrm>
         </p:spPr>
         <p:txBody>
+          <a:bodyPr vert="eaVert" anchor="ctr"/>
+          <a:lstStyle/>
+          <a:p>
+            <a:r>
+              <a:rPr lang="en-US"/>
+              <a:t>Click to edit Master title style</a:t>
+            </a:r>
+            <a:endParaRPr lang="en-US" dirty="0"/>
+          </a:p>
+        </p:txBody>
+      </p:sp>
+      <p:sp>
+        <p:nvSpPr>
+          <p:cNvPr id="3" name="Vertical Text Placeholder 2"/>
+          <p:cNvSpPr>
+            <a:spLocks noGrp="1"/>
+          </p:cNvSpPr>
+          <p:nvPr>
+            <p:ph type="body" orient="vert" idx="1"/>
+          </p:nvPr>
+        </p:nvSpPr>
+        <p:spPr>
+          <a:xfrm>
+            <a:off x="677335" y="609600"/>
+            <a:ext cx="7060150" cy="5251450"/>
+          </a:xfrm>
+        </p:spPr>
+        <p:txBody>
           <a:bodyPr vert="eaVert"/>
           <a:lstStyle/>
           <a:p>
-            <a:r>
-              <a:rPr lang="en-US"/>
-              <a:t>Click to edit Master title style</a:t>
-            </a:r>
-            <a:endParaRPr lang="en-IN"/>
-          </a:p>
-        </p:txBody>
-      </p:sp>
-      <p:sp>
-        <p:nvSpPr>
-          <p:cNvPr id="3" name="Vertical Text Placeholder 2">
-            <a:extLst>
-              <a:ext uri="{FF2B5EF4-FFF2-40B4-BE49-F238E27FC236}">
-                <a16:creationId xmlns:a16="http://schemas.microsoft.com/office/drawing/2014/main" id="{3E90ED8E-4F35-4F1D-A4EF-89C95B55DA7A}"/>
-              </a:ext>
-            </a:extLst>
-          </p:cNvPr>
-          <p:cNvSpPr>
-            <a:spLocks noGrp="1"/>
-          </p:cNvSpPr>
-          <p:nvPr>
-            <p:ph type="body" orient="vert" idx="1"/>
-          </p:nvPr>
-        </p:nvSpPr>
-        <p:spPr>
-          <a:xfrm>
-            <a:off x="838200" y="365125"/>
-            <a:ext cx="7734300" cy="5811838"/>
-          </a:xfrm>
-        </p:spPr>
-        <p:txBody>
-          <a:bodyPr vert="eaVert"/>
-          <a:lstStyle/>
-          <a:p>
             <a:pPr lvl="0"/>
             <a:r>
               <a:rPr lang="en-US"/>
@@ -639,19 +2787,13 @@
               <a:rPr lang="en-US"/>
               <a:t>Fifth level</a:t>
             </a:r>
-            <a:endParaRPr lang="en-IN"/>
-          </a:p>
-        </p:txBody>
-      </p:sp>
-      <p:sp>
-        <p:nvSpPr>
-          <p:cNvPr id="4" name="Date Placeholder 3">
-            <a:extLst>
-              <a:ext uri="{FF2B5EF4-FFF2-40B4-BE49-F238E27FC236}">
-                <a16:creationId xmlns:a16="http://schemas.microsoft.com/office/drawing/2014/main" id="{A4224F78-30BF-4111-A6FE-33215887F7E3}"/>
-              </a:ext>
-            </a:extLst>
-          </p:cNvPr>
+            <a:endParaRPr lang="en-US" dirty="0"/>
+          </a:p>
+        </p:txBody>
+      </p:sp>
+      <p:sp>
+        <p:nvSpPr>
+          <p:cNvPr id="4" name="Date Placeholder 3"/>
           <p:cNvSpPr>
             <a:spLocks noGrp="1"/>
           </p:cNvSpPr>
@@ -666,7 +2808,7 @@
           <a:p>
             <a:fld id="{DD8A53B7-D45A-42DA-899B-CEC8DCC8EB58}" type="datetimeFigureOut">
               <a:rPr lang="en-IN" smtClean="0"/>
-              <a:t>19-10-2020</a:t>
+              <a:t>10-11-2020</a:t>
             </a:fld>
             <a:endParaRPr lang="en-IN"/>
           </a:p>
@@ -674,13 +2816,7 @@
       </p:sp>
       <p:sp>
         <p:nvSpPr>
-          <p:cNvPr id="5" name="Footer Placeholder 4">
-            <a:extLst>
-              <a:ext uri="{FF2B5EF4-FFF2-40B4-BE49-F238E27FC236}">
-                <a16:creationId xmlns:a16="http://schemas.microsoft.com/office/drawing/2014/main" id="{829B153C-A329-4F45-878C-0F4262412D4F}"/>
-              </a:ext>
-            </a:extLst>
-          </p:cNvPr>
+          <p:cNvPr id="5" name="Footer Placeholder 4"/>
           <p:cNvSpPr>
             <a:spLocks noGrp="1"/>
           </p:cNvSpPr>
@@ -699,13 +2835,7 @@
       </p:sp>
       <p:sp>
         <p:nvSpPr>
-          <p:cNvPr id="6" name="Slide Number Placeholder 5">
-            <a:extLst>
-              <a:ext uri="{FF2B5EF4-FFF2-40B4-BE49-F238E27FC236}">
-                <a16:creationId xmlns:a16="http://schemas.microsoft.com/office/drawing/2014/main" id="{D5902F33-217E-4D0F-9D4B-0579BBFD8033}"/>
-              </a:ext>
-            </a:extLst>
-          </p:cNvPr>
+          <p:cNvPr id="6" name="Slide Number Placeholder 5"/>
           <p:cNvSpPr>
             <a:spLocks noGrp="1"/>
           </p:cNvSpPr>
@@ -729,7 +2859,7 @@
     </p:spTree>
     <p:extLst>
       <p:ext uri="{BB962C8B-B14F-4D97-AF65-F5344CB8AC3E}">
-        <p14:creationId xmlns:p14="http://schemas.microsoft.com/office/powerpoint/2010/main" val="232107887"/>
+        <p14:creationId xmlns:p14="http://schemas.microsoft.com/office/powerpoint/2010/main" val="2328917159"/>
       </p:ext>
     </p:extLst>
   </p:cSld>
@@ -758,18 +2888,41 @@
       </p:grpSpPr>
       <p:sp>
         <p:nvSpPr>
-          <p:cNvPr id="2" name="Title 1">
-            <a:extLst>
-              <a:ext uri="{FF2B5EF4-FFF2-40B4-BE49-F238E27FC236}">
-                <a16:creationId xmlns:a16="http://schemas.microsoft.com/office/drawing/2014/main" id="{9F601320-FA92-4F7E-876C-A7E3C44DD20D}"/>
-              </a:ext>
-            </a:extLst>
-          </p:cNvPr>
+          <p:cNvPr id="2" name="Title 1"/>
           <p:cNvSpPr>
             <a:spLocks noGrp="1"/>
           </p:cNvSpPr>
           <p:nvPr>
             <p:ph type="title"/>
+          </p:nvPr>
+        </p:nvSpPr>
+        <p:spPr/>
+        <p:txBody>
+          <a:bodyPr>
+            <a:normAutofit/>
+          </a:bodyPr>
+          <a:lstStyle>
+            <a:lvl1pPr>
+              <a:defRPr sz="3600"/>
+            </a:lvl1pPr>
+          </a:lstStyle>
+          <a:p>
+            <a:r>
+              <a:rPr lang="en-US"/>
+              <a:t>Click to edit Master title style</a:t>
+            </a:r>
+            <a:endParaRPr lang="en-US" dirty="0"/>
+          </a:p>
+        </p:txBody>
+      </p:sp>
+      <p:sp>
+        <p:nvSpPr>
+          <p:cNvPr id="3" name="Content Placeholder 2"/>
+          <p:cNvSpPr>
+            <a:spLocks noGrp="1"/>
+          </p:cNvSpPr>
+          <p:nvPr>
+            <p:ph idx="1"/>
           </p:nvPr>
         </p:nvSpPr>
         <p:spPr/>
@@ -777,28 +2930,51 @@
           <a:bodyPr/>
           <a:lstStyle/>
           <a:p>
+            <a:pPr lvl="0"/>
             <a:r>
               <a:rPr lang="en-US"/>
-              <a:t>Click to edit Master title style</a:t>
-            </a:r>
-            <a:endParaRPr lang="en-IN"/>
-          </a:p>
-        </p:txBody>
-      </p:sp>
-      <p:sp>
-        <p:nvSpPr>
-          <p:cNvPr id="3" name="Content Placeholder 2">
-            <a:extLst>
-              <a:ext uri="{FF2B5EF4-FFF2-40B4-BE49-F238E27FC236}">
-                <a16:creationId xmlns:a16="http://schemas.microsoft.com/office/drawing/2014/main" id="{773801FC-5082-43A8-992A-BC8C845AAD59}"/>
-              </a:ext>
-            </a:extLst>
-          </p:cNvPr>
-          <p:cNvSpPr>
-            <a:spLocks noGrp="1"/>
-          </p:cNvSpPr>
-          <p:nvPr>
-            <p:ph idx="1"/>
+              <a:t>Click to edit Master text styles</a:t>
+            </a:r>
+          </a:p>
+          <a:p>
+            <a:pPr lvl="1"/>
+            <a:r>
+              <a:rPr lang="en-US"/>
+              <a:t>Second level</a:t>
+            </a:r>
+          </a:p>
+          <a:p>
+            <a:pPr lvl="2"/>
+            <a:r>
+              <a:rPr lang="en-US"/>
+              <a:t>Third level</a:t>
+            </a:r>
+          </a:p>
+          <a:p>
+            <a:pPr lvl="3"/>
+            <a:r>
+              <a:rPr lang="en-US"/>
+              <a:t>Fourth level</a:t>
+            </a:r>
+          </a:p>
+          <a:p>
+            <a:pPr lvl="4"/>
+            <a:r>
+              <a:rPr lang="en-US"/>
+              <a:t>Fifth level</a:t>
+            </a:r>
+            <a:endParaRPr lang="en-US" dirty="0"/>
+          </a:p>
+        </p:txBody>
+      </p:sp>
+      <p:sp>
+        <p:nvSpPr>
+          <p:cNvPr id="4" name="Date Placeholder 3"/>
+          <p:cNvSpPr>
+            <a:spLocks noGrp="1"/>
+          </p:cNvSpPr>
+          <p:nvPr>
+            <p:ph type="dt" sz="half" idx="10"/>
           </p:nvPr>
         </p:nvSpPr>
         <p:spPr/>
@@ -806,57 +2982,22 @@
           <a:bodyPr/>
           <a:lstStyle/>
           <a:p>
-            <a:pPr lvl="0"/>
-            <a:r>
-              <a:rPr lang="en-US"/>
-              <a:t>Click to edit Master text styles</a:t>
-            </a:r>
-          </a:p>
-          <a:p>
-            <a:pPr lvl="1"/>
-            <a:r>
-              <a:rPr lang="en-US"/>
-              <a:t>Second level</a:t>
-            </a:r>
-          </a:p>
-          <a:p>
-            <a:pPr lvl="2"/>
-            <a:r>
-              <a:rPr lang="en-US"/>
-              <a:t>Third level</a:t>
-            </a:r>
-          </a:p>
-          <a:p>
-            <a:pPr lvl="3"/>
-            <a:r>
-              <a:rPr lang="en-US"/>
-              <a:t>Fourth level</a:t>
-            </a:r>
-          </a:p>
-          <a:p>
-            <a:pPr lvl="4"/>
-            <a:r>
-              <a:rPr lang="en-US"/>
-              <a:t>Fifth level</a:t>
-            </a:r>
+            <a:fld id="{DD8A53B7-D45A-42DA-899B-CEC8DCC8EB58}" type="datetimeFigureOut">
+              <a:rPr lang="en-IN" smtClean="0"/>
+              <a:t>10-11-2020</a:t>
+            </a:fld>
             <a:endParaRPr lang="en-IN"/>
           </a:p>
         </p:txBody>
       </p:sp>
       <p:sp>
         <p:nvSpPr>
-          <p:cNvPr id="4" name="Date Placeholder 3">
-            <a:extLst>
-              <a:ext uri="{FF2B5EF4-FFF2-40B4-BE49-F238E27FC236}">
-                <a16:creationId xmlns:a16="http://schemas.microsoft.com/office/drawing/2014/main" id="{3D62EF49-90BF-4C8C-B197-21F4D1448886}"/>
-              </a:ext>
-            </a:extLst>
-          </p:cNvPr>
-          <p:cNvSpPr>
-            <a:spLocks noGrp="1"/>
-          </p:cNvSpPr>
-          <p:nvPr>
-            <p:ph type="dt" sz="half" idx="10"/>
+          <p:cNvPr id="5" name="Footer Placeholder 4"/>
+          <p:cNvSpPr>
+            <a:spLocks noGrp="1"/>
+          </p:cNvSpPr>
+          <p:nvPr>
+            <p:ph type="ftr" sz="quarter" idx="11"/>
           </p:nvPr>
         </p:nvSpPr>
         <p:spPr/>
@@ -864,48 +3005,13 @@
           <a:bodyPr/>
           <a:lstStyle/>
           <a:p>
-            <a:fld id="{DD8A53B7-D45A-42DA-899B-CEC8DCC8EB58}" type="datetimeFigureOut">
-              <a:rPr lang="en-IN" smtClean="0"/>
-              <a:t>19-10-2020</a:t>
-            </a:fld>
             <a:endParaRPr lang="en-IN"/>
           </a:p>
         </p:txBody>
       </p:sp>
       <p:sp>
         <p:nvSpPr>
-          <p:cNvPr id="5" name="Footer Placeholder 4">
-            <a:extLst>
-              <a:ext uri="{FF2B5EF4-FFF2-40B4-BE49-F238E27FC236}">
-                <a16:creationId xmlns:a16="http://schemas.microsoft.com/office/drawing/2014/main" id="{EFCE1D7C-7A67-4FF1-80A2-A64A7DA676DE}"/>
-              </a:ext>
-            </a:extLst>
-          </p:cNvPr>
-          <p:cNvSpPr>
-            <a:spLocks noGrp="1"/>
-          </p:cNvSpPr>
-          <p:nvPr>
-            <p:ph type="ftr" sz="quarter" idx="11"/>
-          </p:nvPr>
-        </p:nvSpPr>
-        <p:spPr/>
-        <p:txBody>
-          <a:bodyPr/>
-          <a:lstStyle/>
-          <a:p>
-            <a:endParaRPr lang="en-IN"/>
-          </a:p>
-        </p:txBody>
-      </p:sp>
-      <p:sp>
-        <p:nvSpPr>
-          <p:cNvPr id="6" name="Slide Number Placeholder 5">
-            <a:extLst>
-              <a:ext uri="{FF2B5EF4-FFF2-40B4-BE49-F238E27FC236}">
-                <a16:creationId xmlns:a16="http://schemas.microsoft.com/office/drawing/2014/main" id="{05E15633-470C-4AAA-B451-B03C6DAECC49}"/>
-              </a:ext>
-            </a:extLst>
-          </p:cNvPr>
+          <p:cNvPr id="6" name="Slide Number Placeholder 5"/>
           <p:cNvSpPr>
             <a:spLocks noGrp="1"/>
           </p:cNvSpPr>
@@ -929,7 +3035,7 @@
     </p:spTree>
     <p:extLst>
       <p:ext uri="{BB962C8B-B14F-4D97-AF65-F5344CB8AC3E}">
-        <p14:creationId xmlns:p14="http://schemas.microsoft.com/office/powerpoint/2010/main" val="930735418"/>
+        <p14:creationId xmlns:p14="http://schemas.microsoft.com/office/powerpoint/2010/main" val="2048760460"/>
       </p:ext>
     </p:extLst>
   </p:cSld>
@@ -958,13 +3064,7 @@
       </p:grpSpPr>
       <p:sp>
         <p:nvSpPr>
-          <p:cNvPr id="2" name="Title 1">
-            <a:extLst>
-              <a:ext uri="{FF2B5EF4-FFF2-40B4-BE49-F238E27FC236}">
-                <a16:creationId xmlns:a16="http://schemas.microsoft.com/office/drawing/2014/main" id="{1CA83CDD-7933-4E08-828E-46F51F734ECB}"/>
-              </a:ext>
-            </a:extLst>
-          </p:cNvPr>
+          <p:cNvPr id="2" name="Title 1"/>
           <p:cNvSpPr>
             <a:spLocks noGrp="1"/>
           </p:cNvSpPr>
@@ -974,15 +3074,15 @@
         </p:nvSpPr>
         <p:spPr>
           <a:xfrm>
-            <a:off x="831850" y="1709738"/>
-            <a:ext cx="10515600" cy="2852737"/>
+            <a:off x="677335" y="2700867"/>
+            <a:ext cx="8596668" cy="1826581"/>
           </a:xfrm>
         </p:spPr>
         <p:txBody>
           <a:bodyPr anchor="b"/>
           <a:lstStyle>
-            <a:lvl1pPr>
-              <a:defRPr sz="6000"/>
+            <a:lvl1pPr algn="l">
+              <a:defRPr sz="4000" b="0" cap="none"/>
             </a:lvl1pPr>
           </a:lstStyle>
           <a:p>
@@ -990,19 +3090,13 @@
               <a:rPr lang="en-US"/>
               <a:t>Click to edit Master title style</a:t>
             </a:r>
-            <a:endParaRPr lang="en-IN"/>
-          </a:p>
-        </p:txBody>
-      </p:sp>
-      <p:sp>
-        <p:nvSpPr>
-          <p:cNvPr id="3" name="Text Placeholder 2">
-            <a:extLst>
-              <a:ext uri="{FF2B5EF4-FFF2-40B4-BE49-F238E27FC236}">
-                <a16:creationId xmlns:a16="http://schemas.microsoft.com/office/drawing/2014/main" id="{73B691EE-B616-4643-9067-A27713A564D9}"/>
-              </a:ext>
-            </a:extLst>
-          </p:cNvPr>
+            <a:endParaRPr lang="en-US" dirty="0"/>
+          </a:p>
+        </p:txBody>
+      </p:sp>
+      <p:sp>
+        <p:nvSpPr>
+          <p:cNvPr id="3" name="Text Placeholder 2"/>
           <p:cNvSpPr>
             <a:spLocks noGrp="1"/>
           </p:cNvSpPr>
@@ -1012,102 +3106,103 @@
         </p:nvSpPr>
         <p:spPr>
           <a:xfrm>
-            <a:off x="831850" y="4589463"/>
-            <a:ext cx="10515600" cy="1500187"/>
+            <a:off x="677335" y="4527448"/>
+            <a:ext cx="8596668" cy="860400"/>
           </a:xfrm>
         </p:spPr>
         <p:txBody>
-          <a:bodyPr/>
+          <a:bodyPr anchor="t"/>
           <a:lstStyle>
-            <a:lvl1pPr marL="0" indent="0">
-              <a:buNone/>
-              <a:defRPr sz="2400">
+            <a:lvl1pPr marL="0" indent="0" algn="l">
+              <a:buNone/>
+              <a:defRPr sz="2000">
+                <a:solidFill>
+                  <a:schemeClr val="tx1">
+                    <a:lumMod val="50000"/>
+                    <a:lumOff val="50000"/>
+                  </a:schemeClr>
+                </a:solidFill>
+              </a:defRPr>
+            </a:lvl1pPr>
+            <a:lvl2pPr marL="457200" indent="0">
+              <a:buNone/>
+              <a:defRPr sz="1800">
                 <a:solidFill>
                   <a:schemeClr val="tx1">
                     <a:tint val="75000"/>
                   </a:schemeClr>
                 </a:solidFill>
               </a:defRPr>
-            </a:lvl1pPr>
-            <a:lvl2pPr marL="457200" indent="0">
-              <a:buNone/>
-              <a:defRPr sz="2000">
+            </a:lvl2pPr>
+            <a:lvl3pPr marL="914400" indent="0">
+              <a:buNone/>
+              <a:defRPr sz="1600">
                 <a:solidFill>
                   <a:schemeClr val="tx1">
                     <a:tint val="75000"/>
                   </a:schemeClr>
                 </a:solidFill>
               </a:defRPr>
-            </a:lvl2pPr>
-            <a:lvl3pPr marL="914400" indent="0">
-              <a:buNone/>
-              <a:defRPr sz="1800">
+            </a:lvl3pPr>
+            <a:lvl4pPr marL="1371600" indent="0">
+              <a:buNone/>
+              <a:defRPr sz="1400">
                 <a:solidFill>
                   <a:schemeClr val="tx1">
                     <a:tint val="75000"/>
                   </a:schemeClr>
                 </a:solidFill>
               </a:defRPr>
-            </a:lvl3pPr>
-            <a:lvl4pPr marL="1371600" indent="0">
-              <a:buNone/>
-              <a:defRPr sz="1600">
+            </a:lvl4pPr>
+            <a:lvl5pPr marL="1828800" indent="0">
+              <a:buNone/>
+              <a:defRPr sz="1400">
                 <a:solidFill>
                   <a:schemeClr val="tx1">
                     <a:tint val="75000"/>
                   </a:schemeClr>
                 </a:solidFill>
               </a:defRPr>
-            </a:lvl4pPr>
-            <a:lvl5pPr marL="1828800" indent="0">
-              <a:buNone/>
-              <a:defRPr sz="1600">
+            </a:lvl5pPr>
+            <a:lvl6pPr marL="2286000" indent="0">
+              <a:buNone/>
+              <a:defRPr sz="1400">
                 <a:solidFill>
                   <a:schemeClr val="tx1">
                     <a:tint val="75000"/>
                   </a:schemeClr>
                 </a:solidFill>
               </a:defRPr>
-            </a:lvl5pPr>
-            <a:lvl6pPr marL="2286000" indent="0">
-              <a:buNone/>
-              <a:defRPr sz="1600">
+            </a:lvl6pPr>
+            <a:lvl7pPr marL="2743200" indent="0">
+              <a:buNone/>
+              <a:defRPr sz="1400">
                 <a:solidFill>
                   <a:schemeClr val="tx1">
                     <a:tint val="75000"/>
                   </a:schemeClr>
                 </a:solidFill>
               </a:defRPr>
-            </a:lvl6pPr>
-            <a:lvl7pPr marL="2743200" indent="0">
-              <a:buNone/>
-              <a:defRPr sz="1600">
+            </a:lvl7pPr>
+            <a:lvl8pPr marL="3200400" indent="0">
+              <a:buNone/>
+              <a:defRPr sz="1400">
                 <a:solidFill>
                   <a:schemeClr val="tx1">
                     <a:tint val="75000"/>
                   </a:schemeClr>
                 </a:solidFill>
               </a:defRPr>
-            </a:lvl7pPr>
-            <a:lvl8pPr marL="3200400" indent="0">
-              <a:buNone/>
-              <a:defRPr sz="1600">
+            </a:lvl8pPr>
+            <a:lvl9pPr marL="3657600" indent="0">
+              <a:buNone/>
+              <a:defRPr sz="1400">
                 <a:solidFill>
                   <a:schemeClr val="tx1">
                     <a:tint val="75000"/>
                   </a:schemeClr>
                 </a:solidFill>
               </a:defRPr>
-            </a:lvl8pPr>
-            <a:lvl9pPr marL="3657600" indent="0">
-              <a:buNone/>
-              <a:defRPr sz="1600">
-                <a:solidFill>
-                  <a:schemeClr val="tx1">
-                    <a:tint val="75000"/>
-                  </a:schemeClr>
-                </a:solidFill>
-              </a:defRPr>
             </a:lvl9pPr>
           </a:lstStyle>
           <a:p>
@@ -1121,13 +3216,7 @@
       </p:sp>
       <p:sp>
         <p:nvSpPr>
-          <p:cNvPr id="4" name="Date Placeholder 3">
-            <a:extLst>
-              <a:ext uri="{FF2B5EF4-FFF2-40B4-BE49-F238E27FC236}">
-                <a16:creationId xmlns:a16="http://schemas.microsoft.com/office/drawing/2014/main" id="{13ED192E-4BDD-44E1-A430-5DA74A51C79B}"/>
-              </a:ext>
-            </a:extLst>
-          </p:cNvPr>
+          <p:cNvPr id="4" name="Date Placeholder 3"/>
           <p:cNvSpPr>
             <a:spLocks noGrp="1"/>
           </p:cNvSpPr>
@@ -1142,7 +3231,7 @@
           <a:p>
             <a:fld id="{DD8A53B7-D45A-42DA-899B-CEC8DCC8EB58}" type="datetimeFigureOut">
               <a:rPr lang="en-IN" smtClean="0"/>
-              <a:t>19-10-2020</a:t>
+              <a:t>10-11-2020</a:t>
             </a:fld>
             <a:endParaRPr lang="en-IN"/>
           </a:p>
@@ -1150,13 +3239,7 @@
       </p:sp>
       <p:sp>
         <p:nvSpPr>
-          <p:cNvPr id="5" name="Footer Placeholder 4">
-            <a:extLst>
-              <a:ext uri="{FF2B5EF4-FFF2-40B4-BE49-F238E27FC236}">
-                <a16:creationId xmlns:a16="http://schemas.microsoft.com/office/drawing/2014/main" id="{1B0DC047-AAA7-42D4-BF3C-B32223C7EC3B}"/>
-              </a:ext>
-            </a:extLst>
-          </p:cNvPr>
+          <p:cNvPr id="5" name="Footer Placeholder 4"/>
           <p:cNvSpPr>
             <a:spLocks noGrp="1"/>
           </p:cNvSpPr>
@@ -1175,13 +3258,7 @@
       </p:sp>
       <p:sp>
         <p:nvSpPr>
-          <p:cNvPr id="6" name="Slide Number Placeholder 5">
-            <a:extLst>
-              <a:ext uri="{FF2B5EF4-FFF2-40B4-BE49-F238E27FC236}">
-                <a16:creationId xmlns:a16="http://schemas.microsoft.com/office/drawing/2014/main" id="{D090AB51-161A-4B4F-AEA9-D8098BB3302A}"/>
-              </a:ext>
-            </a:extLst>
-          </p:cNvPr>
+          <p:cNvPr id="6" name="Slide Number Placeholder 5"/>
           <p:cNvSpPr>
             <a:spLocks noGrp="1"/>
           </p:cNvSpPr>
@@ -1205,7 +3282,7 @@
     </p:spTree>
     <p:extLst>
       <p:ext uri="{BB962C8B-B14F-4D97-AF65-F5344CB8AC3E}">
-        <p14:creationId xmlns:p14="http://schemas.microsoft.com/office/powerpoint/2010/main" val="3107090195"/>
+        <p14:creationId xmlns:p14="http://schemas.microsoft.com/office/powerpoint/2010/main" val="2983292760"/>
       </p:ext>
     </p:extLst>
   </p:cSld>
@@ -1234,13 +3311,7 @@
       </p:grpSpPr>
       <p:sp>
         <p:nvSpPr>
-          <p:cNvPr id="2" name="Title 1">
-            <a:extLst>
-              <a:ext uri="{FF2B5EF4-FFF2-40B4-BE49-F238E27FC236}">
-                <a16:creationId xmlns:a16="http://schemas.microsoft.com/office/drawing/2014/main" id="{28030EF5-40AB-44E3-9D87-72919FD76060}"/>
-              </a:ext>
-            </a:extLst>
-          </p:cNvPr>
+          <p:cNvPr id="2" name="Title 1"/>
           <p:cNvSpPr>
             <a:spLocks noGrp="1"/>
           </p:cNvSpPr>
@@ -1257,19 +3328,13 @@
               <a:rPr lang="en-US"/>
               <a:t>Click to edit Master title style</a:t>
             </a:r>
-            <a:endParaRPr lang="en-IN"/>
-          </a:p>
-        </p:txBody>
-      </p:sp>
-      <p:sp>
-        <p:nvSpPr>
-          <p:cNvPr id="3" name="Content Placeholder 2">
-            <a:extLst>
-              <a:ext uri="{FF2B5EF4-FFF2-40B4-BE49-F238E27FC236}">
-                <a16:creationId xmlns:a16="http://schemas.microsoft.com/office/drawing/2014/main" id="{F4D1CA11-A94C-4AFB-9957-D8AA5B92616E}"/>
-              </a:ext>
-            </a:extLst>
-          </p:cNvPr>
+            <a:endParaRPr lang="en-US" dirty="0"/>
+          </a:p>
+        </p:txBody>
+      </p:sp>
+      <p:sp>
+        <p:nvSpPr>
+          <p:cNvPr id="3" name="Content Placeholder 2"/>
           <p:cNvSpPr>
             <a:spLocks noGrp="1"/>
           </p:cNvSpPr>
@@ -1279,8 +3344,8 @@
         </p:nvSpPr>
         <p:spPr>
           <a:xfrm>
-            <a:off x="838200" y="1825625"/>
-            <a:ext cx="5181600" cy="4351338"/>
+            <a:off x="677334" y="2160589"/>
+            <a:ext cx="4184035" cy="3880772"/>
           </a:xfrm>
         </p:spPr>
         <p:txBody>
@@ -1320,19 +3385,13 @@
               <a:rPr lang="en-US"/>
               <a:t>Fifth level</a:t>
             </a:r>
-            <a:endParaRPr lang="en-IN"/>
-          </a:p>
-        </p:txBody>
-      </p:sp>
-      <p:sp>
-        <p:nvSpPr>
-          <p:cNvPr id="4" name="Content Placeholder 3">
-            <a:extLst>
-              <a:ext uri="{FF2B5EF4-FFF2-40B4-BE49-F238E27FC236}">
-                <a16:creationId xmlns:a16="http://schemas.microsoft.com/office/drawing/2014/main" id="{5CF90791-309A-434C-B9C4-937557B0EDF2}"/>
-              </a:ext>
-            </a:extLst>
-          </p:cNvPr>
+            <a:endParaRPr lang="en-US" dirty="0"/>
+          </a:p>
+        </p:txBody>
+      </p:sp>
+      <p:sp>
+        <p:nvSpPr>
+          <p:cNvPr id="4" name="Content Placeholder 3"/>
           <p:cNvSpPr>
             <a:spLocks noGrp="1"/>
           </p:cNvSpPr>
@@ -1342,8 +3401,8 @@
         </p:nvSpPr>
         <p:spPr>
           <a:xfrm>
-            <a:off x="6172200" y="1825625"/>
-            <a:ext cx="5181600" cy="4351338"/>
+            <a:off x="5089970" y="2160589"/>
+            <a:ext cx="4184034" cy="3880773"/>
           </a:xfrm>
         </p:spPr>
         <p:txBody>
@@ -1383,19 +3442,13 @@
               <a:rPr lang="en-US"/>
               <a:t>Fifth level</a:t>
             </a:r>
-            <a:endParaRPr lang="en-IN"/>
-          </a:p>
-        </p:txBody>
-      </p:sp>
-      <p:sp>
-        <p:nvSpPr>
-          <p:cNvPr id="5" name="Date Placeholder 4">
-            <a:extLst>
-              <a:ext uri="{FF2B5EF4-FFF2-40B4-BE49-F238E27FC236}">
-                <a16:creationId xmlns:a16="http://schemas.microsoft.com/office/drawing/2014/main" id="{B67F388A-1B65-434E-A265-052BE9495C0B}"/>
-              </a:ext>
-            </a:extLst>
-          </p:cNvPr>
+            <a:endParaRPr lang="en-US" dirty="0"/>
+          </a:p>
+        </p:txBody>
+      </p:sp>
+      <p:sp>
+        <p:nvSpPr>
+          <p:cNvPr id="5" name="Date Placeholder 4"/>
           <p:cNvSpPr>
             <a:spLocks noGrp="1"/>
           </p:cNvSpPr>
@@ -1410,7 +3463,7 @@
           <a:p>
             <a:fld id="{DD8A53B7-D45A-42DA-899B-CEC8DCC8EB58}" type="datetimeFigureOut">
               <a:rPr lang="en-IN" smtClean="0"/>
-              <a:t>19-10-2020</a:t>
+              <a:t>10-11-2020</a:t>
             </a:fld>
             <a:endParaRPr lang="en-IN"/>
           </a:p>
@@ -1418,13 +3471,7 @@
       </p:sp>
       <p:sp>
         <p:nvSpPr>
-          <p:cNvPr id="6" name="Footer Placeholder 5">
-            <a:extLst>
-              <a:ext uri="{FF2B5EF4-FFF2-40B4-BE49-F238E27FC236}">
-                <a16:creationId xmlns:a16="http://schemas.microsoft.com/office/drawing/2014/main" id="{89FBF190-A7F8-4A2D-8648-D04C9141F958}"/>
-              </a:ext>
-            </a:extLst>
-          </p:cNvPr>
+          <p:cNvPr id="6" name="Footer Placeholder 5"/>
           <p:cNvSpPr>
             <a:spLocks noGrp="1"/>
           </p:cNvSpPr>
@@ -1443,13 +3490,7 @@
       </p:sp>
       <p:sp>
         <p:nvSpPr>
-          <p:cNvPr id="7" name="Slide Number Placeholder 6">
-            <a:extLst>
-              <a:ext uri="{FF2B5EF4-FFF2-40B4-BE49-F238E27FC236}">
-                <a16:creationId xmlns:a16="http://schemas.microsoft.com/office/drawing/2014/main" id="{2318DF97-242D-4D51-878E-010C5912EA69}"/>
-              </a:ext>
-            </a:extLst>
-          </p:cNvPr>
+          <p:cNvPr id="7" name="Slide Number Placeholder 6"/>
           <p:cNvSpPr>
             <a:spLocks noGrp="1"/>
           </p:cNvSpPr>
@@ -1473,7 +3514,7 @@
     </p:spTree>
     <p:extLst>
       <p:ext uri="{BB962C8B-B14F-4D97-AF65-F5344CB8AC3E}">
-        <p14:creationId xmlns:p14="http://schemas.microsoft.com/office/powerpoint/2010/main" val="585892232"/>
+        <p14:creationId xmlns:p14="http://schemas.microsoft.com/office/powerpoint/2010/main" val="817931208"/>
       </p:ext>
     </p:extLst>
   </p:cSld>
@@ -1502,66 +3543,55 @@
       </p:grpSpPr>
       <p:sp>
         <p:nvSpPr>
-          <p:cNvPr id="2" name="Title 1">
-            <a:extLst>
-              <a:ext uri="{FF2B5EF4-FFF2-40B4-BE49-F238E27FC236}">
-                <a16:creationId xmlns:a16="http://schemas.microsoft.com/office/drawing/2014/main" id="{455B260A-5E5D-45F6-9041-7E5F1F27BF09}"/>
-              </a:ext>
-            </a:extLst>
-          </p:cNvPr>
+          <p:cNvPr id="2" name="Title 1"/>
           <p:cNvSpPr>
             <a:spLocks noGrp="1"/>
           </p:cNvSpPr>
           <p:nvPr>
             <p:ph type="title"/>
+          </p:nvPr>
+        </p:nvSpPr>
+        <p:spPr/>
+        <p:txBody>
+          <a:bodyPr/>
+          <a:lstStyle>
+            <a:lvl1pPr>
+              <a:defRPr/>
+            </a:lvl1pPr>
+          </a:lstStyle>
+          <a:p>
+            <a:r>
+              <a:rPr lang="en-US"/>
+              <a:t>Click to edit Master title style</a:t>
+            </a:r>
+            <a:endParaRPr lang="en-US" dirty="0"/>
+          </a:p>
+        </p:txBody>
+      </p:sp>
+      <p:sp>
+        <p:nvSpPr>
+          <p:cNvPr id="3" name="Text Placeholder 2"/>
+          <p:cNvSpPr>
+            <a:spLocks noGrp="1"/>
+          </p:cNvSpPr>
+          <p:nvPr>
+            <p:ph type="body" idx="1"/>
           </p:nvPr>
         </p:nvSpPr>
         <p:spPr>
           <a:xfrm>
-            <a:off x="839788" y="365125"/>
-            <a:ext cx="10515600" cy="1325563"/>
+            <a:off x="675745" y="2160983"/>
+            <a:ext cx="4185623" cy="576262"/>
           </a:xfrm>
         </p:spPr>
         <p:txBody>
-          <a:bodyPr/>
-          <a:lstStyle/>
-          <a:p>
-            <a:r>
-              <a:rPr lang="en-US"/>
-              <a:t>Click to edit Master title style</a:t>
-            </a:r>
-            <a:endParaRPr lang="en-IN"/>
-          </a:p>
-        </p:txBody>
-      </p:sp>
-      <p:sp>
-        <p:nvSpPr>
-          <p:cNvPr id="3" name="Text Placeholder 2">
-            <a:extLst>
-              <a:ext uri="{FF2B5EF4-FFF2-40B4-BE49-F238E27FC236}">
-                <a16:creationId xmlns:a16="http://schemas.microsoft.com/office/drawing/2014/main" id="{05331F3E-C580-4954-BA12-11E624CAE093}"/>
-              </a:ext>
-            </a:extLst>
-          </p:cNvPr>
-          <p:cNvSpPr>
-            <a:spLocks noGrp="1"/>
-          </p:cNvSpPr>
-          <p:nvPr>
-            <p:ph type="body" idx="1"/>
-          </p:nvPr>
-        </p:nvSpPr>
-        <p:spPr>
-          <a:xfrm>
-            <a:off x="839788" y="1681163"/>
-            <a:ext cx="5157787" cy="823912"/>
-          </a:xfrm>
-        </p:spPr>
-        <p:txBody>
-          <a:bodyPr anchor="b"/>
+          <a:bodyPr anchor="b">
+            <a:noAutofit/>
+          </a:bodyPr>
           <a:lstStyle>
             <a:lvl1pPr marL="0" indent="0">
               <a:buNone/>
-              <a:defRPr sz="2400" b="1"/>
+              <a:defRPr sz="2400" b="0"/>
             </a:lvl1pPr>
             <a:lvl2pPr marL="457200" indent="0">
               <a:buNone/>
@@ -1607,13 +3637,7 @@
       </p:sp>
       <p:sp>
         <p:nvSpPr>
-          <p:cNvPr id="4" name="Content Placeholder 3">
-            <a:extLst>
-              <a:ext uri="{FF2B5EF4-FFF2-40B4-BE49-F238E27FC236}">
-                <a16:creationId xmlns:a16="http://schemas.microsoft.com/office/drawing/2014/main" id="{4EC36EFD-1112-4508-AB0B-75AEAE4E16CE}"/>
-              </a:ext>
-            </a:extLst>
-          </p:cNvPr>
+          <p:cNvPr id="4" name="Content Placeholder 3"/>
           <p:cNvSpPr>
             <a:spLocks noGrp="1"/>
           </p:cNvSpPr>
@@ -1623,12 +3647,14 @@
         </p:nvSpPr>
         <p:spPr>
           <a:xfrm>
-            <a:off x="839788" y="2505075"/>
-            <a:ext cx="5157787" cy="3684588"/>
+            <a:off x="675745" y="2737245"/>
+            <a:ext cx="4185623" cy="3304117"/>
           </a:xfrm>
         </p:spPr>
         <p:txBody>
-          <a:bodyPr/>
+          <a:bodyPr>
+            <a:normAutofit/>
+          </a:bodyPr>
           <a:lstStyle/>
           <a:p>
             <a:pPr lvl="0"/>
@@ -1664,19 +3690,13 @@
               <a:rPr lang="en-US"/>
               <a:t>Fifth level</a:t>
             </a:r>
-            <a:endParaRPr lang="en-IN"/>
-          </a:p>
-        </p:txBody>
-      </p:sp>
-      <p:sp>
-        <p:nvSpPr>
-          <p:cNvPr id="5" name="Text Placeholder 4">
-            <a:extLst>
-              <a:ext uri="{FF2B5EF4-FFF2-40B4-BE49-F238E27FC236}">
-                <a16:creationId xmlns:a16="http://schemas.microsoft.com/office/drawing/2014/main" id="{142A043F-44D4-4120-9C46-D4B773D78343}"/>
-              </a:ext>
-            </a:extLst>
-          </p:cNvPr>
+            <a:endParaRPr lang="en-US" dirty="0"/>
+          </a:p>
+        </p:txBody>
+      </p:sp>
+      <p:sp>
+        <p:nvSpPr>
+          <p:cNvPr id="5" name="Text Placeholder 4"/>
           <p:cNvSpPr>
             <a:spLocks noGrp="1"/>
           </p:cNvSpPr>
@@ -1686,16 +3706,18 @@
         </p:nvSpPr>
         <p:spPr>
           <a:xfrm>
-            <a:off x="6172200" y="1681163"/>
-            <a:ext cx="5183188" cy="823912"/>
+            <a:off x="5088383" y="2160983"/>
+            <a:ext cx="4185618" cy="576262"/>
           </a:xfrm>
         </p:spPr>
         <p:txBody>
-          <a:bodyPr anchor="b"/>
+          <a:bodyPr anchor="b">
+            <a:noAutofit/>
+          </a:bodyPr>
           <a:lstStyle>
             <a:lvl1pPr marL="0" indent="0">
               <a:buNone/>
-              <a:defRPr sz="2400" b="1"/>
+              <a:defRPr sz="2400" b="0"/>
             </a:lvl1pPr>
             <a:lvl2pPr marL="457200" indent="0">
               <a:buNone/>
@@ -1741,13 +3763,7 @@
       </p:sp>
       <p:sp>
         <p:nvSpPr>
-          <p:cNvPr id="6" name="Content Placeholder 5">
-            <a:extLst>
-              <a:ext uri="{FF2B5EF4-FFF2-40B4-BE49-F238E27FC236}">
-                <a16:creationId xmlns:a16="http://schemas.microsoft.com/office/drawing/2014/main" id="{CE43E3E9-6618-4071-B6B3-56B79622BB9E}"/>
-              </a:ext>
-            </a:extLst>
-          </p:cNvPr>
+          <p:cNvPr id="6" name="Content Placeholder 5"/>
           <p:cNvSpPr>
             <a:spLocks noGrp="1"/>
           </p:cNvSpPr>
@@ -1757,65 +3773,84 @@
         </p:nvSpPr>
         <p:spPr>
           <a:xfrm>
-            <a:off x="6172200" y="2505075"/>
-            <a:ext cx="5183188" cy="3684588"/>
+            <a:off x="5088384" y="2737245"/>
+            <a:ext cx="4185617" cy="3304117"/>
           </a:xfrm>
         </p:spPr>
         <p:txBody>
+          <a:bodyPr>
+            <a:normAutofit/>
+          </a:bodyPr>
+          <a:lstStyle/>
+          <a:p>
+            <a:pPr lvl="0"/>
+            <a:r>
+              <a:rPr lang="en-US"/>
+              <a:t>Click to edit Master text styles</a:t>
+            </a:r>
+          </a:p>
+          <a:p>
+            <a:pPr lvl="1"/>
+            <a:r>
+              <a:rPr lang="en-US"/>
+              <a:t>Second level</a:t>
+            </a:r>
+          </a:p>
+          <a:p>
+            <a:pPr lvl="2"/>
+            <a:r>
+              <a:rPr lang="en-US"/>
+              <a:t>Third level</a:t>
+            </a:r>
+          </a:p>
+          <a:p>
+            <a:pPr lvl="3"/>
+            <a:r>
+              <a:rPr lang="en-US"/>
+              <a:t>Fourth level</a:t>
+            </a:r>
+          </a:p>
+          <a:p>
+            <a:pPr lvl="4"/>
+            <a:r>
+              <a:rPr lang="en-US"/>
+              <a:t>Fifth level</a:t>
+            </a:r>
+            <a:endParaRPr lang="en-US" dirty="0"/>
+          </a:p>
+        </p:txBody>
+      </p:sp>
+      <p:sp>
+        <p:nvSpPr>
+          <p:cNvPr id="7" name="Date Placeholder 6"/>
+          <p:cNvSpPr>
+            <a:spLocks noGrp="1"/>
+          </p:cNvSpPr>
+          <p:nvPr>
+            <p:ph type="dt" sz="half" idx="10"/>
+          </p:nvPr>
+        </p:nvSpPr>
+        <p:spPr/>
+        <p:txBody>
           <a:bodyPr/>
           <a:lstStyle/>
           <a:p>
-            <a:pPr lvl="0"/>
-            <a:r>
-              <a:rPr lang="en-US"/>
-              <a:t>Click to edit Master text styles</a:t>
-            </a:r>
-          </a:p>
-          <a:p>
-            <a:pPr lvl="1"/>
-            <a:r>
-              <a:rPr lang="en-US"/>
-              <a:t>Second level</a:t>
-            </a:r>
-          </a:p>
-          <a:p>
-            <a:pPr lvl="2"/>
-            <a:r>
-              <a:rPr lang="en-US"/>
-              <a:t>Third level</a:t>
-            </a:r>
-          </a:p>
-          <a:p>
-            <a:pPr lvl="3"/>
-            <a:r>
-              <a:rPr lang="en-US"/>
-              <a:t>Fourth level</a:t>
-            </a:r>
-          </a:p>
-          <a:p>
-            <a:pPr lvl="4"/>
-            <a:r>
-              <a:rPr lang="en-US"/>
-              <a:t>Fifth level</a:t>
-            </a:r>
+            <a:fld id="{DD8A53B7-D45A-42DA-899B-CEC8DCC8EB58}" type="datetimeFigureOut">
+              <a:rPr lang="en-IN" smtClean="0"/>
+              <a:t>10-11-2020</a:t>
+            </a:fld>
             <a:endParaRPr lang="en-IN"/>
           </a:p>
         </p:txBody>
       </p:sp>
       <p:sp>
         <p:nvSpPr>
-          <p:cNvPr id="7" name="Date Placeholder 6">
-            <a:extLst>
-              <a:ext uri="{FF2B5EF4-FFF2-40B4-BE49-F238E27FC236}">
-                <a16:creationId xmlns:a16="http://schemas.microsoft.com/office/drawing/2014/main" id="{DDB46531-1760-4350-B514-C1745FD5533E}"/>
-              </a:ext>
-            </a:extLst>
-          </p:cNvPr>
-          <p:cNvSpPr>
-            <a:spLocks noGrp="1"/>
-          </p:cNvSpPr>
-          <p:nvPr>
-            <p:ph type="dt" sz="half" idx="10"/>
+          <p:cNvPr id="8" name="Footer Placeholder 7"/>
+          <p:cNvSpPr>
+            <a:spLocks noGrp="1"/>
+          </p:cNvSpPr>
+          <p:nvPr>
+            <p:ph type="ftr" sz="quarter" idx="11"/>
           </p:nvPr>
         </p:nvSpPr>
         <p:spPr/>
@@ -1823,48 +3858,13 @@
           <a:bodyPr/>
           <a:lstStyle/>
           <a:p>
-            <a:fld id="{DD8A53B7-D45A-42DA-899B-CEC8DCC8EB58}" type="datetimeFigureOut">
-              <a:rPr lang="en-IN" smtClean="0"/>
-              <a:t>19-10-2020</a:t>
-            </a:fld>
             <a:endParaRPr lang="en-IN"/>
           </a:p>
         </p:txBody>
       </p:sp>
       <p:sp>
         <p:nvSpPr>
-          <p:cNvPr id="8" name="Footer Placeholder 7">
-            <a:extLst>
-              <a:ext uri="{FF2B5EF4-FFF2-40B4-BE49-F238E27FC236}">
-                <a16:creationId xmlns:a16="http://schemas.microsoft.com/office/drawing/2014/main" id="{33A10BB3-E18C-44B9-B88B-F1B553F478B4}"/>
-              </a:ext>
-            </a:extLst>
-          </p:cNvPr>
-          <p:cNvSpPr>
-            <a:spLocks noGrp="1"/>
-          </p:cNvSpPr>
-          <p:nvPr>
-            <p:ph type="ftr" sz="quarter" idx="11"/>
-          </p:nvPr>
-        </p:nvSpPr>
-        <p:spPr/>
-        <p:txBody>
-          <a:bodyPr/>
-          <a:lstStyle/>
-          <a:p>
-            <a:endParaRPr lang="en-IN"/>
-          </a:p>
-        </p:txBody>
-      </p:sp>
-      <p:sp>
-        <p:nvSpPr>
-          <p:cNvPr id="9" name="Slide Number Placeholder 8">
-            <a:extLst>
-              <a:ext uri="{FF2B5EF4-FFF2-40B4-BE49-F238E27FC236}">
-                <a16:creationId xmlns:a16="http://schemas.microsoft.com/office/drawing/2014/main" id="{56C86280-9F0D-4A6A-85D1-901FC121625A}"/>
-              </a:ext>
-            </a:extLst>
-          </p:cNvPr>
+          <p:cNvPr id="9" name="Slide Number Placeholder 8"/>
           <p:cNvSpPr>
             <a:spLocks noGrp="1"/>
           </p:cNvSpPr>
@@ -1888,7 +3888,7 @@
     </p:spTree>
     <p:extLst>
       <p:ext uri="{BB962C8B-B14F-4D97-AF65-F5344CB8AC3E}">
-        <p14:creationId xmlns:p14="http://schemas.microsoft.com/office/powerpoint/2010/main" val="3636442126"/>
+        <p14:creationId xmlns:p14="http://schemas.microsoft.com/office/powerpoint/2010/main" val="2233389719"/>
       </p:ext>
     </p:extLst>
   </p:cSld>
@@ -1917,13 +3917,7 @@
       </p:grpSpPr>
       <p:sp>
         <p:nvSpPr>
-          <p:cNvPr id="2" name="Title 1">
-            <a:extLst>
-              <a:ext uri="{FF2B5EF4-FFF2-40B4-BE49-F238E27FC236}">
-                <a16:creationId xmlns:a16="http://schemas.microsoft.com/office/drawing/2014/main" id="{AE606F11-50D3-43A5-ADCC-F44696BE7465}"/>
-              </a:ext>
-            </a:extLst>
-          </p:cNvPr>
+          <p:cNvPr id="2" name="Title 1"/>
           <p:cNvSpPr>
             <a:spLocks noGrp="1"/>
           </p:cNvSpPr>
@@ -1931,7 +3925,12 @@
             <p:ph type="title"/>
           </p:nvPr>
         </p:nvSpPr>
-        <p:spPr/>
+        <p:spPr>
+          <a:xfrm>
+            <a:off x="677334" y="609600"/>
+            <a:ext cx="8596668" cy="1320800"/>
+          </a:xfrm>
+        </p:spPr>
         <p:txBody>
           <a:bodyPr/>
           <a:lstStyle/>
@@ -1940,19 +3939,13 @@
               <a:rPr lang="en-US"/>
               <a:t>Click to edit Master title style</a:t>
             </a:r>
-            <a:endParaRPr lang="en-IN"/>
-          </a:p>
-        </p:txBody>
-      </p:sp>
-      <p:sp>
-        <p:nvSpPr>
-          <p:cNvPr id="3" name="Date Placeholder 2">
-            <a:extLst>
-              <a:ext uri="{FF2B5EF4-FFF2-40B4-BE49-F238E27FC236}">
-                <a16:creationId xmlns:a16="http://schemas.microsoft.com/office/drawing/2014/main" id="{2BC979D1-9BDA-42BC-B7ED-8C7A7CE7D973}"/>
-              </a:ext>
-            </a:extLst>
-          </p:cNvPr>
+            <a:endParaRPr lang="en-US" dirty="0"/>
+          </a:p>
+        </p:txBody>
+      </p:sp>
+      <p:sp>
+        <p:nvSpPr>
+          <p:cNvPr id="3" name="Date Placeholder 2"/>
           <p:cNvSpPr>
             <a:spLocks noGrp="1"/>
           </p:cNvSpPr>
@@ -1967,7 +3960,7 @@
           <a:p>
             <a:fld id="{DD8A53B7-D45A-42DA-899B-CEC8DCC8EB58}" type="datetimeFigureOut">
               <a:rPr lang="en-IN" smtClean="0"/>
-              <a:t>19-10-2020</a:t>
+              <a:t>10-11-2020</a:t>
             </a:fld>
             <a:endParaRPr lang="en-IN"/>
           </a:p>
@@ -1975,13 +3968,7 @@
       </p:sp>
       <p:sp>
         <p:nvSpPr>
-          <p:cNvPr id="4" name="Footer Placeholder 3">
-            <a:extLst>
-              <a:ext uri="{FF2B5EF4-FFF2-40B4-BE49-F238E27FC236}">
-                <a16:creationId xmlns:a16="http://schemas.microsoft.com/office/drawing/2014/main" id="{9AFA64AD-C065-4873-86FA-DBA87D30B5DF}"/>
-              </a:ext>
-            </a:extLst>
-          </p:cNvPr>
+          <p:cNvPr id="4" name="Footer Placeholder 3"/>
           <p:cNvSpPr>
             <a:spLocks noGrp="1"/>
           </p:cNvSpPr>
@@ -2000,13 +3987,7 @@
       </p:sp>
       <p:sp>
         <p:nvSpPr>
-          <p:cNvPr id="5" name="Slide Number Placeholder 4">
-            <a:extLst>
-              <a:ext uri="{FF2B5EF4-FFF2-40B4-BE49-F238E27FC236}">
-                <a16:creationId xmlns:a16="http://schemas.microsoft.com/office/drawing/2014/main" id="{E3A96577-12DD-465B-BB14-DFB59A2FC5C5}"/>
-              </a:ext>
-            </a:extLst>
-          </p:cNvPr>
+          <p:cNvPr id="5" name="Slide Number Placeholder 4"/>
           <p:cNvSpPr>
             <a:spLocks noGrp="1"/>
           </p:cNvSpPr>
@@ -2030,7 +4011,7 @@
     </p:spTree>
     <p:extLst>
       <p:ext uri="{BB962C8B-B14F-4D97-AF65-F5344CB8AC3E}">
-        <p14:creationId xmlns:p14="http://schemas.microsoft.com/office/powerpoint/2010/main" val="4208196530"/>
+        <p14:creationId xmlns:p14="http://schemas.microsoft.com/office/powerpoint/2010/main" val="2741636763"/>
       </p:ext>
     </p:extLst>
   </p:cSld>
@@ -2059,13 +4040,7 @@
       </p:grpSpPr>
       <p:sp>
         <p:nvSpPr>
-          <p:cNvPr id="2" name="Date Placeholder 1">
-            <a:extLst>
-              <a:ext uri="{FF2B5EF4-FFF2-40B4-BE49-F238E27FC236}">
-                <a16:creationId xmlns:a16="http://schemas.microsoft.com/office/drawing/2014/main" id="{F468EB41-3019-4ED9-B730-BC070E541FF8}"/>
-              </a:ext>
-            </a:extLst>
-          </p:cNvPr>
+          <p:cNvPr id="2" name="Date Placeholder 1"/>
           <p:cNvSpPr>
             <a:spLocks noGrp="1"/>
           </p:cNvSpPr>
@@ -2080,7 +4055,7 @@
           <a:p>
             <a:fld id="{DD8A53B7-D45A-42DA-899B-CEC8DCC8EB58}" type="datetimeFigureOut">
               <a:rPr lang="en-IN" smtClean="0"/>
-              <a:t>19-10-2020</a:t>
+              <a:t>10-11-2020</a:t>
             </a:fld>
             <a:endParaRPr lang="en-IN"/>
           </a:p>
@@ -2088,13 +4063,7 @@
       </p:sp>
       <p:sp>
         <p:nvSpPr>
-          <p:cNvPr id="3" name="Footer Placeholder 2">
-            <a:extLst>
-              <a:ext uri="{FF2B5EF4-FFF2-40B4-BE49-F238E27FC236}">
-                <a16:creationId xmlns:a16="http://schemas.microsoft.com/office/drawing/2014/main" id="{7DE256CF-22E9-461E-BD89-2512B413FB3C}"/>
-              </a:ext>
-            </a:extLst>
-          </p:cNvPr>
+          <p:cNvPr id="3" name="Footer Placeholder 2"/>
           <p:cNvSpPr>
             <a:spLocks noGrp="1"/>
           </p:cNvSpPr>
@@ -2113,13 +4082,7 @@
       </p:sp>
       <p:sp>
         <p:nvSpPr>
-          <p:cNvPr id="4" name="Slide Number Placeholder 3">
-            <a:extLst>
-              <a:ext uri="{FF2B5EF4-FFF2-40B4-BE49-F238E27FC236}">
-                <a16:creationId xmlns:a16="http://schemas.microsoft.com/office/drawing/2014/main" id="{3B8ED445-337C-4757-8E17-E47E0C091AF7}"/>
-              </a:ext>
-            </a:extLst>
-          </p:cNvPr>
+          <p:cNvPr id="4" name="Slide Number Placeholder 3"/>
           <p:cNvSpPr>
             <a:spLocks noGrp="1"/>
           </p:cNvSpPr>
@@ -2143,7 +4106,7 @@
     </p:spTree>
     <p:extLst>
       <p:ext uri="{BB962C8B-B14F-4D97-AF65-F5344CB8AC3E}">
-        <p14:creationId xmlns:p14="http://schemas.microsoft.com/office/powerpoint/2010/main" val="571242397"/>
+        <p14:creationId xmlns:p14="http://schemas.microsoft.com/office/powerpoint/2010/main" val="2908527054"/>
       </p:ext>
     </p:extLst>
   </p:cSld>
@@ -2172,13 +4135,7 @@
       </p:grpSpPr>
       <p:sp>
         <p:nvSpPr>
-          <p:cNvPr id="2" name="Title 1">
-            <a:extLst>
-              <a:ext uri="{FF2B5EF4-FFF2-40B4-BE49-F238E27FC236}">
-                <a16:creationId xmlns:a16="http://schemas.microsoft.com/office/drawing/2014/main" id="{48FA58EE-552D-4CDC-9D64-DEE2F73E2A93}"/>
-              </a:ext>
-            </a:extLst>
-          </p:cNvPr>
+          <p:cNvPr id="2" name="Title 1"/>
           <p:cNvSpPr>
             <a:spLocks noGrp="1"/>
           </p:cNvSpPr>
@@ -2188,15 +4145,17 @@
         </p:nvSpPr>
         <p:spPr>
           <a:xfrm>
-            <a:off x="839788" y="457200"/>
-            <a:ext cx="3932237" cy="1600200"/>
+            <a:off x="677334" y="1498604"/>
+            <a:ext cx="3854528" cy="1278466"/>
           </a:xfrm>
         </p:spPr>
         <p:txBody>
-          <a:bodyPr anchor="b"/>
+          <a:bodyPr anchor="b">
+            <a:normAutofit/>
+          </a:bodyPr>
           <a:lstStyle>
             <a:lvl1pPr>
-              <a:defRPr sz="3200"/>
+              <a:defRPr sz="2000"/>
             </a:lvl1pPr>
           </a:lstStyle>
           <a:p>
@@ -2204,19 +4163,13 @@
               <a:rPr lang="en-US"/>
               <a:t>Click to edit Master title style</a:t>
             </a:r>
-            <a:endParaRPr lang="en-IN"/>
-          </a:p>
-        </p:txBody>
-      </p:sp>
-      <p:sp>
-        <p:nvSpPr>
-          <p:cNvPr id="3" name="Content Placeholder 2">
-            <a:extLst>
-              <a:ext uri="{FF2B5EF4-FFF2-40B4-BE49-F238E27FC236}">
-                <a16:creationId xmlns:a16="http://schemas.microsoft.com/office/drawing/2014/main" id="{6316745E-BBA8-414D-BE43-87F1BC68CE75}"/>
-              </a:ext>
-            </a:extLst>
-          </p:cNvPr>
+            <a:endParaRPr lang="en-US" dirty="0"/>
+          </a:p>
+        </p:txBody>
+      </p:sp>
+      <p:sp>
+        <p:nvSpPr>
+          <p:cNvPr id="3" name="Content Placeholder 2"/>
           <p:cNvSpPr>
             <a:spLocks noGrp="1"/>
           </p:cNvSpPr>
@@ -2226,41 +4179,15 @@
         </p:nvSpPr>
         <p:spPr>
           <a:xfrm>
-            <a:off x="5183188" y="987425"/>
-            <a:ext cx="6172200" cy="4873625"/>
+            <a:off x="4760461" y="514924"/>
+            <a:ext cx="4513541" cy="5526437"/>
           </a:xfrm>
         </p:spPr>
         <p:txBody>
-          <a:bodyPr/>
-          <a:lstStyle>
-            <a:lvl1pPr>
-              <a:defRPr sz="3200"/>
-            </a:lvl1pPr>
-            <a:lvl2pPr>
-              <a:defRPr sz="2800"/>
-            </a:lvl2pPr>
-            <a:lvl3pPr>
-              <a:defRPr sz="2400"/>
-            </a:lvl3pPr>
-            <a:lvl4pPr>
-              <a:defRPr sz="2000"/>
-            </a:lvl4pPr>
-            <a:lvl5pPr>
-              <a:defRPr sz="2000"/>
-            </a:lvl5pPr>
-            <a:lvl6pPr>
-              <a:defRPr sz="2000"/>
-            </a:lvl6pPr>
-            <a:lvl7pPr>
-              <a:defRPr sz="2000"/>
-            </a:lvl7pPr>
-            <a:lvl8pPr>
-              <a:defRPr sz="2000"/>
-            </a:lvl8pPr>
-            <a:lvl9pPr>
-              <a:defRPr sz="2000"/>
-            </a:lvl9pPr>
-          </a:lstStyle>
+          <a:bodyPr>
+            <a:normAutofit/>
+          </a:bodyPr>
+          <a:lstStyle/>
           <a:p>
             <a:pPr lvl="0"/>
             <a:r>
@@ -2295,19 +4222,13 @@
               <a:rPr lang="en-US"/>
               <a:t>Fifth level</a:t>
             </a:r>
-            <a:endParaRPr lang="en-IN"/>
-          </a:p>
-        </p:txBody>
-      </p:sp>
-      <p:sp>
-        <p:nvSpPr>
-          <p:cNvPr id="4" name="Text Placeholder 3">
-            <a:extLst>
-              <a:ext uri="{FF2B5EF4-FFF2-40B4-BE49-F238E27FC236}">
-                <a16:creationId xmlns:a16="http://schemas.microsoft.com/office/drawing/2014/main" id="{3A9209F3-EC76-4B21-A521-259AA9DA3079}"/>
-              </a:ext>
-            </a:extLst>
-          </p:cNvPr>
+            <a:endParaRPr lang="en-US" dirty="0"/>
+          </a:p>
+        </p:txBody>
+      </p:sp>
+      <p:sp>
+        <p:nvSpPr>
+          <p:cNvPr id="4" name="Text Placeholder 3"/>
           <p:cNvSpPr>
             <a:spLocks noGrp="1"/>
           </p:cNvSpPr>
@@ -2317,46 +4238,48 @@
         </p:nvSpPr>
         <p:spPr>
           <a:xfrm>
-            <a:off x="839788" y="2057400"/>
-            <a:ext cx="3932237" cy="3811588"/>
+            <a:off x="677334" y="2777069"/>
+            <a:ext cx="3854528" cy="2584449"/>
           </a:xfrm>
         </p:spPr>
         <p:txBody>
-          <a:bodyPr/>
+          <a:bodyPr>
+            <a:normAutofit/>
+          </a:bodyPr>
           <a:lstStyle>
             <a:lvl1pPr marL="0" indent="0">
               <a:buNone/>
-              <a:defRPr sz="1600"/>
+              <a:defRPr sz="1400"/>
             </a:lvl1pPr>
-            <a:lvl2pPr marL="457200" indent="0">
+            <a:lvl2pPr marL="457063" indent="0">
               <a:buNone/>
               <a:defRPr sz="1400"/>
             </a:lvl2pPr>
-            <a:lvl3pPr marL="914400" indent="0">
+            <a:lvl3pPr marL="914126" indent="0">
               <a:buNone/>
               <a:defRPr sz="1200"/>
             </a:lvl3pPr>
-            <a:lvl4pPr marL="1371600" indent="0">
+            <a:lvl4pPr marL="1371189" indent="0">
               <a:buNone/>
               <a:defRPr sz="1000"/>
             </a:lvl4pPr>
-            <a:lvl5pPr marL="1828800" indent="0">
+            <a:lvl5pPr marL="1828251" indent="0">
               <a:buNone/>
               <a:defRPr sz="1000"/>
             </a:lvl5pPr>
-            <a:lvl6pPr marL="2286000" indent="0">
+            <a:lvl6pPr marL="2285314" indent="0">
               <a:buNone/>
               <a:defRPr sz="1000"/>
             </a:lvl6pPr>
-            <a:lvl7pPr marL="2743200" indent="0">
+            <a:lvl7pPr marL="2742377" indent="0">
               <a:buNone/>
               <a:defRPr sz="1000"/>
             </a:lvl7pPr>
-            <a:lvl8pPr marL="3200400" indent="0">
+            <a:lvl8pPr marL="3199440" indent="0">
               <a:buNone/>
               <a:defRPr sz="1000"/>
             </a:lvl8pPr>
-            <a:lvl9pPr marL="3657600" indent="0">
+            <a:lvl9pPr marL="3656503" indent="0">
               <a:buNone/>
               <a:defRPr sz="1000"/>
             </a:lvl9pPr>
@@ -2372,13 +4295,7 @@
       </p:sp>
       <p:sp>
         <p:nvSpPr>
-          <p:cNvPr id="5" name="Date Placeholder 4">
-            <a:extLst>
-              <a:ext uri="{FF2B5EF4-FFF2-40B4-BE49-F238E27FC236}">
-                <a16:creationId xmlns:a16="http://schemas.microsoft.com/office/drawing/2014/main" id="{1965EC68-24B7-4118-9A3D-789FCC3793C9}"/>
-              </a:ext>
-            </a:extLst>
-          </p:cNvPr>
+          <p:cNvPr id="5" name="Date Placeholder 4"/>
           <p:cNvSpPr>
             <a:spLocks noGrp="1"/>
           </p:cNvSpPr>
@@ -2393,7 +4310,7 @@
           <a:p>
             <a:fld id="{DD8A53B7-D45A-42DA-899B-CEC8DCC8EB58}" type="datetimeFigureOut">
               <a:rPr lang="en-IN" smtClean="0"/>
-              <a:t>19-10-2020</a:t>
+              <a:t>10-11-2020</a:t>
             </a:fld>
             <a:endParaRPr lang="en-IN"/>
           </a:p>
@@ -2401,13 +4318,7 @@
       </p:sp>
       <p:sp>
         <p:nvSpPr>
-          <p:cNvPr id="6" name="Footer Placeholder 5">
-            <a:extLst>
-              <a:ext uri="{FF2B5EF4-FFF2-40B4-BE49-F238E27FC236}">
-                <a16:creationId xmlns:a16="http://schemas.microsoft.com/office/drawing/2014/main" id="{30588A96-7418-4CE4-9C83-9EB5A79A7D40}"/>
-              </a:ext>
-            </a:extLst>
-          </p:cNvPr>
+          <p:cNvPr id="6" name="Footer Placeholder 5"/>
           <p:cNvSpPr>
             <a:spLocks noGrp="1"/>
           </p:cNvSpPr>
@@ -2426,13 +4337,7 @@
       </p:sp>
       <p:sp>
         <p:nvSpPr>
-          <p:cNvPr id="7" name="Slide Number Placeholder 6">
-            <a:extLst>
-              <a:ext uri="{FF2B5EF4-FFF2-40B4-BE49-F238E27FC236}">
-                <a16:creationId xmlns:a16="http://schemas.microsoft.com/office/drawing/2014/main" id="{9BF6C2FF-1EB6-46CF-A739-BB2E8C2C0293}"/>
-              </a:ext>
-            </a:extLst>
-          </p:cNvPr>
+          <p:cNvPr id="7" name="Slide Number Placeholder 6"/>
           <p:cNvSpPr>
             <a:spLocks noGrp="1"/>
           </p:cNvSpPr>
@@ -2456,7 +4361,7 @@
     </p:spTree>
     <p:extLst>
       <p:ext uri="{BB962C8B-B14F-4D97-AF65-F5344CB8AC3E}">
-        <p14:creationId xmlns:p14="http://schemas.microsoft.com/office/powerpoint/2010/main" val="544342933"/>
+        <p14:creationId xmlns:p14="http://schemas.microsoft.com/office/powerpoint/2010/main" val="312034948"/>
       </p:ext>
     </p:extLst>
   </p:cSld>
@@ -2485,13 +4390,7 @@
       </p:grpSpPr>
       <p:sp>
         <p:nvSpPr>
-          <p:cNvPr id="2" name="Title 1">
-            <a:extLst>
-              <a:ext uri="{FF2B5EF4-FFF2-40B4-BE49-F238E27FC236}">
-                <a16:creationId xmlns:a16="http://schemas.microsoft.com/office/drawing/2014/main" id="{7189ED34-9B1A-48CF-84A9-7020E03FA50E}"/>
-              </a:ext>
-            </a:extLst>
-          </p:cNvPr>
+          <p:cNvPr id="2" name="Title 1"/>
           <p:cNvSpPr>
             <a:spLocks noGrp="1"/>
           </p:cNvSpPr>
@@ -2501,15 +4400,17 @@
         </p:nvSpPr>
         <p:spPr>
           <a:xfrm>
-            <a:off x="839788" y="457200"/>
-            <a:ext cx="3932237" cy="1600200"/>
+            <a:off x="677334" y="4800600"/>
+            <a:ext cx="8596667" cy="566738"/>
           </a:xfrm>
         </p:spPr>
         <p:txBody>
-          <a:bodyPr anchor="b"/>
+          <a:bodyPr anchor="b">
+            <a:normAutofit/>
+          </a:bodyPr>
           <a:lstStyle>
-            <a:lvl1pPr>
-              <a:defRPr sz="3200"/>
+            <a:lvl1pPr algn="l">
+              <a:defRPr sz="2400" b="0"/>
             </a:lvl1pPr>
           </a:lstStyle>
           <a:p>
@@ -2517,21 +4418,15 @@
               <a:rPr lang="en-US"/>
               <a:t>Click to edit Master title style</a:t>
             </a:r>
-            <a:endParaRPr lang="en-IN"/>
-          </a:p>
-        </p:txBody>
-      </p:sp>
-      <p:sp>
-        <p:nvSpPr>
-          <p:cNvPr id="3" name="Picture Placeholder 2">
-            <a:extLst>
-              <a:ext uri="{FF2B5EF4-FFF2-40B4-BE49-F238E27FC236}">
-                <a16:creationId xmlns:a16="http://schemas.microsoft.com/office/drawing/2014/main" id="{CA3990C6-EDC3-4E2A-81C2-91CA21420DC8}"/>
-              </a:ext>
-            </a:extLst>
-          </p:cNvPr>
-          <p:cNvSpPr>
-            <a:spLocks noGrp="1"/>
+            <a:endParaRPr lang="en-US" dirty="0"/>
+          </a:p>
+        </p:txBody>
+      </p:sp>
+      <p:sp>
+        <p:nvSpPr>
+          <p:cNvPr id="3" name="Picture Placeholder 2"/>
+          <p:cNvSpPr>
+            <a:spLocks noGrp="1" noChangeAspect="1"/>
           </p:cNvSpPr>
           <p:nvPr>
             <p:ph type="pic" idx="1"/>
@@ -2539,118 +4434,120 @@
         </p:nvSpPr>
         <p:spPr>
           <a:xfrm>
-            <a:off x="5183188" y="987425"/>
-            <a:ext cx="6172200" cy="4873625"/>
+            <a:off x="677334" y="609600"/>
+            <a:ext cx="8596668" cy="3845718"/>
           </a:xfrm>
         </p:spPr>
         <p:txBody>
-          <a:bodyPr/>
+          <a:bodyPr anchor="t">
+            <a:normAutofit/>
+          </a:bodyPr>
           <a:lstStyle>
-            <a:lvl1pPr marL="0" indent="0">
-              <a:buNone/>
-              <a:defRPr sz="3200"/>
-            </a:lvl1pPr>
-            <a:lvl2pPr marL="457200" indent="0">
-              <a:buNone/>
-              <a:defRPr sz="2800"/>
-            </a:lvl2pPr>
-            <a:lvl3pPr marL="914400" indent="0">
-              <a:buNone/>
-              <a:defRPr sz="2400"/>
-            </a:lvl3pPr>
-            <a:lvl4pPr marL="1371600" indent="0">
-              <a:buNone/>
-              <a:defRPr sz="2000"/>
-            </a:lvl4pPr>
-            <a:lvl5pPr marL="1828800" indent="0">
-              <a:buNone/>
-              <a:defRPr sz="2000"/>
-            </a:lvl5pPr>
-            <a:lvl6pPr marL="2286000" indent="0">
-              <a:buNone/>
-              <a:defRPr sz="2000"/>
-            </a:lvl6pPr>
-            <a:lvl7pPr marL="2743200" indent="0">
-              <a:buNone/>
-              <a:defRPr sz="2000"/>
-            </a:lvl7pPr>
-            <a:lvl8pPr marL="3200400" indent="0">
-              <a:buNone/>
-              <a:defRPr sz="2000"/>
-            </a:lvl8pPr>
-            <a:lvl9pPr marL="3657600" indent="0">
-              <a:buNone/>
-              <a:defRPr sz="2000"/>
-            </a:lvl9pPr>
-          </a:lstStyle>
-          <a:p>
-            <a:endParaRPr lang="en-IN"/>
-          </a:p>
-        </p:txBody>
-      </p:sp>
-      <p:sp>
-        <p:nvSpPr>
-          <p:cNvPr id="4" name="Text Placeholder 3">
-            <a:extLst>
-              <a:ext uri="{FF2B5EF4-FFF2-40B4-BE49-F238E27FC236}">
-                <a16:creationId xmlns:a16="http://schemas.microsoft.com/office/drawing/2014/main" id="{635CDB37-FAE0-4C21-9524-7654A2512DD9}"/>
-              </a:ext>
-            </a:extLst>
-          </p:cNvPr>
-          <p:cNvSpPr>
-            <a:spLocks noGrp="1"/>
-          </p:cNvSpPr>
-          <p:nvPr>
-            <p:ph type="body" sz="half" idx="2"/>
-          </p:nvPr>
-        </p:nvSpPr>
-        <p:spPr>
-          <a:xfrm>
-            <a:off x="839788" y="2057400"/>
-            <a:ext cx="3932237" cy="3811588"/>
-          </a:xfrm>
-        </p:spPr>
-        <p:txBody>
-          <a:bodyPr/>
-          <a:lstStyle>
-            <a:lvl1pPr marL="0" indent="0">
+            <a:lvl1pPr marL="0" indent="0" algn="ctr">
               <a:buNone/>
               <a:defRPr sz="1600"/>
             </a:lvl1pPr>
             <a:lvl2pPr marL="457200" indent="0">
               <a:buNone/>
-              <a:defRPr sz="1400"/>
+              <a:defRPr sz="1600"/>
             </a:lvl2pPr>
             <a:lvl3pPr marL="914400" indent="0">
               <a:buNone/>
-              <a:defRPr sz="1200"/>
+              <a:defRPr sz="1600"/>
             </a:lvl3pPr>
             <a:lvl4pPr marL="1371600" indent="0">
               <a:buNone/>
-              <a:defRPr sz="1000"/>
+              <a:defRPr sz="1600"/>
             </a:lvl4pPr>
             <a:lvl5pPr marL="1828800" indent="0">
               <a:buNone/>
-              <a:defRPr sz="1000"/>
+              <a:defRPr sz="1600"/>
             </a:lvl5pPr>
             <a:lvl6pPr marL="2286000" indent="0">
               <a:buNone/>
-              <a:defRPr sz="1000"/>
+              <a:defRPr sz="1600"/>
             </a:lvl6pPr>
             <a:lvl7pPr marL="2743200" indent="0">
               <a:buNone/>
-              <a:defRPr sz="1000"/>
+              <a:defRPr sz="1600"/>
             </a:lvl7pPr>
             <a:lvl8pPr marL="3200400" indent="0">
               <a:buNone/>
-              <a:defRPr sz="1000"/>
+              <a:defRPr sz="1600"/>
             </a:lvl8pPr>
             <a:lvl9pPr marL="3657600" indent="0">
               <a:buNone/>
-              <a:defRPr sz="1000"/>
+              <a:defRPr sz="1600"/>
             </a:lvl9pPr>
           </a:lstStyle>
           <a:p>
+            <a:r>
+              <a:rPr lang="en-US"/>
+              <a:t>Click icon to add picture</a:t>
+            </a:r>
+            <a:endParaRPr lang="en-US" dirty="0"/>
+          </a:p>
+        </p:txBody>
+      </p:sp>
+      <p:sp>
+        <p:nvSpPr>
+          <p:cNvPr id="4" name="Text Placeholder 3"/>
+          <p:cNvSpPr>
+            <a:spLocks noGrp="1"/>
+          </p:cNvSpPr>
+          <p:nvPr>
+            <p:ph type="body" sz="half" idx="2"/>
+          </p:nvPr>
+        </p:nvSpPr>
+        <p:spPr>
+          <a:xfrm>
+            <a:off x="677334" y="5367338"/>
+            <a:ext cx="8596667" cy="674024"/>
+          </a:xfrm>
+        </p:spPr>
+        <p:txBody>
+          <a:bodyPr>
+            <a:normAutofit/>
+          </a:bodyPr>
+          <a:lstStyle>
+            <a:lvl1pPr marL="0" indent="0">
+              <a:buNone/>
+              <a:defRPr sz="1200"/>
+            </a:lvl1pPr>
+            <a:lvl2pPr marL="457200" indent="0">
+              <a:buNone/>
+              <a:defRPr sz="1200"/>
+            </a:lvl2pPr>
+            <a:lvl3pPr marL="914400" indent="0">
+              <a:buNone/>
+              <a:defRPr sz="1000"/>
+            </a:lvl3pPr>
+            <a:lvl4pPr marL="1371600" indent="0">
+              <a:buNone/>
+              <a:defRPr sz="900"/>
+            </a:lvl4pPr>
+            <a:lvl5pPr marL="1828800" indent="0">
+              <a:buNone/>
+              <a:defRPr sz="900"/>
+            </a:lvl5pPr>
+            <a:lvl6pPr marL="2286000" indent="0">
+              <a:buNone/>
+              <a:defRPr sz="900"/>
+            </a:lvl6pPr>
+            <a:lvl7pPr marL="2743200" indent="0">
+              <a:buNone/>
+              <a:defRPr sz="900"/>
+            </a:lvl7pPr>
+            <a:lvl8pPr marL="3200400" indent="0">
+              <a:buNone/>
+              <a:defRPr sz="900"/>
+            </a:lvl8pPr>
+            <a:lvl9pPr marL="3657600" indent="0">
+              <a:buNone/>
+              <a:defRPr sz="900"/>
+            </a:lvl9pPr>
+          </a:lstStyle>
+          <a:p>
             <a:pPr lvl="0"/>
             <a:r>
               <a:rPr lang="en-US"/>
@@ -2661,13 +4558,7 @@
       </p:sp>
       <p:sp>
         <p:nvSpPr>
-          <p:cNvPr id="5" name="Date Placeholder 4">
-            <a:extLst>
-              <a:ext uri="{FF2B5EF4-FFF2-40B4-BE49-F238E27FC236}">
-                <a16:creationId xmlns:a16="http://schemas.microsoft.com/office/drawing/2014/main" id="{21E0B510-300D-4FF0-8B78-C2512E0F5008}"/>
-              </a:ext>
-            </a:extLst>
-          </p:cNvPr>
+          <p:cNvPr id="5" name="Date Placeholder 4"/>
           <p:cNvSpPr>
             <a:spLocks noGrp="1"/>
           </p:cNvSpPr>
@@ -2682,7 +4573,7 @@
           <a:p>
             <a:fld id="{DD8A53B7-D45A-42DA-899B-CEC8DCC8EB58}" type="datetimeFigureOut">
               <a:rPr lang="en-IN" smtClean="0"/>
-              <a:t>19-10-2020</a:t>
+              <a:t>10-11-2020</a:t>
             </a:fld>
             <a:endParaRPr lang="en-IN"/>
           </a:p>
@@ -2690,13 +4581,7 @@
       </p:sp>
       <p:sp>
         <p:nvSpPr>
-          <p:cNvPr id="6" name="Footer Placeholder 5">
-            <a:extLst>
-              <a:ext uri="{FF2B5EF4-FFF2-40B4-BE49-F238E27FC236}">
-                <a16:creationId xmlns:a16="http://schemas.microsoft.com/office/drawing/2014/main" id="{8503F46F-1A4B-486A-9C73-9C7C6E20B1A4}"/>
-              </a:ext>
-            </a:extLst>
-          </p:cNvPr>
+          <p:cNvPr id="6" name="Footer Placeholder 5"/>
           <p:cNvSpPr>
             <a:spLocks noGrp="1"/>
           </p:cNvSpPr>
@@ -2715,13 +4600,7 @@
       </p:sp>
       <p:sp>
         <p:nvSpPr>
-          <p:cNvPr id="7" name="Slide Number Placeholder 6">
-            <a:extLst>
-              <a:ext uri="{FF2B5EF4-FFF2-40B4-BE49-F238E27FC236}">
-                <a16:creationId xmlns:a16="http://schemas.microsoft.com/office/drawing/2014/main" id="{A0145891-DDA7-4FA2-A475-2E921898588D}"/>
-              </a:ext>
-            </a:extLst>
-          </p:cNvPr>
+          <p:cNvPr id="7" name="Slide Number Placeholder 6"/>
           <p:cNvSpPr>
             <a:spLocks noGrp="1"/>
           </p:cNvSpPr>
@@ -2745,7 +4624,7 @@
     </p:spTree>
     <p:extLst>
       <p:ext uri="{BB962C8B-B14F-4D97-AF65-F5344CB8AC3E}">
-        <p14:creationId xmlns:p14="http://schemas.microsoft.com/office/powerpoint/2010/main" val="3953462046"/>
+        <p14:creationId xmlns:p14="http://schemas.microsoft.com/office/powerpoint/2010/main" val="3335356085"/>
       </p:ext>
     </p:extLst>
   </p:cSld>
@@ -2777,15 +4656,539 @@
           <a:chExt cx="0" cy="0"/>
         </a:xfrm>
       </p:grpSpPr>
-      <p:sp>
-        <p:nvSpPr>
-          <p:cNvPr id="2" name="Title Placeholder 1">
-            <a:extLst>
-              <a:ext uri="{FF2B5EF4-FFF2-40B4-BE49-F238E27FC236}">
-                <a16:creationId xmlns:a16="http://schemas.microsoft.com/office/drawing/2014/main" id="{40711493-F064-4B0A-8CE6-158CB5FEA522}"/>
-              </a:ext>
-            </a:extLst>
-          </p:cNvPr>
+      <p:grpSp>
+        <p:nvGrpSpPr>
+          <p:cNvPr id="7" name="Group 6"/>
+          <p:cNvGrpSpPr/>
+          <p:nvPr/>
+        </p:nvGrpSpPr>
+        <p:grpSpPr>
+          <a:xfrm>
+            <a:off x="0" y="-8467"/>
+            <a:ext cx="12192000" cy="6866467"/>
+            <a:chOff x="0" y="-8467"/>
+            <a:chExt cx="12192000" cy="6866467"/>
+          </a:xfrm>
+        </p:grpSpPr>
+        <p:cxnSp>
+          <p:nvCxnSpPr>
+            <p:cNvPr id="20" name="Straight Connector 19"/>
+            <p:cNvCxnSpPr/>
+            <p:nvPr/>
+          </p:nvCxnSpPr>
+          <p:spPr>
+            <a:xfrm>
+              <a:off x="9371012" y="0"/>
+              <a:ext cx="1219200" cy="6858000"/>
+            </a:xfrm>
+            <a:prstGeom prst="line">
+              <a:avLst/>
+            </a:prstGeom>
+            <a:ln w="9525">
+              <a:solidFill>
+                <a:schemeClr val="bg1">
+                  <a:lumMod val="75000"/>
+                </a:schemeClr>
+              </a:solidFill>
+            </a:ln>
+          </p:spPr>
+          <p:style>
+            <a:lnRef idx="2">
+              <a:schemeClr val="accent1"/>
+            </a:lnRef>
+            <a:fillRef idx="0">
+              <a:schemeClr val="accent1"/>
+            </a:fillRef>
+            <a:effectRef idx="1">
+              <a:schemeClr val="accent1"/>
+            </a:effectRef>
+            <a:fontRef idx="minor">
+              <a:schemeClr val="tx1"/>
+            </a:fontRef>
+          </p:style>
+        </p:cxnSp>
+        <p:cxnSp>
+          <p:nvCxnSpPr>
+            <p:cNvPr id="21" name="Straight Connector 20"/>
+            <p:cNvCxnSpPr/>
+            <p:nvPr/>
+          </p:nvCxnSpPr>
+          <p:spPr>
+            <a:xfrm flipH="1">
+              <a:off x="7425267" y="3681413"/>
+              <a:ext cx="4763558" cy="3176587"/>
+            </a:xfrm>
+            <a:prstGeom prst="line">
+              <a:avLst/>
+            </a:prstGeom>
+            <a:ln w="9525">
+              <a:solidFill>
+                <a:schemeClr val="bg1">
+                  <a:lumMod val="85000"/>
+                </a:schemeClr>
+              </a:solidFill>
+            </a:ln>
+          </p:spPr>
+          <p:style>
+            <a:lnRef idx="2">
+              <a:schemeClr val="accent1"/>
+            </a:lnRef>
+            <a:fillRef idx="0">
+              <a:schemeClr val="accent1"/>
+            </a:fillRef>
+            <a:effectRef idx="1">
+              <a:schemeClr val="accent1"/>
+            </a:effectRef>
+            <a:fontRef idx="minor">
+              <a:schemeClr val="tx1"/>
+            </a:fontRef>
+          </p:style>
+        </p:cxnSp>
+        <p:sp>
+          <p:nvSpPr>
+            <p:cNvPr id="22" name="Rectangle 23"/>
+            <p:cNvSpPr/>
+            <p:nvPr/>
+          </p:nvSpPr>
+          <p:spPr>
+            <a:xfrm>
+              <a:off x="9181476" y="-8467"/>
+              <a:ext cx="3007349" cy="6866467"/>
+            </a:xfrm>
+            <a:custGeom>
+              <a:avLst/>
+              <a:gdLst/>
+              <a:ahLst/>
+              <a:cxnLst/>
+              <a:rect l="l" t="t" r="r" b="b"/>
+              <a:pathLst>
+                <a:path w="3007349" h="6866467">
+                  <a:moveTo>
+                    <a:pt x="2045532" y="0"/>
+                  </a:moveTo>
+                  <a:lnTo>
+                    <a:pt x="3007349" y="0"/>
+                  </a:lnTo>
+                  <a:lnTo>
+                    <a:pt x="3007349" y="6866467"/>
+                  </a:lnTo>
+                  <a:lnTo>
+                    <a:pt x="0" y="6866467"/>
+                  </a:lnTo>
+                  <a:lnTo>
+                    <a:pt x="2045532" y="0"/>
+                  </a:lnTo>
+                  <a:close/>
+                </a:path>
+              </a:pathLst>
+            </a:custGeom>
+            <a:solidFill>
+              <a:schemeClr val="accent1">
+                <a:alpha val="30000"/>
+              </a:schemeClr>
+            </a:solidFill>
+            <a:ln>
+              <a:noFill/>
+            </a:ln>
+            <a:effectLst/>
+          </p:spPr>
+          <p:style>
+            <a:lnRef idx="1">
+              <a:schemeClr val="accent1"/>
+            </a:lnRef>
+            <a:fillRef idx="3">
+              <a:schemeClr val="accent1"/>
+            </a:fillRef>
+            <a:effectRef idx="2">
+              <a:schemeClr val="accent1"/>
+            </a:effectRef>
+            <a:fontRef idx="minor">
+              <a:schemeClr val="lt1"/>
+            </a:fontRef>
+          </p:style>
+        </p:sp>
+        <p:sp>
+          <p:nvSpPr>
+            <p:cNvPr id="23" name="Rectangle 25"/>
+            <p:cNvSpPr/>
+            <p:nvPr/>
+          </p:nvSpPr>
+          <p:spPr>
+            <a:xfrm>
+              <a:off x="9603442" y="-8467"/>
+              <a:ext cx="2588558" cy="6866467"/>
+            </a:xfrm>
+            <a:custGeom>
+              <a:avLst/>
+              <a:gdLst/>
+              <a:ahLst/>
+              <a:cxnLst/>
+              <a:rect l="l" t="t" r="r" b="b"/>
+              <a:pathLst>
+                <a:path w="2573311" h="6866467">
+                  <a:moveTo>
+                    <a:pt x="0" y="0"/>
+                  </a:moveTo>
+                  <a:lnTo>
+                    <a:pt x="2573311" y="0"/>
+                  </a:lnTo>
+                  <a:lnTo>
+                    <a:pt x="2573311" y="6866467"/>
+                  </a:lnTo>
+                  <a:lnTo>
+                    <a:pt x="1202336" y="6866467"/>
+                  </a:lnTo>
+                  <a:lnTo>
+                    <a:pt x="0" y="0"/>
+                  </a:lnTo>
+                  <a:close/>
+                </a:path>
+              </a:pathLst>
+            </a:custGeom>
+            <a:solidFill>
+              <a:schemeClr val="accent1">
+                <a:alpha val="20000"/>
+              </a:schemeClr>
+            </a:solidFill>
+            <a:ln>
+              <a:noFill/>
+            </a:ln>
+            <a:effectLst/>
+          </p:spPr>
+          <p:style>
+            <a:lnRef idx="1">
+              <a:schemeClr val="accent1"/>
+            </a:lnRef>
+            <a:fillRef idx="3">
+              <a:schemeClr val="accent1"/>
+            </a:fillRef>
+            <a:effectRef idx="2">
+              <a:schemeClr val="accent1"/>
+            </a:effectRef>
+            <a:fontRef idx="minor">
+              <a:schemeClr val="lt1"/>
+            </a:fontRef>
+          </p:style>
+        </p:sp>
+        <p:sp>
+          <p:nvSpPr>
+            <p:cNvPr id="24" name="Isosceles Triangle 23"/>
+            <p:cNvSpPr/>
+            <p:nvPr/>
+          </p:nvSpPr>
+          <p:spPr>
+            <a:xfrm>
+              <a:off x="8932333" y="3048000"/>
+              <a:ext cx="3259667" cy="3810000"/>
+            </a:xfrm>
+            <a:prstGeom prst="triangle">
+              <a:avLst>
+                <a:gd name="adj" fmla="val 100000"/>
+              </a:avLst>
+            </a:prstGeom>
+            <a:solidFill>
+              <a:schemeClr val="accent2">
+                <a:alpha val="72000"/>
+              </a:schemeClr>
+            </a:solidFill>
+            <a:ln>
+              <a:noFill/>
+            </a:ln>
+            <a:effectLst/>
+          </p:spPr>
+          <p:style>
+            <a:lnRef idx="1">
+              <a:schemeClr val="accent1"/>
+            </a:lnRef>
+            <a:fillRef idx="3">
+              <a:schemeClr val="accent1"/>
+            </a:fillRef>
+            <a:effectRef idx="2">
+              <a:schemeClr val="accent1"/>
+            </a:effectRef>
+            <a:fontRef idx="minor">
+              <a:schemeClr val="lt1"/>
+            </a:fontRef>
+          </p:style>
+        </p:sp>
+        <p:sp>
+          <p:nvSpPr>
+            <p:cNvPr id="25" name="Rectangle 27"/>
+            <p:cNvSpPr/>
+            <p:nvPr/>
+          </p:nvSpPr>
+          <p:spPr>
+            <a:xfrm>
+              <a:off x="9334500" y="-8467"/>
+              <a:ext cx="2854326" cy="6866467"/>
+            </a:xfrm>
+            <a:custGeom>
+              <a:avLst/>
+              <a:gdLst/>
+              <a:ahLst/>
+              <a:cxnLst/>
+              <a:rect l="l" t="t" r="r" b="b"/>
+              <a:pathLst>
+                <a:path w="2858013" h="6866467">
+                  <a:moveTo>
+                    <a:pt x="0" y="0"/>
+                  </a:moveTo>
+                  <a:lnTo>
+                    <a:pt x="2858013" y="0"/>
+                  </a:lnTo>
+                  <a:lnTo>
+                    <a:pt x="2858013" y="6866467"/>
+                  </a:lnTo>
+                  <a:lnTo>
+                    <a:pt x="2473942" y="6866467"/>
+                  </a:lnTo>
+                  <a:lnTo>
+                    <a:pt x="0" y="0"/>
+                  </a:lnTo>
+                  <a:close/>
+                </a:path>
+              </a:pathLst>
+            </a:custGeom>
+            <a:solidFill>
+              <a:schemeClr val="accent2">
+                <a:lumMod val="75000"/>
+                <a:alpha val="70000"/>
+              </a:schemeClr>
+            </a:solidFill>
+            <a:ln>
+              <a:noFill/>
+            </a:ln>
+            <a:effectLst/>
+          </p:spPr>
+          <p:style>
+            <a:lnRef idx="1">
+              <a:schemeClr val="accent1"/>
+            </a:lnRef>
+            <a:fillRef idx="3">
+              <a:schemeClr val="accent1"/>
+            </a:fillRef>
+            <a:effectRef idx="2">
+              <a:schemeClr val="accent1"/>
+            </a:effectRef>
+            <a:fontRef idx="minor">
+              <a:schemeClr val="lt1"/>
+            </a:fontRef>
+          </p:style>
+        </p:sp>
+        <p:sp>
+          <p:nvSpPr>
+            <p:cNvPr id="26" name="Rectangle 28"/>
+            <p:cNvSpPr/>
+            <p:nvPr/>
+          </p:nvSpPr>
+          <p:spPr>
+            <a:xfrm>
+              <a:off x="10898730" y="-8467"/>
+              <a:ext cx="1290094" cy="6866467"/>
+            </a:xfrm>
+            <a:custGeom>
+              <a:avLst/>
+              <a:gdLst/>
+              <a:ahLst/>
+              <a:cxnLst/>
+              <a:rect l="l" t="t" r="r" b="b"/>
+              <a:pathLst>
+                <a:path w="1290094" h="6858000">
+                  <a:moveTo>
+                    <a:pt x="1019735" y="0"/>
+                  </a:moveTo>
+                  <a:lnTo>
+                    <a:pt x="1290094" y="0"/>
+                  </a:lnTo>
+                  <a:lnTo>
+                    <a:pt x="1290094" y="6858000"/>
+                  </a:lnTo>
+                  <a:lnTo>
+                    <a:pt x="0" y="6858000"/>
+                  </a:lnTo>
+                  <a:lnTo>
+                    <a:pt x="1019735" y="0"/>
+                  </a:lnTo>
+                  <a:close/>
+                </a:path>
+              </a:pathLst>
+            </a:custGeom>
+            <a:solidFill>
+              <a:schemeClr val="accent1">
+                <a:lumMod val="60000"/>
+                <a:lumOff val="40000"/>
+                <a:alpha val="70000"/>
+              </a:schemeClr>
+            </a:solidFill>
+            <a:ln>
+              <a:noFill/>
+            </a:ln>
+            <a:effectLst/>
+          </p:spPr>
+          <p:style>
+            <a:lnRef idx="1">
+              <a:schemeClr val="accent1"/>
+            </a:lnRef>
+            <a:fillRef idx="3">
+              <a:schemeClr val="accent1"/>
+            </a:fillRef>
+            <a:effectRef idx="2">
+              <a:schemeClr val="accent1"/>
+            </a:effectRef>
+            <a:fontRef idx="minor">
+              <a:schemeClr val="lt1"/>
+            </a:fontRef>
+          </p:style>
+        </p:sp>
+        <p:sp>
+          <p:nvSpPr>
+            <p:cNvPr id="27" name="Rectangle 29"/>
+            <p:cNvSpPr/>
+            <p:nvPr/>
+          </p:nvSpPr>
+          <p:spPr>
+            <a:xfrm>
+              <a:off x="10938999" y="-8467"/>
+              <a:ext cx="1249825" cy="6866467"/>
+            </a:xfrm>
+            <a:custGeom>
+              <a:avLst/>
+              <a:gdLst/>
+              <a:ahLst/>
+              <a:cxnLst/>
+              <a:rect l="l" t="t" r="r" b="b"/>
+              <a:pathLst>
+                <a:path w="1249825" h="6858000">
+                  <a:moveTo>
+                    <a:pt x="0" y="0"/>
+                  </a:moveTo>
+                  <a:lnTo>
+                    <a:pt x="1249825" y="0"/>
+                  </a:lnTo>
+                  <a:lnTo>
+                    <a:pt x="1249825" y="6858000"/>
+                  </a:lnTo>
+                  <a:lnTo>
+                    <a:pt x="1109382" y="6858000"/>
+                  </a:lnTo>
+                  <a:lnTo>
+                    <a:pt x="0" y="0"/>
+                  </a:lnTo>
+                  <a:close/>
+                </a:path>
+              </a:pathLst>
+            </a:custGeom>
+            <a:solidFill>
+              <a:schemeClr val="accent1">
+                <a:alpha val="65000"/>
+              </a:schemeClr>
+            </a:solidFill>
+            <a:ln>
+              <a:noFill/>
+            </a:ln>
+            <a:effectLst/>
+          </p:spPr>
+          <p:style>
+            <a:lnRef idx="1">
+              <a:schemeClr val="accent1"/>
+            </a:lnRef>
+            <a:fillRef idx="3">
+              <a:schemeClr val="accent1"/>
+            </a:fillRef>
+            <a:effectRef idx="2">
+              <a:schemeClr val="accent1"/>
+            </a:effectRef>
+            <a:fontRef idx="minor">
+              <a:schemeClr val="lt1"/>
+            </a:fontRef>
+          </p:style>
+        </p:sp>
+        <p:sp>
+          <p:nvSpPr>
+            <p:cNvPr id="28" name="Isosceles Triangle 27"/>
+            <p:cNvSpPr/>
+            <p:nvPr/>
+          </p:nvSpPr>
+          <p:spPr>
+            <a:xfrm>
+              <a:off x="10371666" y="3589867"/>
+              <a:ext cx="1817159" cy="3268133"/>
+            </a:xfrm>
+            <a:prstGeom prst="triangle">
+              <a:avLst>
+                <a:gd name="adj" fmla="val 100000"/>
+              </a:avLst>
+            </a:prstGeom>
+            <a:solidFill>
+              <a:schemeClr val="accent1">
+                <a:alpha val="80000"/>
+              </a:schemeClr>
+            </a:solidFill>
+            <a:ln>
+              <a:noFill/>
+            </a:ln>
+            <a:effectLst/>
+          </p:spPr>
+          <p:style>
+            <a:lnRef idx="1">
+              <a:schemeClr val="accent1"/>
+            </a:lnRef>
+            <a:fillRef idx="3">
+              <a:schemeClr val="accent1"/>
+            </a:fillRef>
+            <a:effectRef idx="2">
+              <a:schemeClr val="accent1"/>
+            </a:effectRef>
+            <a:fontRef idx="minor">
+              <a:schemeClr val="lt1"/>
+            </a:fontRef>
+          </p:style>
+        </p:sp>
+        <p:sp>
+          <p:nvSpPr>
+            <p:cNvPr id="29" name="Isosceles Triangle 28"/>
+            <p:cNvSpPr/>
+            <p:nvPr/>
+          </p:nvSpPr>
+          <p:spPr>
+            <a:xfrm>
+              <a:off x="0" y="4013200"/>
+              <a:ext cx="448733" cy="2844800"/>
+            </a:xfrm>
+            <a:prstGeom prst="triangle">
+              <a:avLst>
+                <a:gd name="adj" fmla="val 0"/>
+              </a:avLst>
+            </a:prstGeom>
+            <a:solidFill>
+              <a:schemeClr val="accent1">
+                <a:alpha val="85000"/>
+              </a:schemeClr>
+            </a:solidFill>
+            <a:ln>
+              <a:noFill/>
+            </a:ln>
+            <a:effectLst/>
+          </p:spPr>
+          <p:style>
+            <a:lnRef idx="1">
+              <a:schemeClr val="accent1"/>
+            </a:lnRef>
+            <a:fillRef idx="3">
+              <a:schemeClr val="accent1"/>
+            </a:fillRef>
+            <a:effectRef idx="2">
+              <a:schemeClr val="accent1"/>
+            </a:effectRef>
+            <a:fontRef idx="minor">
+              <a:schemeClr val="lt1"/>
+            </a:fontRef>
+          </p:style>
+        </p:sp>
+      </p:grpSp>
+      <p:sp>
+        <p:nvSpPr>
+          <p:cNvPr id="2" name="Title Placeholder 1"/>
           <p:cNvSpPr>
             <a:spLocks noGrp="1"/>
           </p:cNvSpPr>
@@ -2795,15 +5198,15 @@
         </p:nvSpPr>
         <p:spPr>
           <a:xfrm>
-            <a:off x="838200" y="365125"/>
-            <a:ext cx="10515600" cy="1325563"/>
+            <a:off x="677334" y="609600"/>
+            <a:ext cx="8596668" cy="1320800"/>
           </a:xfrm>
           <a:prstGeom prst="rect">
             <a:avLst/>
           </a:prstGeom>
         </p:spPr>
         <p:txBody>
-          <a:bodyPr vert="horz" lIns="91440" tIns="45720" rIns="91440" bIns="45720" rtlCol="0" anchor="ctr">
+          <a:bodyPr vert="horz" lIns="91440" tIns="45720" rIns="91440" bIns="45720" rtlCol="0" anchor="t">
             <a:normAutofit/>
           </a:bodyPr>
           <a:lstStyle/>
@@ -2812,19 +5215,13 @@
               <a:rPr lang="en-US"/>
               <a:t>Click to edit Master title style</a:t>
             </a:r>
-            <a:endParaRPr lang="en-IN"/>
-          </a:p>
-        </p:txBody>
-      </p:sp>
-      <p:sp>
-        <p:nvSpPr>
-          <p:cNvPr id="3" name="Text Placeholder 2">
-            <a:extLst>
-              <a:ext uri="{FF2B5EF4-FFF2-40B4-BE49-F238E27FC236}">
-                <a16:creationId xmlns:a16="http://schemas.microsoft.com/office/drawing/2014/main" id="{0102CCD4-DD34-4D51-B03B-975EF0651C30}"/>
-              </a:ext>
-            </a:extLst>
-          </p:cNvPr>
+            <a:endParaRPr lang="en-US" dirty="0"/>
+          </a:p>
+        </p:txBody>
+      </p:sp>
+      <p:sp>
+        <p:nvSpPr>
+          <p:cNvPr id="3" name="Text Placeholder 2"/>
           <p:cNvSpPr>
             <a:spLocks noGrp="1"/>
           </p:cNvSpPr>
@@ -2834,8 +5231,8 @@
         </p:nvSpPr>
         <p:spPr>
           <a:xfrm>
-            <a:off x="838200" y="1825625"/>
-            <a:ext cx="10515600" cy="4351338"/>
+            <a:off x="677334" y="2160589"/>
+            <a:ext cx="8596668" cy="3880773"/>
           </a:xfrm>
           <a:prstGeom prst="rect">
             <a:avLst/>
@@ -2880,19 +5277,13 @@
               <a:rPr lang="en-US"/>
               <a:t>Fifth level</a:t>
             </a:r>
-            <a:endParaRPr lang="en-IN"/>
-          </a:p>
-        </p:txBody>
-      </p:sp>
-      <p:sp>
-        <p:nvSpPr>
-          <p:cNvPr id="4" name="Date Placeholder 3">
-            <a:extLst>
-              <a:ext uri="{FF2B5EF4-FFF2-40B4-BE49-F238E27FC236}">
-                <a16:creationId xmlns:a16="http://schemas.microsoft.com/office/drawing/2014/main" id="{EFDA47D8-D91E-4490-ADC6-251505531581}"/>
-              </a:ext>
-            </a:extLst>
-          </p:cNvPr>
+            <a:endParaRPr lang="en-US" dirty="0"/>
+          </a:p>
+        </p:txBody>
+      </p:sp>
+      <p:sp>
+        <p:nvSpPr>
+          <p:cNvPr id="4" name="Date Placeholder 3"/>
           <p:cNvSpPr>
             <a:spLocks noGrp="1"/>
           </p:cNvSpPr>
@@ -2902,8 +5293,8 @@
         </p:nvSpPr>
         <p:spPr>
           <a:xfrm>
-            <a:off x="838200" y="6356350"/>
-            <a:ext cx="2743200" cy="365125"/>
+            <a:off x="7205133" y="6041362"/>
+            <a:ext cx="911939" cy="365125"/>
           </a:xfrm>
           <a:prstGeom prst="rect">
             <a:avLst/>
@@ -2912,8 +5303,8 @@
         <p:txBody>
           <a:bodyPr vert="horz" lIns="91440" tIns="45720" rIns="91440" bIns="45720" rtlCol="0" anchor="ctr"/>
           <a:lstStyle>
-            <a:lvl1pPr algn="l">
-              <a:defRPr sz="1200">
+            <a:lvl1pPr algn="r">
+              <a:defRPr sz="900">
                 <a:solidFill>
                   <a:schemeClr val="tx1">
                     <a:tint val="75000"/>
@@ -2925,7 +5316,7 @@
           <a:p>
             <a:fld id="{DD8A53B7-D45A-42DA-899B-CEC8DCC8EB58}" type="datetimeFigureOut">
               <a:rPr lang="en-IN" smtClean="0"/>
-              <a:t>19-10-2020</a:t>
+              <a:t>10-11-2020</a:t>
             </a:fld>
             <a:endParaRPr lang="en-IN"/>
           </a:p>
@@ -2933,13 +5324,7 @@
       </p:sp>
       <p:sp>
         <p:nvSpPr>
-          <p:cNvPr id="5" name="Footer Placeholder 4">
-            <a:extLst>
-              <a:ext uri="{FF2B5EF4-FFF2-40B4-BE49-F238E27FC236}">
-                <a16:creationId xmlns:a16="http://schemas.microsoft.com/office/drawing/2014/main" id="{E98F4831-24F8-488E-B214-5CD5E6DA4FFA}"/>
-              </a:ext>
-            </a:extLst>
-          </p:cNvPr>
+          <p:cNvPr id="5" name="Footer Placeholder 4"/>
           <p:cNvSpPr>
             <a:spLocks noGrp="1"/>
           </p:cNvSpPr>
@@ -2949,8 +5334,8 @@
         </p:nvSpPr>
         <p:spPr>
           <a:xfrm>
-            <a:off x="4038600" y="6356350"/>
-            <a:ext cx="4114800" cy="365125"/>
+            <a:off x="677334" y="6041362"/>
+            <a:ext cx="6297612" cy="365125"/>
           </a:xfrm>
           <a:prstGeom prst="rect">
             <a:avLst/>
@@ -2959,8 +5344,8 @@
         <p:txBody>
           <a:bodyPr vert="horz" lIns="91440" tIns="45720" rIns="91440" bIns="45720" rtlCol="0" anchor="ctr"/>
           <a:lstStyle>
-            <a:lvl1pPr algn="ctr">
-              <a:defRPr sz="1200">
+            <a:lvl1pPr algn="l">
+              <a:defRPr sz="900">
                 <a:solidFill>
                   <a:schemeClr val="tx1">
                     <a:tint val="75000"/>
@@ -2976,13 +5361,7 @@
       </p:sp>
       <p:sp>
         <p:nvSpPr>
-          <p:cNvPr id="6" name="Slide Number Placeholder 5">
-            <a:extLst>
-              <a:ext uri="{FF2B5EF4-FFF2-40B4-BE49-F238E27FC236}">
-                <a16:creationId xmlns:a16="http://schemas.microsoft.com/office/drawing/2014/main" id="{75503A88-F39C-4370-8441-A4BDDD75E944}"/>
-              </a:ext>
-            </a:extLst>
-          </p:cNvPr>
+          <p:cNvPr id="6" name="Slide Number Placeholder 5"/>
           <p:cNvSpPr>
             <a:spLocks noGrp="1"/>
           </p:cNvSpPr>
@@ -2992,8 +5371,8 @@
         </p:nvSpPr>
         <p:spPr>
           <a:xfrm>
-            <a:off x="8610600" y="6356350"/>
-            <a:ext cx="2743200" cy="365125"/>
+            <a:off x="8590663" y="6041362"/>
+            <a:ext cx="683339" cy="365125"/>
           </a:xfrm>
           <a:prstGeom prst="rect">
             <a:avLst/>
@@ -3003,11 +5382,9 @@
           <a:bodyPr vert="horz" lIns="91440" tIns="45720" rIns="91440" bIns="45720" rtlCol="0" anchor="ctr"/>
           <a:lstStyle>
             <a:lvl1pPr algn="r">
-              <a:defRPr sz="1200">
-                <a:solidFill>
-                  <a:schemeClr val="tx1">
-                    <a:tint val="75000"/>
-                  </a:schemeClr>
+              <a:defRPr sz="900">
+                <a:solidFill>
+                  <a:schemeClr val="accent1"/>
                 </a:solidFill>
               </a:defRPr>
             </a:lvl1pPr>
@@ -3024,201 +5401,322 @@
     </p:spTree>
     <p:extLst>
       <p:ext uri="{BB962C8B-B14F-4D97-AF65-F5344CB8AC3E}">
-        <p14:creationId xmlns:p14="http://schemas.microsoft.com/office/powerpoint/2010/main" val="419773545"/>
+        <p14:creationId xmlns:p14="http://schemas.microsoft.com/office/powerpoint/2010/main" val="2639488987"/>
       </p:ext>
     </p:extLst>
   </p:cSld>
   <p:clrMap bg1="lt1" tx1="dk1" bg2="lt2" tx2="dk2" accent1="accent1" accent2="accent2" accent3="accent3" accent4="accent4" accent5="accent5" accent6="accent6" hlink="hlink" folHlink="folHlink"/>
   <p:sldLayoutIdLst>
-    <p:sldLayoutId id="2147483649" r:id="rId1"/>
-    <p:sldLayoutId id="2147483650" r:id="rId2"/>
-    <p:sldLayoutId id="2147483651" r:id="rId3"/>
-    <p:sldLayoutId id="2147483652" r:id="rId4"/>
-    <p:sldLayoutId id="2147483653" r:id="rId5"/>
-    <p:sldLayoutId id="2147483654" r:id="rId6"/>
-    <p:sldLayoutId id="2147483655" r:id="rId7"/>
-    <p:sldLayoutId id="2147483656" r:id="rId8"/>
-    <p:sldLayoutId id="2147483657" r:id="rId9"/>
-    <p:sldLayoutId id="2147483658" r:id="rId10"/>
-    <p:sldLayoutId id="2147483659" r:id="rId11"/>
+    <p:sldLayoutId id="2147483679" r:id="rId1"/>
+    <p:sldLayoutId id="2147483680" r:id="rId2"/>
+    <p:sldLayoutId id="2147483681" r:id="rId3"/>
+    <p:sldLayoutId id="2147483682" r:id="rId4"/>
+    <p:sldLayoutId id="2147483683" r:id="rId5"/>
+    <p:sldLayoutId id="2147483684" r:id="rId6"/>
+    <p:sldLayoutId id="2147483685" r:id="rId7"/>
+    <p:sldLayoutId id="2147483686" r:id="rId8"/>
+    <p:sldLayoutId id="2147483687" r:id="rId9"/>
+    <p:sldLayoutId id="2147483688" r:id="rId10"/>
+    <p:sldLayoutId id="2147483689" r:id="rId11"/>
+    <p:sldLayoutId id="2147483690" r:id="rId12"/>
+    <p:sldLayoutId id="2147483691" r:id="rId13"/>
+    <p:sldLayoutId id="2147483692" r:id="rId14"/>
+    <p:sldLayoutId id="2147483693" r:id="rId15"/>
+    <p:sldLayoutId id="2147483694" r:id="rId16"/>
   </p:sldLayoutIdLst>
   <p:txStyles>
     <p:titleStyle>
-      <a:lvl1pPr algn="l" defTabSz="914400" rtl="0" eaLnBrk="1" latinLnBrk="0" hangingPunct="1">
-        <a:lnSpc>
-          <a:spcPct val="90000"/>
-        </a:lnSpc>
+      <a:lvl1pPr algn="l" defTabSz="457200" rtl="0" eaLnBrk="1" latinLnBrk="0" hangingPunct="1">
         <a:spcBef>
           <a:spcPct val="0"/>
         </a:spcBef>
         <a:buNone/>
-        <a:defRPr sz="4400" kern="1200">
+        <a:defRPr sz="3600" kern="1200">
           <a:solidFill>
-            <a:schemeClr val="tx1"/>
+            <a:schemeClr val="accent1"/>
           </a:solidFill>
           <a:latin typeface="+mj-lt"/>
           <a:ea typeface="+mj-ea"/>
           <a:cs typeface="+mj-cs"/>
         </a:defRPr>
       </a:lvl1pPr>
+      <a:lvl2pPr eaLnBrk="1" hangingPunct="1">
+        <a:defRPr>
+          <a:solidFill>
+            <a:schemeClr val="tx2"/>
+          </a:solidFill>
+        </a:defRPr>
+      </a:lvl2pPr>
+      <a:lvl3pPr eaLnBrk="1" hangingPunct="1">
+        <a:defRPr>
+          <a:solidFill>
+            <a:schemeClr val="tx2"/>
+          </a:solidFill>
+        </a:defRPr>
+      </a:lvl3pPr>
+      <a:lvl4pPr eaLnBrk="1" hangingPunct="1">
+        <a:defRPr>
+          <a:solidFill>
+            <a:schemeClr val="tx2"/>
+          </a:solidFill>
+        </a:defRPr>
+      </a:lvl4pPr>
+      <a:lvl5pPr eaLnBrk="1" hangingPunct="1">
+        <a:defRPr>
+          <a:solidFill>
+            <a:schemeClr val="tx2"/>
+          </a:solidFill>
+        </a:defRPr>
+      </a:lvl5pPr>
+      <a:lvl6pPr eaLnBrk="1" hangingPunct="1">
+        <a:defRPr>
+          <a:solidFill>
+            <a:schemeClr val="tx2"/>
+          </a:solidFill>
+        </a:defRPr>
+      </a:lvl6pPr>
+      <a:lvl7pPr eaLnBrk="1" hangingPunct="1">
+        <a:defRPr>
+          <a:solidFill>
+            <a:schemeClr val="tx2"/>
+          </a:solidFill>
+        </a:defRPr>
+      </a:lvl7pPr>
+      <a:lvl8pPr eaLnBrk="1" hangingPunct="1">
+        <a:defRPr>
+          <a:solidFill>
+            <a:schemeClr val="tx2"/>
+          </a:solidFill>
+        </a:defRPr>
+      </a:lvl8pPr>
+      <a:lvl9pPr eaLnBrk="1" hangingPunct="1">
+        <a:defRPr>
+          <a:solidFill>
+            <a:schemeClr val="tx2"/>
+          </a:solidFill>
+        </a:defRPr>
+      </a:lvl9pPr>
     </p:titleStyle>
     <p:bodyStyle>
-      <a:lvl1pPr marL="228600" indent="-228600" algn="l" defTabSz="914400" rtl="0" eaLnBrk="1" latinLnBrk="0" hangingPunct="1">
-        <a:lnSpc>
-          <a:spcPct val="90000"/>
-        </a:lnSpc>
+      <a:lvl1pPr marL="342900" indent="-342900" algn="l" defTabSz="457200" rtl="0" eaLnBrk="1" latinLnBrk="0" hangingPunct="1">
         <a:spcBef>
           <a:spcPts val="1000"/>
         </a:spcBef>
-        <a:buFont typeface="Arial" panose="020B0604020202020204" pitchFamily="34" charset="0"/>
-        <a:buChar char="•"/>
-        <a:defRPr sz="2800" kern="1200">
+        <a:spcAft>
+          <a:spcPts val="0"/>
+        </a:spcAft>
+        <a:buClr>
+          <a:schemeClr val="accent1"/>
+        </a:buClr>
+        <a:buSzPct val="80000"/>
+        <a:buFont typeface="Wingdings 3" charset="2"/>
+        <a:buChar char=""/>
+        <a:defRPr sz="1800" kern="1200">
           <a:solidFill>
-            <a:schemeClr val="tx1"/>
+            <a:schemeClr val="tx1">
+              <a:lumMod val="75000"/>
+              <a:lumOff val="25000"/>
+            </a:schemeClr>
           </a:solidFill>
           <a:latin typeface="+mn-lt"/>
           <a:ea typeface="+mn-ea"/>
           <a:cs typeface="+mn-cs"/>
         </a:defRPr>
       </a:lvl1pPr>
-      <a:lvl2pPr marL="685800" indent="-228600" algn="l" defTabSz="914400" rtl="0" eaLnBrk="1" latinLnBrk="0" hangingPunct="1">
-        <a:lnSpc>
-          <a:spcPct val="90000"/>
-        </a:lnSpc>
+      <a:lvl2pPr marL="742950" indent="-285750" algn="l" defTabSz="457200" rtl="0" eaLnBrk="1" latinLnBrk="0" hangingPunct="1">
         <a:spcBef>
-          <a:spcPts val="500"/>
+          <a:spcPts val="1000"/>
         </a:spcBef>
-        <a:buFont typeface="Arial" panose="020B0604020202020204" pitchFamily="34" charset="0"/>
-        <a:buChar char="•"/>
-        <a:defRPr sz="2400" kern="1200">
+        <a:spcAft>
+          <a:spcPts val="0"/>
+        </a:spcAft>
+        <a:buClr>
+          <a:schemeClr val="accent1"/>
+        </a:buClr>
+        <a:buSzPct val="80000"/>
+        <a:buFont typeface="Wingdings 3" charset="2"/>
+        <a:buChar char=""/>
+        <a:defRPr sz="1600" kern="1200">
           <a:solidFill>
-            <a:schemeClr val="tx1"/>
+            <a:schemeClr val="tx1">
+              <a:lumMod val="75000"/>
+              <a:lumOff val="25000"/>
+            </a:schemeClr>
           </a:solidFill>
           <a:latin typeface="+mn-lt"/>
           <a:ea typeface="+mn-ea"/>
           <a:cs typeface="+mn-cs"/>
         </a:defRPr>
       </a:lvl2pPr>
-      <a:lvl3pPr marL="1143000" indent="-228600" algn="l" defTabSz="914400" rtl="0" eaLnBrk="1" latinLnBrk="0" hangingPunct="1">
-        <a:lnSpc>
-          <a:spcPct val="90000"/>
-        </a:lnSpc>
+      <a:lvl3pPr marL="1143000" indent="-228600" algn="l" defTabSz="457200" rtl="0" eaLnBrk="1" latinLnBrk="0" hangingPunct="1">
         <a:spcBef>
-          <a:spcPts val="500"/>
+          <a:spcPts val="1000"/>
         </a:spcBef>
-        <a:buFont typeface="Arial" panose="020B0604020202020204" pitchFamily="34" charset="0"/>
-        <a:buChar char="•"/>
-        <a:defRPr sz="2000" kern="1200">
+        <a:spcAft>
+          <a:spcPts val="0"/>
+        </a:spcAft>
+        <a:buClr>
+          <a:schemeClr val="accent1"/>
+        </a:buClr>
+        <a:buSzPct val="80000"/>
+        <a:buFont typeface="Wingdings 3" charset="2"/>
+        <a:buChar char=""/>
+        <a:defRPr sz="1400" kern="1200">
           <a:solidFill>
-            <a:schemeClr val="tx1"/>
+            <a:schemeClr val="tx1">
+              <a:lumMod val="75000"/>
+              <a:lumOff val="25000"/>
+            </a:schemeClr>
           </a:solidFill>
           <a:latin typeface="+mn-lt"/>
           <a:ea typeface="+mn-ea"/>
           <a:cs typeface="+mn-cs"/>
         </a:defRPr>
       </a:lvl3pPr>
-      <a:lvl4pPr marL="1600200" indent="-228600" algn="l" defTabSz="914400" rtl="0" eaLnBrk="1" latinLnBrk="0" hangingPunct="1">
-        <a:lnSpc>
-          <a:spcPct val="90000"/>
-        </a:lnSpc>
+      <a:lvl4pPr marL="1600200" indent="-228600" algn="l" defTabSz="457200" rtl="0" eaLnBrk="1" latinLnBrk="0" hangingPunct="1">
         <a:spcBef>
-          <a:spcPts val="500"/>
+          <a:spcPts val="1000"/>
         </a:spcBef>
-        <a:buFont typeface="Arial" panose="020B0604020202020204" pitchFamily="34" charset="0"/>
-        <a:buChar char="•"/>
-        <a:defRPr sz="1800" kern="1200">
+        <a:spcAft>
+          <a:spcPts val="0"/>
+        </a:spcAft>
+        <a:buClr>
+          <a:schemeClr val="accent1"/>
+        </a:buClr>
+        <a:buSzPct val="80000"/>
+        <a:buFont typeface="Wingdings 3" charset="2"/>
+        <a:buChar char=""/>
+        <a:defRPr sz="1200" kern="1200">
           <a:solidFill>
-            <a:schemeClr val="tx1"/>
+            <a:schemeClr val="tx1">
+              <a:lumMod val="75000"/>
+              <a:lumOff val="25000"/>
+            </a:schemeClr>
           </a:solidFill>
           <a:latin typeface="+mn-lt"/>
           <a:ea typeface="+mn-ea"/>
           <a:cs typeface="+mn-cs"/>
         </a:defRPr>
       </a:lvl4pPr>
-      <a:lvl5pPr marL="2057400" indent="-228600" algn="l" defTabSz="914400" rtl="0" eaLnBrk="1" latinLnBrk="0" hangingPunct="1">
-        <a:lnSpc>
-          <a:spcPct val="90000"/>
-        </a:lnSpc>
+      <a:lvl5pPr marL="2057400" indent="-228600" algn="l" defTabSz="457200" rtl="0" eaLnBrk="1" latinLnBrk="0" hangingPunct="1">
         <a:spcBef>
-          <a:spcPts val="500"/>
+          <a:spcPts val="1000"/>
         </a:spcBef>
-        <a:buFont typeface="Arial" panose="020B0604020202020204" pitchFamily="34" charset="0"/>
-        <a:buChar char="•"/>
-        <a:defRPr sz="1800" kern="1200">
+        <a:spcAft>
+          <a:spcPts val="0"/>
+        </a:spcAft>
+        <a:buClr>
+          <a:schemeClr val="accent1"/>
+        </a:buClr>
+        <a:buSzPct val="80000"/>
+        <a:buFont typeface="Wingdings 3" charset="2"/>
+        <a:buChar char=""/>
+        <a:defRPr sz="1200" kern="1200">
           <a:solidFill>
-            <a:schemeClr val="tx1"/>
+            <a:schemeClr val="tx1">
+              <a:lumMod val="75000"/>
+              <a:lumOff val="25000"/>
+            </a:schemeClr>
           </a:solidFill>
           <a:latin typeface="+mn-lt"/>
           <a:ea typeface="+mn-ea"/>
           <a:cs typeface="+mn-cs"/>
         </a:defRPr>
       </a:lvl5pPr>
-      <a:lvl6pPr marL="2514600" indent="-228600" algn="l" defTabSz="914400" rtl="0" eaLnBrk="1" latinLnBrk="0" hangingPunct="1">
-        <a:lnSpc>
-          <a:spcPct val="90000"/>
-        </a:lnSpc>
+      <a:lvl6pPr marL="2514600" indent="-228600" algn="l" defTabSz="457200" rtl="0" eaLnBrk="1" latinLnBrk="0" hangingPunct="1">
         <a:spcBef>
-          <a:spcPts val="500"/>
+          <a:spcPts val="1000"/>
         </a:spcBef>
-        <a:buFont typeface="Arial" panose="020B0604020202020204" pitchFamily="34" charset="0"/>
-        <a:buChar char="•"/>
-        <a:defRPr sz="1800" kern="1200">
+        <a:spcAft>
+          <a:spcPts val="0"/>
+        </a:spcAft>
+        <a:buClr>
+          <a:schemeClr val="accent1"/>
+        </a:buClr>
+        <a:buSzPct val="80000"/>
+        <a:buFont typeface="Wingdings 3" charset="2"/>
+        <a:buChar char=""/>
+        <a:defRPr sz="1200" kern="1200">
           <a:solidFill>
-            <a:schemeClr val="tx1"/>
+            <a:schemeClr val="tx1">
+              <a:lumMod val="75000"/>
+              <a:lumOff val="25000"/>
+            </a:schemeClr>
           </a:solidFill>
           <a:latin typeface="+mn-lt"/>
           <a:ea typeface="+mn-ea"/>
           <a:cs typeface="+mn-cs"/>
         </a:defRPr>
       </a:lvl6pPr>
-      <a:lvl7pPr marL="2971800" indent="-228600" algn="l" defTabSz="914400" rtl="0" eaLnBrk="1" latinLnBrk="0" hangingPunct="1">
-        <a:lnSpc>
-          <a:spcPct val="90000"/>
-        </a:lnSpc>
+      <a:lvl7pPr marL="2971800" indent="-228600" algn="l" defTabSz="457200" rtl="0" eaLnBrk="1" latinLnBrk="0" hangingPunct="1">
         <a:spcBef>
-          <a:spcPts val="500"/>
+          <a:spcPts val="1000"/>
         </a:spcBef>
-        <a:buFont typeface="Arial" panose="020B0604020202020204" pitchFamily="34" charset="0"/>
-        <a:buChar char="•"/>
-        <a:defRPr sz="1800" kern="1200">
+        <a:spcAft>
+          <a:spcPts val="0"/>
+        </a:spcAft>
+        <a:buClr>
+          <a:schemeClr val="accent1"/>
+        </a:buClr>
+        <a:buSzPct val="80000"/>
+        <a:buFont typeface="Wingdings 3" charset="2"/>
+        <a:buChar char=""/>
+        <a:defRPr sz="1200" kern="1200">
           <a:solidFill>
-            <a:schemeClr val="tx1"/>
+            <a:schemeClr val="tx1">
+              <a:lumMod val="75000"/>
+              <a:lumOff val="25000"/>
+            </a:schemeClr>
           </a:solidFill>
           <a:latin typeface="+mn-lt"/>
           <a:ea typeface="+mn-ea"/>
           <a:cs typeface="+mn-cs"/>
         </a:defRPr>
       </a:lvl7pPr>
-      <a:lvl8pPr marL="3429000" indent="-228600" algn="l" defTabSz="914400" rtl="0" eaLnBrk="1" latinLnBrk="0" hangingPunct="1">
-        <a:lnSpc>
-          <a:spcPct val="90000"/>
-        </a:lnSpc>
+      <a:lvl8pPr marL="3429000" indent="-228600" algn="l" defTabSz="457200" rtl="0" eaLnBrk="1" latinLnBrk="0" hangingPunct="1">
         <a:spcBef>
-          <a:spcPts val="500"/>
+          <a:spcPts val="1000"/>
         </a:spcBef>
-        <a:buFont typeface="Arial" panose="020B0604020202020204" pitchFamily="34" charset="0"/>
-        <a:buChar char="•"/>
-        <a:defRPr sz="1800" kern="1200">
+        <a:spcAft>
+          <a:spcPts val="0"/>
+        </a:spcAft>
+        <a:buClr>
+          <a:schemeClr val="accent1"/>
+        </a:buClr>
+        <a:buSzPct val="80000"/>
+        <a:buFont typeface="Wingdings 3" charset="2"/>
+        <a:buChar char=""/>
+        <a:defRPr sz="1200" kern="1200">
           <a:solidFill>
-            <a:schemeClr val="tx1"/>
+            <a:schemeClr val="tx1">
+              <a:lumMod val="75000"/>
+              <a:lumOff val="25000"/>
+            </a:schemeClr>
           </a:solidFill>
           <a:latin typeface="+mn-lt"/>
           <a:ea typeface="+mn-ea"/>
           <a:cs typeface="+mn-cs"/>
         </a:defRPr>
       </a:lvl8pPr>
-      <a:lvl9pPr marL="3886200" indent="-228600" algn="l" defTabSz="914400" rtl="0" eaLnBrk="1" latinLnBrk="0" hangingPunct="1">
-        <a:lnSpc>
-          <a:spcPct val="90000"/>
-        </a:lnSpc>
+      <a:lvl9pPr marL="3886200" indent="-228600" algn="l" defTabSz="457200" rtl="0" eaLnBrk="1" latinLnBrk="0" hangingPunct="1">
         <a:spcBef>
-          <a:spcPts val="500"/>
+          <a:spcPts val="1000"/>
         </a:spcBef>
-        <a:buFont typeface="Arial" panose="020B0604020202020204" pitchFamily="34" charset="0"/>
-        <a:buChar char="•"/>
-        <a:defRPr sz="1800" kern="1200">
+        <a:spcAft>
+          <a:spcPts val="0"/>
+        </a:spcAft>
+        <a:buClr>
+          <a:schemeClr val="accent1"/>
+        </a:buClr>
+        <a:buSzPct val="80000"/>
+        <a:buFont typeface="Wingdings 3" charset="2"/>
+        <a:buChar char=""/>
+        <a:defRPr sz="1200" kern="1200">
           <a:solidFill>
-            <a:schemeClr val="tx1"/>
+            <a:schemeClr val="tx1">
+              <a:lumMod val="75000"/>
+              <a:lumOff val="25000"/>
+            </a:schemeClr>
           </a:solidFill>
           <a:latin typeface="+mn-lt"/>
           <a:ea typeface="+mn-ea"/>
@@ -3230,7 +5728,7 @@
       <a:defPPr>
         <a:defRPr lang="en-US"/>
       </a:defPPr>
-      <a:lvl1pPr marL="0" algn="l" defTabSz="914400" rtl="0" eaLnBrk="1" latinLnBrk="0" hangingPunct="1">
+      <a:lvl1pPr marL="0" algn="l" defTabSz="457200" rtl="0" eaLnBrk="1" latinLnBrk="0" hangingPunct="1">
         <a:defRPr sz="1800" kern="1200">
           <a:solidFill>
             <a:schemeClr val="tx1"/>
@@ -3240,7 +5738,7 @@
           <a:cs typeface="+mn-cs"/>
         </a:defRPr>
       </a:lvl1pPr>
-      <a:lvl2pPr marL="457200" algn="l" defTabSz="914400" rtl="0" eaLnBrk="1" latinLnBrk="0" hangingPunct="1">
+      <a:lvl2pPr marL="457200" algn="l" defTabSz="457200" rtl="0" eaLnBrk="1" latinLnBrk="0" hangingPunct="1">
         <a:defRPr sz="1800" kern="1200">
           <a:solidFill>
             <a:schemeClr val="tx1"/>
@@ -3250,7 +5748,7 @@
           <a:cs typeface="+mn-cs"/>
         </a:defRPr>
       </a:lvl2pPr>
-      <a:lvl3pPr marL="914400" algn="l" defTabSz="914400" rtl="0" eaLnBrk="1" latinLnBrk="0" hangingPunct="1">
+      <a:lvl3pPr marL="914400" algn="l" defTabSz="457200" rtl="0" eaLnBrk="1" latinLnBrk="0" hangingPunct="1">
         <a:defRPr sz="1800" kern="1200">
           <a:solidFill>
             <a:schemeClr val="tx1"/>
@@ -3260,7 +5758,7 @@
           <a:cs typeface="+mn-cs"/>
         </a:defRPr>
       </a:lvl3pPr>
-      <a:lvl4pPr marL="1371600" algn="l" defTabSz="914400" rtl="0" eaLnBrk="1" latinLnBrk="0" hangingPunct="1">
+      <a:lvl4pPr marL="1371600" algn="l" defTabSz="457200" rtl="0" eaLnBrk="1" latinLnBrk="0" hangingPunct="1">
         <a:defRPr sz="1800" kern="1200">
           <a:solidFill>
             <a:schemeClr val="tx1"/>
@@ -3270,7 +5768,7 @@
           <a:cs typeface="+mn-cs"/>
         </a:defRPr>
       </a:lvl4pPr>
-      <a:lvl5pPr marL="1828800" algn="l" defTabSz="914400" rtl="0" eaLnBrk="1" latinLnBrk="0" hangingPunct="1">
+      <a:lvl5pPr marL="1828800" algn="l" defTabSz="457200" rtl="0" eaLnBrk="1" latinLnBrk="0" hangingPunct="1">
         <a:defRPr sz="1800" kern="1200">
           <a:solidFill>
             <a:schemeClr val="tx1"/>
@@ -3280,7 +5778,7 @@
           <a:cs typeface="+mn-cs"/>
         </a:defRPr>
       </a:lvl5pPr>
-      <a:lvl6pPr marL="2286000" algn="l" defTabSz="914400" rtl="0" eaLnBrk="1" latinLnBrk="0" hangingPunct="1">
+      <a:lvl6pPr marL="2286000" algn="l" defTabSz="457200" rtl="0" eaLnBrk="1" latinLnBrk="0" hangingPunct="1">
         <a:defRPr sz="1800" kern="1200">
           <a:solidFill>
             <a:schemeClr val="tx1"/>
@@ -3290,7 +5788,7 @@
           <a:cs typeface="+mn-cs"/>
         </a:defRPr>
       </a:lvl6pPr>
-      <a:lvl7pPr marL="2743200" algn="l" defTabSz="914400" rtl="0" eaLnBrk="1" latinLnBrk="0" hangingPunct="1">
+      <a:lvl7pPr marL="2743200" algn="l" defTabSz="457200" rtl="0" eaLnBrk="1" latinLnBrk="0" hangingPunct="1">
         <a:defRPr sz="1800" kern="1200">
           <a:solidFill>
             <a:schemeClr val="tx1"/>
@@ -3300,7 +5798,7 @@
           <a:cs typeface="+mn-cs"/>
         </a:defRPr>
       </a:lvl7pPr>
-      <a:lvl8pPr marL="3200400" algn="l" defTabSz="914400" rtl="0" eaLnBrk="1" latinLnBrk="0" hangingPunct="1">
+      <a:lvl8pPr marL="3200400" algn="l" defTabSz="457200" rtl="0" eaLnBrk="1" latinLnBrk="0" hangingPunct="1">
         <a:defRPr sz="1800" kern="1200">
           <a:solidFill>
             <a:schemeClr val="tx1"/>
@@ -3310,7 +5808,7 @@
           <a:cs typeface="+mn-cs"/>
         </a:defRPr>
       </a:lvl8pPr>
-      <a:lvl9pPr marL="3657600" algn="l" defTabSz="914400" rtl="0" eaLnBrk="1" latinLnBrk="0" hangingPunct="1">
+      <a:lvl9pPr marL="3657600" algn="l" defTabSz="457200" rtl="0" eaLnBrk="1" latinLnBrk="0" hangingPunct="1">
         <a:defRPr sz="1800" kern="1200">
           <a:solidFill>
             <a:schemeClr val="tx1"/>
@@ -3358,12 +5856,28 @@
             <p:ph type="ctrTitle"/>
           </p:nvPr>
         </p:nvSpPr>
-        <p:spPr/>
+        <p:spPr>
+          <a:xfrm>
+            <a:off x="1524000" y="1122363"/>
+            <a:ext cx="9144000" cy="1594958"/>
+          </a:xfrm>
+        </p:spPr>
         <p:txBody>
           <a:bodyPr/>
           <a:lstStyle/>
           <a:p>
-            <a:endParaRPr lang="en-IN"/>
+            <a:pPr algn="ctr"/>
+            <a:r>
+              <a:rPr lang="en-US" dirty="0">
+                <a:latin typeface="Times New Roman" panose="02020603050405020304" pitchFamily="18" charset="0"/>
+                <a:cs typeface="Times New Roman" panose="02020603050405020304" pitchFamily="18" charset="0"/>
+              </a:rPr>
+              <a:t>SDS-Mini-Project</a:t>
+            </a:r>
+            <a:endParaRPr lang="en-IN" dirty="0">
+              <a:latin typeface="Times New Roman" panose="02020603050405020304" pitchFamily="18" charset="0"/>
+              <a:cs typeface="Times New Roman" panose="02020603050405020304" pitchFamily="18" charset="0"/>
+            </a:endParaRPr>
           </a:p>
         </p:txBody>
       </p:sp>
@@ -3383,15 +5897,704 @@
             <p:ph type="subTitle" idx="1"/>
           </p:nvPr>
         </p:nvSpPr>
-        <p:spPr/>
+        <p:spPr>
+          <a:xfrm>
+            <a:off x="1524000" y="2932981"/>
+            <a:ext cx="9144000" cy="2324819"/>
+          </a:xfrm>
+        </p:spPr>
         <p:txBody>
           <a:bodyPr/>
           <a:lstStyle/>
           <a:p>
-            <a:endParaRPr lang="en-IN"/>
-          </a:p>
-        </p:txBody>
-      </p:sp>
+            <a:pPr algn="ctr"/>
+            <a:r>
+              <a:rPr lang="en-US" b="1" dirty="0">
+                <a:latin typeface="Times New Roman" panose="02020603050405020304" pitchFamily="18" charset="0"/>
+                <a:cs typeface="Times New Roman" panose="02020603050405020304" pitchFamily="18" charset="0"/>
+              </a:rPr>
+              <a:t>Sem-3</a:t>
+            </a:r>
+          </a:p>
+          <a:p>
+            <a:endParaRPr lang="en-IN" dirty="0"/>
+          </a:p>
+        </p:txBody>
+      </p:sp>
+      <p:graphicFrame>
+        <p:nvGraphicFramePr>
+          <p:cNvPr id="4" name="Table 3">
+            <a:extLst>
+              <a:ext uri="{FF2B5EF4-FFF2-40B4-BE49-F238E27FC236}">
+                <a16:creationId xmlns:a16="http://schemas.microsoft.com/office/drawing/2014/main" id="{1909AC23-5791-48E3-B34A-BA6D88F14F9D}"/>
+              </a:ext>
+            </a:extLst>
+          </p:cNvPr>
+          <p:cNvGraphicFramePr>
+            <a:graphicFrameLocks noGrp="1"/>
+          </p:cNvGraphicFramePr>
+          <p:nvPr>
+            <p:extLst>
+              <p:ext uri="{D42A27DB-BD31-4B8C-83A1-F6EECF244321}">
+                <p14:modId xmlns:p14="http://schemas.microsoft.com/office/powerpoint/2010/main" val="3318410635"/>
+              </p:ext>
+            </p:extLst>
+          </p:nvPr>
+        </p:nvGraphicFramePr>
+        <p:xfrm>
+          <a:off x="1089498" y="3429001"/>
+          <a:ext cx="8608977" cy="2241991"/>
+        </p:xfrm>
+        <a:graphic>
+          <a:graphicData uri="http://schemas.openxmlformats.org/drawingml/2006/table">
+            <a:tbl>
+              <a:tblPr firstRow="1" firstCol="1" bandRow="1">
+                <a:tableStyleId>{5940675A-B579-460E-94D1-54222C63F5DA}</a:tableStyleId>
+              </a:tblPr>
+              <a:tblGrid>
+                <a:gridCol w="1333599">
+                  <a:extLst>
+                    <a:ext uri="{9D8B030D-6E8A-4147-A177-3AD203B41FA5}">
+                      <a16:colId xmlns:a16="http://schemas.microsoft.com/office/drawing/2014/main" val="923840677"/>
+                    </a:ext>
+                  </a:extLst>
+                </a:gridCol>
+                <a:gridCol w="2219980">
+                  <a:extLst>
+                    <a:ext uri="{9D8B030D-6E8A-4147-A177-3AD203B41FA5}">
+                      <a16:colId xmlns:a16="http://schemas.microsoft.com/office/drawing/2014/main" val="1742321774"/>
+                    </a:ext>
+                  </a:extLst>
+                </a:gridCol>
+                <a:gridCol w="2718081">
+                  <a:extLst>
+                    <a:ext uri="{9D8B030D-6E8A-4147-A177-3AD203B41FA5}">
+                      <a16:colId xmlns:a16="http://schemas.microsoft.com/office/drawing/2014/main" val="704754280"/>
+                    </a:ext>
+                  </a:extLst>
+                </a:gridCol>
+                <a:gridCol w="2337317">
+                  <a:extLst>
+                    <a:ext uri="{9D8B030D-6E8A-4147-A177-3AD203B41FA5}">
+                      <a16:colId xmlns:a16="http://schemas.microsoft.com/office/drawing/2014/main" val="2504953130"/>
+                    </a:ext>
+                  </a:extLst>
+                </a:gridCol>
+              </a:tblGrid>
+              <a:tr h="513271">
+                <a:tc>
+                  <a:txBody>
+                    <a:bodyPr/>
+                    <a:lstStyle/>
+                    <a:p>
+                      <a:pPr marL="457200">
+                        <a:lnSpc>
+                          <a:spcPct val="107000"/>
+                        </a:lnSpc>
+                      </a:pPr>
+                      <a:r>
+                        <a:rPr lang="en-US" sz="1600" b="1" dirty="0">
+                          <a:effectLst/>
+                          <a:latin typeface="Times New Roman" panose="02020603050405020304" pitchFamily="18" charset="0"/>
+                          <a:cs typeface="Times New Roman" panose="02020603050405020304" pitchFamily="18" charset="0"/>
+                        </a:rPr>
+                        <a:t>S. No. </a:t>
+                      </a:r>
+                      <a:endParaRPr lang="en-IN" sz="1600" b="1" dirty="0">
+                        <a:effectLst/>
+                        <a:latin typeface="Times New Roman" panose="02020603050405020304" pitchFamily="18" charset="0"/>
+                        <a:ea typeface="Calibri" panose="020F0502020204030204" pitchFamily="34" charset="0"/>
+                        <a:cs typeface="Times New Roman" panose="02020603050405020304" pitchFamily="18" charset="0"/>
+                      </a:endParaRPr>
+                    </a:p>
+                  </a:txBody>
+                  <a:tcPr marL="68580" marR="68580" marT="0" marB="0"/>
+                </a:tc>
+                <a:tc>
+                  <a:txBody>
+                    <a:bodyPr/>
+                    <a:lstStyle/>
+                    <a:p>
+                      <a:pPr marL="457200">
+                        <a:lnSpc>
+                          <a:spcPct val="107000"/>
+                        </a:lnSpc>
+                      </a:pPr>
+                      <a:r>
+                        <a:rPr lang="en-US" sz="1600" b="1" dirty="0">
+                          <a:effectLst/>
+                          <a:latin typeface="Times New Roman" panose="02020603050405020304" pitchFamily="18" charset="0"/>
+                          <a:cs typeface="Times New Roman" panose="02020603050405020304" pitchFamily="18" charset="0"/>
+                        </a:rPr>
+                        <a:t>Name</a:t>
+                      </a:r>
+                      <a:endParaRPr lang="en-IN" sz="1600" b="1" dirty="0">
+                        <a:effectLst/>
+                        <a:latin typeface="Times New Roman" panose="02020603050405020304" pitchFamily="18" charset="0"/>
+                        <a:ea typeface="Calibri" panose="020F0502020204030204" pitchFamily="34" charset="0"/>
+                        <a:cs typeface="Times New Roman" panose="02020603050405020304" pitchFamily="18" charset="0"/>
+                      </a:endParaRPr>
+                    </a:p>
+                  </a:txBody>
+                  <a:tcPr marL="68580" marR="68580" marT="0" marB="0"/>
+                </a:tc>
+                <a:tc>
+                  <a:txBody>
+                    <a:bodyPr/>
+                    <a:lstStyle/>
+                    <a:p>
+                      <a:pPr marL="457200">
+                        <a:lnSpc>
+                          <a:spcPct val="107000"/>
+                        </a:lnSpc>
+                      </a:pPr>
+                      <a:r>
+                        <a:rPr lang="en-US" sz="1600" b="1" dirty="0">
+                          <a:effectLst/>
+                          <a:latin typeface="Times New Roman" panose="02020603050405020304" pitchFamily="18" charset="0"/>
+                          <a:cs typeface="Times New Roman" panose="02020603050405020304" pitchFamily="18" charset="0"/>
+                        </a:rPr>
+                        <a:t>SRN</a:t>
+                      </a:r>
+                      <a:endParaRPr lang="en-IN" sz="1600" b="1" dirty="0">
+                        <a:effectLst/>
+                        <a:latin typeface="Times New Roman" panose="02020603050405020304" pitchFamily="18" charset="0"/>
+                        <a:ea typeface="Calibri" panose="020F0502020204030204" pitchFamily="34" charset="0"/>
+                        <a:cs typeface="Times New Roman" panose="02020603050405020304" pitchFamily="18" charset="0"/>
+                      </a:endParaRPr>
+                    </a:p>
+                  </a:txBody>
+                  <a:tcPr marL="68580" marR="68580" marT="0" marB="0"/>
+                </a:tc>
+                <a:tc>
+                  <a:txBody>
+                    <a:bodyPr/>
+                    <a:lstStyle/>
+                    <a:p>
+                      <a:pPr marL="457200">
+                        <a:lnSpc>
+                          <a:spcPct val="107000"/>
+                        </a:lnSpc>
+                        <a:spcAft>
+                          <a:spcPts val="800"/>
+                        </a:spcAft>
+                      </a:pPr>
+                      <a:r>
+                        <a:rPr lang="en-US" sz="1600" b="1" dirty="0">
+                          <a:effectLst/>
+                          <a:latin typeface="Times New Roman" panose="02020603050405020304" pitchFamily="18" charset="0"/>
+                          <a:cs typeface="Times New Roman" panose="02020603050405020304" pitchFamily="18" charset="0"/>
+                        </a:rPr>
+                        <a:t>Section</a:t>
+                      </a:r>
+                      <a:endParaRPr lang="en-IN" sz="1600" b="1" dirty="0">
+                        <a:effectLst/>
+                        <a:latin typeface="Times New Roman" panose="02020603050405020304" pitchFamily="18" charset="0"/>
+                        <a:ea typeface="Calibri" panose="020F0502020204030204" pitchFamily="34" charset="0"/>
+                        <a:cs typeface="Times New Roman" panose="02020603050405020304" pitchFamily="18" charset="0"/>
+                      </a:endParaRPr>
+                    </a:p>
+                  </a:txBody>
+                  <a:tcPr marL="68580" marR="68580" marT="0" marB="0"/>
+                </a:tc>
+                <a:extLst>
+                  <a:ext uri="{0D108BD9-81ED-4DB2-BD59-A6C34878D82A}">
+                    <a16:rowId xmlns:a16="http://schemas.microsoft.com/office/drawing/2014/main" val="4029265409"/>
+                  </a:ext>
+                </a:extLst>
+              </a:tr>
+              <a:tr h="444489">
+                <a:tc>
+                  <a:txBody>
+                    <a:bodyPr/>
+                    <a:lstStyle/>
+                    <a:p>
+                      <a:pPr marL="457200">
+                        <a:lnSpc>
+                          <a:spcPct val="107000"/>
+                        </a:lnSpc>
+                      </a:pPr>
+                      <a:r>
+                        <a:rPr lang="en-US" sz="1600" dirty="0">
+                          <a:effectLst/>
+                          <a:latin typeface="Times New Roman" panose="02020603050405020304" pitchFamily="18" charset="0"/>
+                          <a:cs typeface="Times New Roman" panose="02020603050405020304" pitchFamily="18" charset="0"/>
+                        </a:rPr>
+                        <a:t>1.</a:t>
+                      </a:r>
+                      <a:endParaRPr lang="en-IN" sz="1600" dirty="0">
+                        <a:effectLst/>
+                        <a:latin typeface="Times New Roman" panose="02020603050405020304" pitchFamily="18" charset="0"/>
+                        <a:ea typeface="Calibri" panose="020F0502020204030204" pitchFamily="34" charset="0"/>
+                        <a:cs typeface="Times New Roman" panose="02020603050405020304" pitchFamily="18" charset="0"/>
+                      </a:endParaRPr>
+                    </a:p>
+                  </a:txBody>
+                  <a:tcPr marL="68580" marR="68580" marT="0" marB="0"/>
+                </a:tc>
+                <a:tc>
+                  <a:txBody>
+                    <a:bodyPr/>
+                    <a:lstStyle/>
+                    <a:p>
+                      <a:pPr marL="457200">
+                        <a:lnSpc>
+                          <a:spcPct val="107000"/>
+                        </a:lnSpc>
+                      </a:pPr>
+                      <a:r>
+                        <a:rPr lang="en-US" sz="1600" dirty="0">
+                          <a:effectLst/>
+                          <a:latin typeface="Times New Roman" panose="02020603050405020304" pitchFamily="18" charset="0"/>
+                          <a:cs typeface="Times New Roman" panose="02020603050405020304" pitchFamily="18" charset="0"/>
+                        </a:rPr>
+                        <a:t>K Manish Gowd</a:t>
+                      </a:r>
+                      <a:endParaRPr lang="en-IN" sz="1600" dirty="0">
+                        <a:effectLst/>
+                        <a:latin typeface="Times New Roman" panose="02020603050405020304" pitchFamily="18" charset="0"/>
+                        <a:ea typeface="Calibri" panose="020F0502020204030204" pitchFamily="34" charset="0"/>
+                        <a:cs typeface="Times New Roman" panose="02020603050405020304" pitchFamily="18" charset="0"/>
+                      </a:endParaRPr>
+                    </a:p>
+                  </a:txBody>
+                  <a:tcPr marL="68580" marR="68580" marT="0" marB="0"/>
+                </a:tc>
+                <a:tc>
+                  <a:txBody>
+                    <a:bodyPr/>
+                    <a:lstStyle/>
+                    <a:p>
+                      <a:pPr marL="457200">
+                        <a:lnSpc>
+                          <a:spcPct val="107000"/>
+                        </a:lnSpc>
+                      </a:pPr>
+                      <a:r>
+                        <a:rPr lang="en-US" sz="1600" dirty="0">
+                          <a:effectLst/>
+                          <a:latin typeface="Times New Roman" panose="02020603050405020304" pitchFamily="18" charset="0"/>
+                          <a:cs typeface="Times New Roman" panose="02020603050405020304" pitchFamily="18" charset="0"/>
+                        </a:rPr>
+                        <a:t>PES1UG19CS200</a:t>
+                      </a:r>
+                      <a:endParaRPr lang="en-IN" sz="1600" dirty="0">
+                        <a:effectLst/>
+                        <a:latin typeface="Times New Roman" panose="02020603050405020304" pitchFamily="18" charset="0"/>
+                        <a:ea typeface="Calibri" panose="020F0502020204030204" pitchFamily="34" charset="0"/>
+                        <a:cs typeface="Times New Roman" panose="02020603050405020304" pitchFamily="18" charset="0"/>
+                      </a:endParaRPr>
+                    </a:p>
+                  </a:txBody>
+                  <a:tcPr marL="68580" marR="68580" marT="0" marB="0"/>
+                </a:tc>
+                <a:tc>
+                  <a:txBody>
+                    <a:bodyPr/>
+                    <a:lstStyle/>
+                    <a:p>
+                      <a:pPr marL="457200">
+                        <a:lnSpc>
+                          <a:spcPct val="107000"/>
+                        </a:lnSpc>
+                        <a:spcAft>
+                          <a:spcPts val="800"/>
+                        </a:spcAft>
+                      </a:pPr>
+                      <a:r>
+                        <a:rPr lang="en-US" sz="1600" dirty="0">
+                          <a:effectLst/>
+                          <a:latin typeface="Times New Roman" panose="02020603050405020304" pitchFamily="18" charset="0"/>
+                          <a:cs typeface="Times New Roman" panose="02020603050405020304" pitchFamily="18" charset="0"/>
+                        </a:rPr>
+                        <a:t>C</a:t>
+                      </a:r>
+                      <a:endParaRPr lang="en-IN" sz="1600" dirty="0">
+                        <a:effectLst/>
+                        <a:latin typeface="Times New Roman" panose="02020603050405020304" pitchFamily="18" charset="0"/>
+                        <a:ea typeface="Calibri" panose="020F0502020204030204" pitchFamily="34" charset="0"/>
+                        <a:cs typeface="Times New Roman" panose="02020603050405020304" pitchFamily="18" charset="0"/>
+                      </a:endParaRPr>
+                    </a:p>
+                  </a:txBody>
+                  <a:tcPr marL="68580" marR="68580" marT="0" marB="0"/>
+                </a:tc>
+                <a:extLst>
+                  <a:ext uri="{0D108BD9-81ED-4DB2-BD59-A6C34878D82A}">
+                    <a16:rowId xmlns:a16="http://schemas.microsoft.com/office/drawing/2014/main" val="2140910329"/>
+                  </a:ext>
+                </a:extLst>
+              </a:tr>
+              <a:tr h="428077">
+                <a:tc>
+                  <a:txBody>
+                    <a:bodyPr/>
+                    <a:lstStyle/>
+                    <a:p>
+                      <a:pPr marL="457200">
+                        <a:lnSpc>
+                          <a:spcPct val="107000"/>
+                        </a:lnSpc>
+                      </a:pPr>
+                      <a:r>
+                        <a:rPr lang="en-US" sz="1600">
+                          <a:effectLst/>
+                          <a:latin typeface="Times New Roman" panose="02020603050405020304" pitchFamily="18" charset="0"/>
+                          <a:cs typeface="Times New Roman" panose="02020603050405020304" pitchFamily="18" charset="0"/>
+                        </a:rPr>
+                        <a:t>2.</a:t>
+                      </a:r>
+                      <a:endParaRPr lang="en-IN" sz="1600">
+                        <a:effectLst/>
+                        <a:latin typeface="Times New Roman" panose="02020603050405020304" pitchFamily="18" charset="0"/>
+                        <a:ea typeface="Calibri" panose="020F0502020204030204" pitchFamily="34" charset="0"/>
+                        <a:cs typeface="Times New Roman" panose="02020603050405020304" pitchFamily="18" charset="0"/>
+                      </a:endParaRPr>
+                    </a:p>
+                  </a:txBody>
+                  <a:tcPr marL="68580" marR="68580" marT="0" marB="0"/>
+                </a:tc>
+                <a:tc>
+                  <a:txBody>
+                    <a:bodyPr/>
+                    <a:lstStyle/>
+                    <a:p>
+                      <a:pPr marL="457200">
+                        <a:lnSpc>
+                          <a:spcPct val="107000"/>
+                        </a:lnSpc>
+                      </a:pPr>
+                      <a:r>
+                        <a:rPr lang="en-US" sz="1600">
+                          <a:effectLst/>
+                          <a:latin typeface="Times New Roman" panose="02020603050405020304" pitchFamily="18" charset="0"/>
+                          <a:cs typeface="Times New Roman" panose="02020603050405020304" pitchFamily="18" charset="0"/>
+                        </a:rPr>
+                        <a:t>Justin James</a:t>
+                      </a:r>
+                      <a:endParaRPr lang="en-IN" sz="1600">
+                        <a:effectLst/>
+                        <a:latin typeface="Times New Roman" panose="02020603050405020304" pitchFamily="18" charset="0"/>
+                        <a:ea typeface="Calibri" panose="020F0502020204030204" pitchFamily="34" charset="0"/>
+                        <a:cs typeface="Times New Roman" panose="02020603050405020304" pitchFamily="18" charset="0"/>
+                      </a:endParaRPr>
+                    </a:p>
+                  </a:txBody>
+                  <a:tcPr marL="68580" marR="68580" marT="0" marB="0"/>
+                </a:tc>
+                <a:tc>
+                  <a:txBody>
+                    <a:bodyPr/>
+                    <a:lstStyle/>
+                    <a:p>
+                      <a:pPr marL="457200">
+                        <a:lnSpc>
+                          <a:spcPct val="107000"/>
+                        </a:lnSpc>
+                      </a:pPr>
+                      <a:r>
+                        <a:rPr lang="en-US" sz="1600" dirty="0">
+                          <a:effectLst/>
+                          <a:latin typeface="Times New Roman" panose="02020603050405020304" pitchFamily="18" charset="0"/>
+                          <a:cs typeface="Times New Roman" panose="02020603050405020304" pitchFamily="18" charset="0"/>
+                        </a:rPr>
+                        <a:t>PES1UG19CS198</a:t>
+                      </a:r>
+                      <a:endParaRPr lang="en-IN" sz="1600" dirty="0">
+                        <a:effectLst/>
+                        <a:latin typeface="Times New Roman" panose="02020603050405020304" pitchFamily="18" charset="0"/>
+                        <a:ea typeface="Calibri" panose="020F0502020204030204" pitchFamily="34" charset="0"/>
+                        <a:cs typeface="Times New Roman" panose="02020603050405020304" pitchFamily="18" charset="0"/>
+                      </a:endParaRPr>
+                    </a:p>
+                  </a:txBody>
+                  <a:tcPr marL="68580" marR="68580" marT="0" marB="0"/>
+                </a:tc>
+                <a:tc>
+                  <a:txBody>
+                    <a:bodyPr/>
+                    <a:lstStyle/>
+                    <a:p>
+                      <a:pPr marL="457200">
+                        <a:lnSpc>
+                          <a:spcPct val="107000"/>
+                        </a:lnSpc>
+                        <a:spcAft>
+                          <a:spcPts val="800"/>
+                        </a:spcAft>
+                      </a:pPr>
+                      <a:r>
+                        <a:rPr lang="en-US" sz="1600">
+                          <a:effectLst/>
+                          <a:latin typeface="Times New Roman" panose="02020603050405020304" pitchFamily="18" charset="0"/>
+                          <a:cs typeface="Times New Roman" panose="02020603050405020304" pitchFamily="18" charset="0"/>
+                        </a:rPr>
+                        <a:t>C</a:t>
+                      </a:r>
+                      <a:endParaRPr lang="en-IN" sz="1600">
+                        <a:effectLst/>
+                        <a:latin typeface="Times New Roman" panose="02020603050405020304" pitchFamily="18" charset="0"/>
+                        <a:ea typeface="Calibri" panose="020F0502020204030204" pitchFamily="34" charset="0"/>
+                        <a:cs typeface="Times New Roman" panose="02020603050405020304" pitchFamily="18" charset="0"/>
+                      </a:endParaRPr>
+                    </a:p>
+                  </a:txBody>
+                  <a:tcPr marL="68580" marR="68580" marT="0" marB="0"/>
+                </a:tc>
+                <a:extLst>
+                  <a:ext uri="{0D108BD9-81ED-4DB2-BD59-A6C34878D82A}">
+                    <a16:rowId xmlns:a16="http://schemas.microsoft.com/office/drawing/2014/main" val="496223898"/>
+                  </a:ext>
+                </a:extLst>
+              </a:tr>
+              <a:tr h="428077">
+                <a:tc>
+                  <a:txBody>
+                    <a:bodyPr/>
+                    <a:lstStyle/>
+                    <a:p>
+                      <a:pPr marL="457200">
+                        <a:lnSpc>
+                          <a:spcPct val="107000"/>
+                        </a:lnSpc>
+                      </a:pPr>
+                      <a:r>
+                        <a:rPr lang="en-US" sz="1600">
+                          <a:effectLst/>
+                          <a:latin typeface="Times New Roman" panose="02020603050405020304" pitchFamily="18" charset="0"/>
+                          <a:cs typeface="Times New Roman" panose="02020603050405020304" pitchFamily="18" charset="0"/>
+                        </a:rPr>
+                        <a:t>3.</a:t>
+                      </a:r>
+                      <a:endParaRPr lang="en-IN" sz="1600">
+                        <a:effectLst/>
+                        <a:latin typeface="Times New Roman" panose="02020603050405020304" pitchFamily="18" charset="0"/>
+                        <a:ea typeface="Calibri" panose="020F0502020204030204" pitchFamily="34" charset="0"/>
+                        <a:cs typeface="Times New Roman" panose="02020603050405020304" pitchFamily="18" charset="0"/>
+                      </a:endParaRPr>
+                    </a:p>
+                  </a:txBody>
+                  <a:tcPr marL="68580" marR="68580" marT="0" marB="0"/>
+                </a:tc>
+                <a:tc>
+                  <a:txBody>
+                    <a:bodyPr/>
+                    <a:lstStyle/>
+                    <a:p>
+                      <a:pPr marL="457200">
+                        <a:lnSpc>
+                          <a:spcPct val="107000"/>
+                        </a:lnSpc>
+                      </a:pPr>
+                      <a:r>
+                        <a:rPr lang="en-US" sz="1600">
+                          <a:effectLst/>
+                          <a:latin typeface="Times New Roman" panose="02020603050405020304" pitchFamily="18" charset="0"/>
+                          <a:cs typeface="Times New Roman" panose="02020603050405020304" pitchFamily="18" charset="0"/>
+                        </a:rPr>
+                        <a:t>Harshit Khashoo</a:t>
+                      </a:r>
+                      <a:endParaRPr lang="en-IN" sz="1600">
+                        <a:effectLst/>
+                        <a:latin typeface="Times New Roman" panose="02020603050405020304" pitchFamily="18" charset="0"/>
+                        <a:ea typeface="Calibri" panose="020F0502020204030204" pitchFamily="34" charset="0"/>
+                        <a:cs typeface="Times New Roman" panose="02020603050405020304" pitchFamily="18" charset="0"/>
+                      </a:endParaRPr>
+                    </a:p>
+                  </a:txBody>
+                  <a:tcPr marL="68580" marR="68580" marT="0" marB="0"/>
+                </a:tc>
+                <a:tc>
+                  <a:txBody>
+                    <a:bodyPr/>
+                    <a:lstStyle/>
+                    <a:p>
+                      <a:pPr marL="457200">
+                        <a:lnSpc>
+                          <a:spcPct val="107000"/>
+                        </a:lnSpc>
+                      </a:pPr>
+                      <a:r>
+                        <a:rPr lang="en-US" sz="1600" dirty="0">
+                          <a:effectLst/>
+                          <a:latin typeface="Times New Roman" panose="02020603050405020304" pitchFamily="18" charset="0"/>
+                          <a:cs typeface="Times New Roman" panose="02020603050405020304" pitchFamily="18" charset="0"/>
+                        </a:rPr>
+                        <a:t>PES1UG19CS183</a:t>
+                      </a:r>
+                      <a:endParaRPr lang="en-IN" sz="1600" dirty="0">
+                        <a:effectLst/>
+                        <a:latin typeface="Times New Roman" panose="02020603050405020304" pitchFamily="18" charset="0"/>
+                        <a:ea typeface="Calibri" panose="020F0502020204030204" pitchFamily="34" charset="0"/>
+                        <a:cs typeface="Times New Roman" panose="02020603050405020304" pitchFamily="18" charset="0"/>
+                      </a:endParaRPr>
+                    </a:p>
+                  </a:txBody>
+                  <a:tcPr marL="68580" marR="68580" marT="0" marB="0"/>
+                </a:tc>
+                <a:tc>
+                  <a:txBody>
+                    <a:bodyPr/>
+                    <a:lstStyle/>
+                    <a:p>
+                      <a:pPr marL="457200">
+                        <a:lnSpc>
+                          <a:spcPct val="107000"/>
+                        </a:lnSpc>
+                        <a:spcAft>
+                          <a:spcPts val="800"/>
+                        </a:spcAft>
+                      </a:pPr>
+                      <a:r>
+                        <a:rPr lang="en-US" sz="1600" dirty="0">
+                          <a:effectLst/>
+                          <a:latin typeface="Times New Roman" panose="02020603050405020304" pitchFamily="18" charset="0"/>
+                          <a:cs typeface="Times New Roman" panose="02020603050405020304" pitchFamily="18" charset="0"/>
+                        </a:rPr>
+                        <a:t>C</a:t>
+                      </a:r>
+                      <a:endParaRPr lang="en-IN" sz="1600" dirty="0">
+                        <a:effectLst/>
+                        <a:latin typeface="Times New Roman" panose="02020603050405020304" pitchFamily="18" charset="0"/>
+                        <a:ea typeface="Calibri" panose="020F0502020204030204" pitchFamily="34" charset="0"/>
+                        <a:cs typeface="Times New Roman" panose="02020603050405020304" pitchFamily="18" charset="0"/>
+                      </a:endParaRPr>
+                    </a:p>
+                  </a:txBody>
+                  <a:tcPr marL="68580" marR="68580" marT="0" marB="0"/>
+                </a:tc>
+                <a:extLst>
+                  <a:ext uri="{0D108BD9-81ED-4DB2-BD59-A6C34878D82A}">
+                    <a16:rowId xmlns:a16="http://schemas.microsoft.com/office/drawing/2014/main" val="110491754"/>
+                  </a:ext>
+                </a:extLst>
+              </a:tr>
+              <a:tr h="428077">
+                <a:tc>
+                  <a:txBody>
+                    <a:bodyPr/>
+                    <a:lstStyle/>
+                    <a:p>
+                      <a:pPr marL="457200">
+                        <a:lnSpc>
+                          <a:spcPct val="107000"/>
+                        </a:lnSpc>
+                      </a:pPr>
+                      <a:r>
+                        <a:rPr lang="en-US" sz="1600">
+                          <a:effectLst/>
+                          <a:latin typeface="Times New Roman" panose="02020603050405020304" pitchFamily="18" charset="0"/>
+                          <a:cs typeface="Times New Roman" panose="02020603050405020304" pitchFamily="18" charset="0"/>
+                        </a:rPr>
+                        <a:t>4.</a:t>
+                      </a:r>
+                      <a:endParaRPr lang="en-IN" sz="1600">
+                        <a:effectLst/>
+                        <a:latin typeface="Times New Roman" panose="02020603050405020304" pitchFamily="18" charset="0"/>
+                        <a:ea typeface="Calibri" panose="020F0502020204030204" pitchFamily="34" charset="0"/>
+                        <a:cs typeface="Times New Roman" panose="02020603050405020304" pitchFamily="18" charset="0"/>
+                      </a:endParaRPr>
+                    </a:p>
+                  </a:txBody>
+                  <a:tcPr marL="68580" marR="68580" marT="0" marB="0"/>
+                </a:tc>
+                <a:tc>
+                  <a:txBody>
+                    <a:bodyPr/>
+                    <a:lstStyle/>
+                    <a:p>
+                      <a:pPr marL="457200">
+                        <a:lnSpc>
+                          <a:spcPct val="107000"/>
+                        </a:lnSpc>
+                      </a:pPr>
+                      <a:r>
+                        <a:rPr lang="en-US" sz="1600">
+                          <a:effectLst/>
+                          <a:latin typeface="Times New Roman" panose="02020603050405020304" pitchFamily="18" charset="0"/>
+                          <a:cs typeface="Times New Roman" panose="02020603050405020304" pitchFamily="18" charset="0"/>
+                        </a:rPr>
+                        <a:t>Dhanush Patel YP</a:t>
+                      </a:r>
+                      <a:endParaRPr lang="en-IN" sz="1600">
+                        <a:effectLst/>
+                        <a:latin typeface="Times New Roman" panose="02020603050405020304" pitchFamily="18" charset="0"/>
+                        <a:ea typeface="Calibri" panose="020F0502020204030204" pitchFamily="34" charset="0"/>
+                        <a:cs typeface="Times New Roman" panose="02020603050405020304" pitchFamily="18" charset="0"/>
+                      </a:endParaRPr>
+                    </a:p>
+                  </a:txBody>
+                  <a:tcPr marL="68580" marR="68580" marT="0" marB="0"/>
+                </a:tc>
+                <a:tc>
+                  <a:txBody>
+                    <a:bodyPr/>
+                    <a:lstStyle/>
+                    <a:p>
+                      <a:pPr marL="457200">
+                        <a:lnSpc>
+                          <a:spcPct val="107000"/>
+                        </a:lnSpc>
+                      </a:pPr>
+                      <a:r>
+                        <a:rPr lang="en-US" sz="1600" dirty="0">
+                          <a:effectLst/>
+                          <a:latin typeface="Times New Roman" panose="02020603050405020304" pitchFamily="18" charset="0"/>
+                          <a:cs typeface="Times New Roman" panose="02020603050405020304" pitchFamily="18" charset="0"/>
+                        </a:rPr>
+                        <a:t>PES1UG19CS141</a:t>
+                      </a:r>
+                      <a:endParaRPr lang="en-IN" sz="1600" dirty="0">
+                        <a:effectLst/>
+                        <a:latin typeface="Times New Roman" panose="02020603050405020304" pitchFamily="18" charset="0"/>
+                        <a:ea typeface="Calibri" panose="020F0502020204030204" pitchFamily="34" charset="0"/>
+                        <a:cs typeface="Times New Roman" panose="02020603050405020304" pitchFamily="18" charset="0"/>
+                      </a:endParaRPr>
+                    </a:p>
+                  </a:txBody>
+                  <a:tcPr marL="68580" marR="68580" marT="0" marB="0"/>
+                </a:tc>
+                <a:tc>
+                  <a:txBody>
+                    <a:bodyPr/>
+                    <a:lstStyle/>
+                    <a:p>
+                      <a:pPr marL="457200">
+                        <a:lnSpc>
+                          <a:spcPct val="107000"/>
+                        </a:lnSpc>
+                        <a:spcAft>
+                          <a:spcPts val="800"/>
+                        </a:spcAft>
+                      </a:pPr>
+                      <a:r>
+                        <a:rPr lang="en-US" sz="1600" dirty="0">
+                          <a:effectLst/>
+                          <a:latin typeface="Times New Roman" panose="02020603050405020304" pitchFamily="18" charset="0"/>
+                          <a:cs typeface="Times New Roman" panose="02020603050405020304" pitchFamily="18" charset="0"/>
+                        </a:rPr>
+                        <a:t>C</a:t>
+                      </a:r>
+                      <a:endParaRPr lang="en-IN" sz="1600" dirty="0">
+                        <a:effectLst/>
+                        <a:latin typeface="Times New Roman" panose="02020603050405020304" pitchFamily="18" charset="0"/>
+                        <a:ea typeface="Calibri" panose="020F0502020204030204" pitchFamily="34" charset="0"/>
+                        <a:cs typeface="Times New Roman" panose="02020603050405020304" pitchFamily="18" charset="0"/>
+                      </a:endParaRPr>
+                    </a:p>
+                  </a:txBody>
+                  <a:tcPr marL="68580" marR="68580" marT="0" marB="0"/>
+                </a:tc>
+                <a:extLst>
+                  <a:ext uri="{0D108BD9-81ED-4DB2-BD59-A6C34878D82A}">
+                    <a16:rowId xmlns:a16="http://schemas.microsoft.com/office/drawing/2014/main" val="1995286644"/>
+                  </a:ext>
+                </a:extLst>
+              </a:tr>
+            </a:tbl>
+          </a:graphicData>
+        </a:graphic>
+      </p:graphicFrame>
     </p:spTree>
     <p:extLst>
       <p:ext uri="{BB962C8B-B14F-4D97-AF65-F5344CB8AC3E}">
@@ -3405,10 +6608,2116 @@
 </p:sld>
 </file>
 
+<file path=ppt/slides/slide10.xml><?xml version="1.0" encoding="utf-8"?>
+<p:sld xmlns:a="http://schemas.openxmlformats.org/drawingml/2006/main" xmlns:r="http://schemas.openxmlformats.org/officeDocument/2006/relationships" xmlns:p="http://schemas.openxmlformats.org/presentationml/2006/main">
+  <p:cSld>
+    <p:spTree>
+      <p:nvGrpSpPr>
+        <p:cNvPr id="1" name=""/>
+        <p:cNvGrpSpPr/>
+        <p:nvPr/>
+      </p:nvGrpSpPr>
+      <p:grpSpPr>
+        <a:xfrm>
+          <a:off x="0" y="0"/>
+          <a:ext cx="0" cy="0"/>
+          <a:chOff x="0" y="0"/>
+          <a:chExt cx="0" cy="0"/>
+        </a:xfrm>
+      </p:grpSpPr>
+      <p:sp>
+        <p:nvSpPr>
+          <p:cNvPr id="2" name="Title 1">
+            <a:extLst>
+              <a:ext uri="{FF2B5EF4-FFF2-40B4-BE49-F238E27FC236}">
+                <a16:creationId xmlns:a16="http://schemas.microsoft.com/office/drawing/2014/main" id="{F1BEF560-B7BF-4733-A580-398557A567D8}"/>
+              </a:ext>
+            </a:extLst>
+          </p:cNvPr>
+          <p:cNvSpPr>
+            <a:spLocks noGrp="1"/>
+          </p:cNvSpPr>
+          <p:nvPr>
+            <p:ph type="title"/>
+          </p:nvPr>
+        </p:nvSpPr>
+        <p:spPr/>
+        <p:txBody>
+          <a:bodyPr/>
+          <a:lstStyle/>
+          <a:p>
+            <a:endParaRPr lang="en-IN"/>
+          </a:p>
+        </p:txBody>
+      </p:sp>
+      <p:sp>
+        <p:nvSpPr>
+          <p:cNvPr id="3" name="Content Placeholder 2">
+            <a:extLst>
+              <a:ext uri="{FF2B5EF4-FFF2-40B4-BE49-F238E27FC236}">
+                <a16:creationId xmlns:a16="http://schemas.microsoft.com/office/drawing/2014/main" id="{459EF51C-6FBD-4592-AF83-782AC637C5D2}"/>
+              </a:ext>
+            </a:extLst>
+          </p:cNvPr>
+          <p:cNvSpPr>
+            <a:spLocks noGrp="1"/>
+          </p:cNvSpPr>
+          <p:nvPr>
+            <p:ph idx="1"/>
+          </p:nvPr>
+        </p:nvSpPr>
+        <p:spPr>
+          <a:xfrm>
+            <a:off x="838200" y="365125"/>
+            <a:ext cx="8821366" cy="5811838"/>
+          </a:xfrm>
+        </p:spPr>
+        <p:txBody>
+          <a:bodyPr>
+            <a:normAutofit/>
+          </a:bodyPr>
+          <a:lstStyle/>
+          <a:p>
+            <a:r>
+              <a:rPr lang="en-US" sz="2200" dirty="0">
+                <a:effectLst/>
+                <a:latin typeface="Times New Roman" panose="02020603050405020304" pitchFamily="18" charset="0"/>
+                <a:ea typeface="Calibri" panose="020F0502020204030204" pitchFamily="34" charset="0"/>
+                <a:cs typeface="Times New Roman" panose="02020603050405020304" pitchFamily="18" charset="0"/>
+              </a:rPr>
+              <a:t>All the numerical variables have some kind of correlation with each other since this is a weather-based dataset, so all the numerical variables would somehow influence each other.</a:t>
+            </a:r>
+            <a:endParaRPr lang="en-IN" sz="2200" dirty="0">
+              <a:effectLst/>
+              <a:latin typeface="Times New Roman" panose="02020603050405020304" pitchFamily="18" charset="0"/>
+              <a:ea typeface="Calibri" panose="020F0502020204030204" pitchFamily="34" charset="0"/>
+              <a:cs typeface="Times New Roman" panose="02020603050405020304" pitchFamily="18" charset="0"/>
+            </a:endParaRPr>
+          </a:p>
+          <a:p>
+            <a:endParaRPr lang="en-IN" sz="2200" dirty="0">
+              <a:latin typeface="Times New Roman" panose="02020603050405020304" pitchFamily="18" charset="0"/>
+              <a:cs typeface="Times New Roman" panose="02020603050405020304" pitchFamily="18" charset="0"/>
+            </a:endParaRPr>
+          </a:p>
+        </p:txBody>
+      </p:sp>
+      <p:pic>
+        <p:nvPicPr>
+          <p:cNvPr id="4" name="Picture 3">
+            <a:extLst>
+              <a:ext uri="{FF2B5EF4-FFF2-40B4-BE49-F238E27FC236}">
+                <a16:creationId xmlns:a16="http://schemas.microsoft.com/office/drawing/2014/main" id="{DA84CF13-2476-496E-AFBB-91FA8087D735}"/>
+              </a:ext>
+            </a:extLst>
+          </p:cNvPr>
+          <p:cNvPicPr/>
+          <p:nvPr/>
+        </p:nvPicPr>
+        <p:blipFill>
+          <a:blip r:embed="rId2"/>
+          <a:stretch>
+            <a:fillRect/>
+          </a:stretch>
+        </p:blipFill>
+        <p:spPr>
+          <a:xfrm>
+            <a:off x="2532434" y="1491063"/>
+            <a:ext cx="5697554" cy="5269665"/>
+          </a:xfrm>
+          <a:prstGeom prst="rect">
+            <a:avLst/>
+          </a:prstGeom>
+        </p:spPr>
+      </p:pic>
+    </p:spTree>
+    <p:extLst>
+      <p:ext uri="{BB962C8B-B14F-4D97-AF65-F5344CB8AC3E}">
+        <p14:creationId xmlns:p14="http://schemas.microsoft.com/office/powerpoint/2010/main" val="4064952586"/>
+      </p:ext>
+    </p:extLst>
+  </p:cSld>
+  <p:clrMapOvr>
+    <a:masterClrMapping/>
+  </p:clrMapOvr>
+</p:sld>
+</file>
+
+<file path=ppt/slides/slide11.xml><?xml version="1.0" encoding="utf-8"?>
+<p:sld xmlns:a="http://schemas.openxmlformats.org/drawingml/2006/main" xmlns:r="http://schemas.openxmlformats.org/officeDocument/2006/relationships" xmlns:p="http://schemas.openxmlformats.org/presentationml/2006/main">
+  <p:cSld>
+    <p:spTree>
+      <p:nvGrpSpPr>
+        <p:cNvPr id="1" name=""/>
+        <p:cNvGrpSpPr/>
+        <p:nvPr/>
+      </p:nvGrpSpPr>
+      <p:grpSpPr>
+        <a:xfrm>
+          <a:off x="0" y="0"/>
+          <a:ext cx="0" cy="0"/>
+          <a:chOff x="0" y="0"/>
+          <a:chExt cx="0" cy="0"/>
+        </a:xfrm>
+      </p:grpSpPr>
+      <p:sp>
+        <p:nvSpPr>
+          <p:cNvPr id="2" name="Title 1">
+            <a:extLst>
+              <a:ext uri="{FF2B5EF4-FFF2-40B4-BE49-F238E27FC236}">
+                <a16:creationId xmlns:a16="http://schemas.microsoft.com/office/drawing/2014/main" id="{7E20876D-1E31-4AA2-821E-023DC575C66A}"/>
+              </a:ext>
+            </a:extLst>
+          </p:cNvPr>
+          <p:cNvSpPr>
+            <a:spLocks noGrp="1"/>
+          </p:cNvSpPr>
+          <p:nvPr>
+            <p:ph type="title"/>
+          </p:nvPr>
+        </p:nvSpPr>
+        <p:spPr>
+          <a:xfrm>
+            <a:off x="838200" y="365125"/>
+            <a:ext cx="10515600" cy="886159"/>
+          </a:xfrm>
+        </p:spPr>
+        <p:txBody>
+          <a:bodyPr>
+            <a:normAutofit/>
+          </a:bodyPr>
+          <a:lstStyle/>
+          <a:p>
+            <a:r>
+              <a:rPr lang="en-US" sz="3200" dirty="0">
+                <a:latin typeface="Times New Roman" panose="02020603050405020304" pitchFamily="18" charset="0"/>
+                <a:cs typeface="Times New Roman" panose="02020603050405020304" pitchFamily="18" charset="0"/>
+              </a:rPr>
+              <a:t>6. Hypothesis Testing:</a:t>
+            </a:r>
+            <a:endParaRPr lang="en-IN" sz="3200" dirty="0">
+              <a:latin typeface="Times New Roman" panose="02020603050405020304" pitchFamily="18" charset="0"/>
+              <a:cs typeface="Times New Roman" panose="02020603050405020304" pitchFamily="18" charset="0"/>
+            </a:endParaRPr>
+          </a:p>
+        </p:txBody>
+      </p:sp>
+      <p:sp>
+        <p:nvSpPr>
+          <p:cNvPr id="3" name="Content Placeholder 2">
+            <a:extLst>
+              <a:ext uri="{FF2B5EF4-FFF2-40B4-BE49-F238E27FC236}">
+                <a16:creationId xmlns:a16="http://schemas.microsoft.com/office/drawing/2014/main" id="{B1E50C80-5CD5-47D9-B435-4496FD4CD86A}"/>
+              </a:ext>
+            </a:extLst>
+          </p:cNvPr>
+          <p:cNvSpPr>
+            <a:spLocks noGrp="1"/>
+          </p:cNvSpPr>
+          <p:nvPr>
+            <p:ph idx="1"/>
+          </p:nvPr>
+        </p:nvSpPr>
+        <p:spPr>
+          <a:xfrm>
+            <a:off x="838200" y="1138989"/>
+            <a:ext cx="9093740" cy="5182352"/>
+          </a:xfrm>
+        </p:spPr>
+        <p:txBody>
+          <a:bodyPr>
+            <a:normAutofit fontScale="85000" lnSpcReduction="20000"/>
+          </a:bodyPr>
+          <a:lstStyle/>
+          <a:p>
+            <a:pPr algn="just">
+              <a:spcBef>
+                <a:spcPts val="930"/>
+              </a:spcBef>
+              <a:tabLst>
+                <a:tab pos="1898650" algn="l"/>
+              </a:tabLst>
+            </a:pPr>
+            <a:r>
+              <a:rPr lang="en-IN" sz="2200" b="1" dirty="0">
+                <a:solidFill>
+                  <a:srgbClr val="000000"/>
+                </a:solidFill>
+                <a:effectLst/>
+                <a:latin typeface="Times New Roman" panose="02020603050405020304" pitchFamily="18" charset="0"/>
+                <a:ea typeface="Times New Roman" panose="02020603050405020304" pitchFamily="18" charset="0"/>
+              </a:rPr>
+              <a:t>5% statistical significance:</a:t>
+            </a:r>
+            <a:endParaRPr lang="en-IN" sz="2200" b="1" dirty="0">
+              <a:effectLst/>
+              <a:latin typeface="Times New Roman" panose="02020603050405020304" pitchFamily="18" charset="0"/>
+              <a:ea typeface="Times New Roman" panose="02020603050405020304" pitchFamily="18" charset="0"/>
+            </a:endParaRPr>
+          </a:p>
+          <a:p>
+            <a:pPr algn="just">
+              <a:spcBef>
+                <a:spcPts val="1200"/>
+              </a:spcBef>
+            </a:pPr>
+            <a:r>
+              <a:rPr lang="en-IN" sz="2200" dirty="0">
+                <a:solidFill>
+                  <a:srgbClr val="000000"/>
+                </a:solidFill>
+                <a:effectLst/>
+                <a:latin typeface="Times New Roman" panose="02020603050405020304" pitchFamily="18" charset="0"/>
+                <a:ea typeface="Times New Roman" panose="02020603050405020304" pitchFamily="18" charset="0"/>
+              </a:rPr>
+              <a:t>Since P-Value is less than 0.05, (taking at 5% statistical significance), we reject H0, the original hypothesis, and accept our claim that there is no specific relationship between temperature and pressure to be plausible</a:t>
+            </a:r>
+            <a:endParaRPr lang="en-IN" sz="2200" dirty="0">
+              <a:effectLst/>
+              <a:latin typeface="Times New Roman" panose="02020603050405020304" pitchFamily="18" charset="0"/>
+              <a:ea typeface="Times New Roman" panose="02020603050405020304" pitchFamily="18" charset="0"/>
+            </a:endParaRPr>
+          </a:p>
+          <a:p>
+            <a:pPr algn="just">
+              <a:spcBef>
+                <a:spcPts val="1200"/>
+              </a:spcBef>
+            </a:pPr>
+            <a:r>
+              <a:rPr lang="en-IN" sz="2200" dirty="0">
+                <a:solidFill>
+                  <a:srgbClr val="000000"/>
+                </a:solidFill>
+                <a:effectLst/>
+                <a:latin typeface="Times New Roman" panose="02020603050405020304" pitchFamily="18" charset="0"/>
+                <a:ea typeface="Times New Roman" panose="02020603050405020304" pitchFamily="18" charset="0"/>
+              </a:rPr>
+              <a:t>But we know that pressure is directly proportional to temperature only at constant volume. We also know that the volume doesn't always remain constant. The change in volume to most extent would be practically significant. But the changes at times are definitely statistically significant. That's the main reason why we the null hypothesis was rejected by taking 5% statistical significance.</a:t>
+            </a:r>
+            <a:endParaRPr lang="en-IN" sz="2200" dirty="0">
+              <a:effectLst/>
+              <a:latin typeface="Times New Roman" panose="02020603050405020304" pitchFamily="18" charset="0"/>
+              <a:ea typeface="Times New Roman" panose="02020603050405020304" pitchFamily="18" charset="0"/>
+            </a:endParaRPr>
+          </a:p>
+          <a:p>
+            <a:pPr algn="just">
+              <a:spcBef>
+                <a:spcPts val="1200"/>
+              </a:spcBef>
+            </a:pPr>
+            <a:r>
+              <a:rPr lang="en-IN" sz="2200" dirty="0">
+                <a:solidFill>
+                  <a:srgbClr val="000000"/>
+                </a:solidFill>
+                <a:effectLst/>
+                <a:latin typeface="Times New Roman" panose="02020603050405020304" pitchFamily="18" charset="0"/>
+                <a:ea typeface="Times New Roman" panose="02020603050405020304" pitchFamily="18" charset="0"/>
+              </a:rPr>
+              <a:t>Therefore, a better solution is to increase the level of accuracy and bring the level of statistical significance down to 1%, which obviously seems to be a better choice in this scenario.</a:t>
+            </a:r>
+            <a:endParaRPr lang="en-IN" sz="2200" dirty="0">
+              <a:effectLst/>
+              <a:latin typeface="Times New Roman" panose="02020603050405020304" pitchFamily="18" charset="0"/>
+              <a:ea typeface="Times New Roman" panose="02020603050405020304" pitchFamily="18" charset="0"/>
+            </a:endParaRPr>
+          </a:p>
+          <a:p>
+            <a:pPr algn="just">
+              <a:spcBef>
+                <a:spcPts val="1860"/>
+              </a:spcBef>
+            </a:pPr>
+            <a:r>
+              <a:rPr lang="en-IN" sz="2200" b="1" dirty="0">
+                <a:solidFill>
+                  <a:srgbClr val="000000"/>
+                </a:solidFill>
+                <a:effectLst/>
+                <a:latin typeface="Times New Roman" panose="02020603050405020304" pitchFamily="18" charset="0"/>
+                <a:ea typeface="Times New Roman" panose="02020603050405020304" pitchFamily="18" charset="0"/>
+              </a:rPr>
+              <a:t>1% statistical significance:</a:t>
+            </a:r>
+            <a:endParaRPr lang="en-IN" sz="2200" b="1" dirty="0">
+              <a:effectLst/>
+              <a:latin typeface="Times New Roman" panose="02020603050405020304" pitchFamily="18" charset="0"/>
+              <a:ea typeface="Times New Roman" panose="02020603050405020304" pitchFamily="18" charset="0"/>
+            </a:endParaRPr>
+          </a:p>
+          <a:p>
+            <a:pPr algn="just">
+              <a:spcBef>
+                <a:spcPts val="1200"/>
+              </a:spcBef>
+            </a:pPr>
+            <a:r>
+              <a:rPr lang="en-IN" sz="2200" dirty="0">
+                <a:solidFill>
+                  <a:srgbClr val="000000"/>
+                </a:solidFill>
+                <a:effectLst/>
+                <a:latin typeface="Times New Roman" panose="02020603050405020304" pitchFamily="18" charset="0"/>
+                <a:ea typeface="Times New Roman" panose="02020603050405020304" pitchFamily="18" charset="0"/>
+              </a:rPr>
+              <a:t>So, since P-value is greater than 0.01, (taking at 1% statistical significance), we do not reject H0, the original hypothesis, and continue with the accepted fact i.e. the null hypothesis</a:t>
+            </a:r>
+            <a:endParaRPr lang="en-IN" sz="2200" dirty="0">
+              <a:effectLst/>
+              <a:latin typeface="Times New Roman" panose="02020603050405020304" pitchFamily="18" charset="0"/>
+              <a:ea typeface="Times New Roman" panose="02020603050405020304" pitchFamily="18" charset="0"/>
+            </a:endParaRPr>
+          </a:p>
+          <a:p>
+            <a:pPr algn="just">
+              <a:spcBef>
+                <a:spcPts val="1860"/>
+              </a:spcBef>
+            </a:pPr>
+            <a:r>
+              <a:rPr lang="en-IN" sz="2200" b="0" dirty="0">
+                <a:solidFill>
+                  <a:srgbClr val="000000"/>
+                </a:solidFill>
+                <a:effectLst/>
+                <a:latin typeface="Times New Roman" panose="02020603050405020304" pitchFamily="18" charset="0"/>
+                <a:ea typeface="Times New Roman" panose="02020603050405020304" pitchFamily="18" charset="0"/>
+              </a:rPr>
+              <a:t>Therefore, we can confidently conclude that the null hypothesis is supported.</a:t>
+            </a:r>
+            <a:endParaRPr lang="en-IN" sz="2200" b="1" dirty="0">
+              <a:effectLst/>
+              <a:latin typeface="Times New Roman" panose="02020603050405020304" pitchFamily="18" charset="0"/>
+              <a:ea typeface="Times New Roman" panose="02020603050405020304" pitchFamily="18" charset="0"/>
+            </a:endParaRPr>
+          </a:p>
+          <a:p>
+            <a:endParaRPr lang="en-IN" dirty="0"/>
+          </a:p>
+        </p:txBody>
+      </p:sp>
+    </p:spTree>
+    <p:extLst>
+      <p:ext uri="{BB962C8B-B14F-4D97-AF65-F5344CB8AC3E}">
+        <p14:creationId xmlns:p14="http://schemas.microsoft.com/office/powerpoint/2010/main" val="2164591664"/>
+      </p:ext>
+    </p:extLst>
+  </p:cSld>
+  <p:clrMapOvr>
+    <a:masterClrMapping/>
+  </p:clrMapOvr>
+</p:sld>
+</file>
+
+<file path=ppt/slides/slide12.xml><?xml version="1.0" encoding="utf-8"?>
+<p:sld xmlns:a="http://schemas.openxmlformats.org/drawingml/2006/main" xmlns:r="http://schemas.openxmlformats.org/officeDocument/2006/relationships" xmlns:p="http://schemas.openxmlformats.org/presentationml/2006/main">
+  <p:cSld>
+    <p:spTree>
+      <p:nvGrpSpPr>
+        <p:cNvPr id="1" name=""/>
+        <p:cNvGrpSpPr/>
+        <p:nvPr/>
+      </p:nvGrpSpPr>
+      <p:grpSpPr>
+        <a:xfrm>
+          <a:off x="0" y="0"/>
+          <a:ext cx="0" cy="0"/>
+          <a:chOff x="0" y="0"/>
+          <a:chExt cx="0" cy="0"/>
+        </a:xfrm>
+      </p:grpSpPr>
+      <p:sp>
+        <p:nvSpPr>
+          <p:cNvPr id="2" name="Title 1">
+            <a:extLst>
+              <a:ext uri="{FF2B5EF4-FFF2-40B4-BE49-F238E27FC236}">
+                <a16:creationId xmlns:a16="http://schemas.microsoft.com/office/drawing/2014/main" id="{D288D69C-9DCA-43AF-ACCE-CDE5C2FC0671}"/>
+              </a:ext>
+            </a:extLst>
+          </p:cNvPr>
+          <p:cNvSpPr>
+            <a:spLocks noGrp="1"/>
+          </p:cNvSpPr>
+          <p:nvPr>
+            <p:ph type="title"/>
+          </p:nvPr>
+        </p:nvSpPr>
+        <p:spPr>
+          <a:xfrm>
+            <a:off x="838200" y="365126"/>
+            <a:ext cx="10515600" cy="934286"/>
+          </a:xfrm>
+        </p:spPr>
+        <p:txBody>
+          <a:bodyPr>
+            <a:normAutofit fontScale="90000"/>
+          </a:bodyPr>
+          <a:lstStyle/>
+          <a:p>
+            <a:r>
+              <a:rPr lang="en-US" sz="3600" b="1" dirty="0">
+                <a:effectLst/>
+                <a:latin typeface="Times New Roman" panose="02020603050405020304" pitchFamily="18" charset="0"/>
+                <a:ea typeface="Calibri" panose="020F0502020204030204" pitchFamily="34" charset="0"/>
+                <a:cs typeface="Times New Roman" panose="02020603050405020304" pitchFamily="18" charset="0"/>
+              </a:rPr>
+              <a:t>Results and Discussion of your problem statement</a:t>
+            </a:r>
+            <a:br>
+              <a:rPr lang="en-IN" sz="4400" dirty="0">
+                <a:effectLst/>
+                <a:latin typeface="Times New Roman" panose="02020603050405020304" pitchFamily="18" charset="0"/>
+                <a:ea typeface="Calibri" panose="020F0502020204030204" pitchFamily="34" charset="0"/>
+                <a:cs typeface="Times New Roman" panose="02020603050405020304" pitchFamily="18" charset="0"/>
+              </a:rPr>
+            </a:br>
+            <a:endParaRPr lang="en-IN" dirty="0"/>
+          </a:p>
+        </p:txBody>
+      </p:sp>
+      <p:sp>
+        <p:nvSpPr>
+          <p:cNvPr id="3" name="Content Placeholder 2">
+            <a:extLst>
+              <a:ext uri="{FF2B5EF4-FFF2-40B4-BE49-F238E27FC236}">
+                <a16:creationId xmlns:a16="http://schemas.microsoft.com/office/drawing/2014/main" id="{E3FAB20B-6792-404A-85D7-080AF9E71082}"/>
+              </a:ext>
+            </a:extLst>
+          </p:cNvPr>
+          <p:cNvSpPr>
+            <a:spLocks noGrp="1"/>
+          </p:cNvSpPr>
+          <p:nvPr>
+            <p:ph idx="1"/>
+          </p:nvPr>
+        </p:nvSpPr>
+        <p:spPr>
+          <a:xfrm>
+            <a:off x="838200" y="866275"/>
+            <a:ext cx="8578174" cy="5791200"/>
+          </a:xfrm>
+        </p:spPr>
+        <p:txBody>
+          <a:bodyPr>
+            <a:noAutofit/>
+          </a:bodyPr>
+          <a:lstStyle/>
+          <a:p>
+            <a:pPr algn="just"/>
+            <a:r>
+              <a:rPr lang="en-IN" sz="2000" b="1" dirty="0">
+                <a:solidFill>
+                  <a:srgbClr val="000000"/>
+                </a:solidFill>
+                <a:effectLst/>
+                <a:latin typeface="Times New Roman" panose="02020603050405020304" pitchFamily="18" charset="0"/>
+                <a:ea typeface="Times New Roman" panose="02020603050405020304" pitchFamily="18" charset="0"/>
+              </a:rPr>
+              <a:t>With the assistance of data and results proved above, we obtain various inferences on the nature of the dataset as mentioned below:</a:t>
+            </a:r>
+            <a:endParaRPr lang="en-IN" sz="2000" dirty="0">
+              <a:effectLst/>
+              <a:latin typeface="Times New Roman" panose="02020603050405020304" pitchFamily="18" charset="0"/>
+              <a:ea typeface="Times New Roman" panose="02020603050405020304" pitchFamily="18" charset="0"/>
+            </a:endParaRPr>
+          </a:p>
+          <a:p>
+            <a:pPr algn="just"/>
+            <a:r>
+              <a:rPr lang="en-IN" sz="2000" dirty="0">
+                <a:solidFill>
+                  <a:srgbClr val="000000"/>
+                </a:solidFill>
+                <a:effectLst/>
+                <a:latin typeface="Times New Roman" panose="02020603050405020304" pitchFamily="18" charset="0"/>
+                <a:ea typeface="Times New Roman" panose="02020603050405020304" pitchFamily="18" charset="0"/>
+              </a:rPr>
+              <a:t>Most of the days were rainy and cloudy in nature since the observations in the dataset have been from the month of September. We can also easily infer and predict the weather in the forthcoming couple of months, using the given statistics to find the parameters. We can also predict the weather in the similar months in the upcoming few years, but at the same time, we would also need to take into account the rising rate of various environmental effects like greenhouse effect leading to global warming thereby leading to ecological imbalance. The average temperature of the earth is also rising slowly but steadily. So, it wouldn't be wrong to say that the inferences and predictions made in the future i.e. after 5 years and more... wouldn't be plausible as they are for the near future. But we can predict the weather to some extent in general even in the upcoming years, just that the degree of uncertainty would be witnessing an exponential rise, which isn't of any help to the statisticians even by the slightest of means.</a:t>
+            </a:r>
+            <a:endParaRPr lang="en-IN" sz="2000" dirty="0">
+              <a:effectLst/>
+              <a:latin typeface="Times New Roman" panose="02020603050405020304" pitchFamily="18" charset="0"/>
+              <a:ea typeface="Times New Roman" panose="02020603050405020304" pitchFamily="18" charset="0"/>
+            </a:endParaRPr>
+          </a:p>
+          <a:p>
+            <a:pPr marL="228600" algn="just"/>
+            <a:r>
+              <a:rPr lang="en-IN" sz="2000" dirty="0">
+                <a:solidFill>
+                  <a:srgbClr val="000000"/>
+                </a:solidFill>
+                <a:effectLst/>
+                <a:latin typeface="Times New Roman" panose="02020603050405020304" pitchFamily="18" charset="0"/>
+                <a:ea typeface="Times New Roman" panose="02020603050405020304" pitchFamily="18" charset="0"/>
+              </a:rPr>
+              <a:t>So, take care of the environment as well :)</a:t>
+            </a:r>
+            <a:endParaRPr lang="en-IN" sz="2000" dirty="0">
+              <a:effectLst/>
+              <a:latin typeface="Times New Roman" panose="02020603050405020304" pitchFamily="18" charset="0"/>
+              <a:ea typeface="Times New Roman" panose="02020603050405020304" pitchFamily="18" charset="0"/>
+            </a:endParaRPr>
+          </a:p>
+        </p:txBody>
+      </p:sp>
+    </p:spTree>
+    <p:extLst>
+      <p:ext uri="{BB962C8B-B14F-4D97-AF65-F5344CB8AC3E}">
+        <p14:creationId xmlns:p14="http://schemas.microsoft.com/office/powerpoint/2010/main" val="1459872156"/>
+      </p:ext>
+    </p:extLst>
+  </p:cSld>
+  <p:clrMapOvr>
+    <a:masterClrMapping/>
+  </p:clrMapOvr>
+</p:sld>
+</file>
+
+<file path=ppt/slides/slide2.xml><?xml version="1.0" encoding="utf-8"?>
+<p:sld xmlns:a="http://schemas.openxmlformats.org/drawingml/2006/main" xmlns:r="http://schemas.openxmlformats.org/officeDocument/2006/relationships" xmlns:p="http://schemas.openxmlformats.org/presentationml/2006/main">
+  <p:cSld>
+    <p:spTree>
+      <p:nvGrpSpPr>
+        <p:cNvPr id="1" name=""/>
+        <p:cNvGrpSpPr/>
+        <p:nvPr/>
+      </p:nvGrpSpPr>
+      <p:grpSpPr>
+        <a:xfrm>
+          <a:off x="0" y="0"/>
+          <a:ext cx="0" cy="0"/>
+          <a:chOff x="0" y="0"/>
+          <a:chExt cx="0" cy="0"/>
+        </a:xfrm>
+      </p:grpSpPr>
+      <p:sp>
+        <p:nvSpPr>
+          <p:cNvPr id="2" name="Title 1">
+            <a:extLst>
+              <a:ext uri="{FF2B5EF4-FFF2-40B4-BE49-F238E27FC236}">
+                <a16:creationId xmlns:a16="http://schemas.microsoft.com/office/drawing/2014/main" id="{3809E42E-DCD0-435C-AC17-1882C734D690}"/>
+              </a:ext>
+            </a:extLst>
+          </p:cNvPr>
+          <p:cNvSpPr>
+            <a:spLocks noGrp="1"/>
+          </p:cNvSpPr>
+          <p:nvPr>
+            <p:ph type="title"/>
+          </p:nvPr>
+        </p:nvSpPr>
+        <p:spPr>
+          <a:xfrm>
+            <a:off x="838200" y="365125"/>
+            <a:ext cx="10515600" cy="1110749"/>
+          </a:xfrm>
+        </p:spPr>
+        <p:txBody>
+          <a:bodyPr>
+            <a:normAutofit fontScale="90000"/>
+          </a:bodyPr>
+          <a:lstStyle/>
+          <a:p>
+            <a:r>
+              <a:rPr lang="en-US" sz="3600" b="1" dirty="0">
+                <a:effectLst/>
+                <a:latin typeface="Times New Roman" panose="02020603050405020304" pitchFamily="18" charset="0"/>
+                <a:ea typeface="Calibri" panose="020F0502020204030204" pitchFamily="34" charset="0"/>
+                <a:cs typeface="Times New Roman" panose="02020603050405020304" pitchFamily="18" charset="0"/>
+              </a:rPr>
+              <a:t>1. Abstract:</a:t>
+            </a:r>
+            <a:br>
+              <a:rPr lang="en-IN" sz="4400" dirty="0">
+                <a:effectLst/>
+                <a:latin typeface="Calibri" panose="020F0502020204030204" pitchFamily="34" charset="0"/>
+                <a:ea typeface="Calibri" panose="020F0502020204030204" pitchFamily="34" charset="0"/>
+                <a:cs typeface="Times New Roman" panose="02020603050405020304" pitchFamily="18" charset="0"/>
+              </a:rPr>
+            </a:br>
+            <a:endParaRPr lang="en-IN" dirty="0"/>
+          </a:p>
+        </p:txBody>
+      </p:sp>
+      <p:sp>
+        <p:nvSpPr>
+          <p:cNvPr id="3" name="Content Placeholder 2">
+            <a:extLst>
+              <a:ext uri="{FF2B5EF4-FFF2-40B4-BE49-F238E27FC236}">
+                <a16:creationId xmlns:a16="http://schemas.microsoft.com/office/drawing/2014/main" id="{AE0D5020-6C36-4A8B-89BC-6590C4452368}"/>
+              </a:ext>
+            </a:extLst>
+          </p:cNvPr>
+          <p:cNvSpPr>
+            <a:spLocks noGrp="1"/>
+          </p:cNvSpPr>
+          <p:nvPr>
+            <p:ph idx="1"/>
+          </p:nvPr>
+        </p:nvSpPr>
+        <p:spPr>
+          <a:xfrm>
+            <a:off x="838200" y="994611"/>
+            <a:ext cx="8831094" cy="5646821"/>
+          </a:xfrm>
+        </p:spPr>
+        <p:txBody>
+          <a:bodyPr>
+            <a:normAutofit/>
+          </a:bodyPr>
+          <a:lstStyle/>
+          <a:p>
+            <a:pPr marL="76200" marR="304800" algn="just">
+              <a:lnSpc>
+                <a:spcPct val="100000"/>
+              </a:lnSpc>
+              <a:spcAft>
+                <a:spcPts val="800"/>
+              </a:spcAft>
+            </a:pPr>
+            <a:r>
+              <a:rPr lang="en-IN" sz="2000" dirty="0">
+                <a:solidFill>
+                  <a:srgbClr val="000000"/>
+                </a:solidFill>
+                <a:effectLst/>
+                <a:latin typeface="Times New Roman" panose="02020603050405020304" pitchFamily="18" charset="0"/>
+                <a:ea typeface="Times New Roman" panose="02020603050405020304" pitchFamily="18" charset="0"/>
+                <a:cs typeface="Times New Roman" panose="02020603050405020304" pitchFamily="18" charset="0"/>
+              </a:rPr>
+              <a:t>This dataset consists of the weather records for a month taken with the observations being taken down and noted per hour. It consists of various aspects of weather like precipitation, humidity, wind speed, wind bearing, visibility, loud cover, pressure, temperature, apparent temperature against a particular instant of time. The summary and the daily summary are noted down appropriately as per the parameters collected. With the help of the appropriate operations on the given statistics, we were able to infer a great deal of information for the population. So, coming to the data, we first displayed various forms of data in various forms of visual representation such as graphs, scatterplot, charts, etc after performing the necessary operations such as dropping the redundant and repeated observations, outliers, typos and inconsistent capitalization. We then standardized the data for bringing it down to a common scale and then displayed it. The normality of the data had also been tested simultaneously using the histogram. For the hypothesis testing we performed the above operations in addition to ensuring proper precautions in ensuring the normality of the data and then came up with the appropriate conclusion based upon the appropriate z-score and the P-value obtained with the help of z-score. </a:t>
+            </a:r>
+            <a:endParaRPr lang="en-IN" sz="2000" dirty="0">
+              <a:effectLst/>
+              <a:latin typeface="Calibri" panose="020F0502020204030204" pitchFamily="34" charset="0"/>
+              <a:ea typeface="Calibri" panose="020F0502020204030204" pitchFamily="34" charset="0"/>
+              <a:cs typeface="Times New Roman" panose="02020603050405020304" pitchFamily="18" charset="0"/>
+            </a:endParaRPr>
+          </a:p>
+        </p:txBody>
+      </p:sp>
+    </p:spTree>
+    <p:extLst>
+      <p:ext uri="{BB962C8B-B14F-4D97-AF65-F5344CB8AC3E}">
+        <p14:creationId xmlns:p14="http://schemas.microsoft.com/office/powerpoint/2010/main" val="2526092244"/>
+      </p:ext>
+    </p:extLst>
+  </p:cSld>
+  <p:clrMapOvr>
+    <a:masterClrMapping/>
+  </p:clrMapOvr>
+</p:sld>
+</file>
+
+<file path=ppt/slides/slide3.xml><?xml version="1.0" encoding="utf-8"?>
+<p:sld xmlns:a="http://schemas.openxmlformats.org/drawingml/2006/main" xmlns:r="http://schemas.openxmlformats.org/officeDocument/2006/relationships" xmlns:p="http://schemas.openxmlformats.org/presentationml/2006/main">
+  <p:cSld>
+    <p:spTree>
+      <p:nvGrpSpPr>
+        <p:cNvPr id="1" name=""/>
+        <p:cNvGrpSpPr/>
+        <p:nvPr/>
+      </p:nvGrpSpPr>
+      <p:grpSpPr>
+        <a:xfrm>
+          <a:off x="0" y="0"/>
+          <a:ext cx="0" cy="0"/>
+          <a:chOff x="0" y="0"/>
+          <a:chExt cx="0" cy="0"/>
+        </a:xfrm>
+      </p:grpSpPr>
+      <p:sp>
+        <p:nvSpPr>
+          <p:cNvPr id="2" name="Title 1">
+            <a:extLst>
+              <a:ext uri="{FF2B5EF4-FFF2-40B4-BE49-F238E27FC236}">
+                <a16:creationId xmlns:a16="http://schemas.microsoft.com/office/drawing/2014/main" id="{C2F83ED4-562E-4185-8B51-9A6D8EA2656F}"/>
+              </a:ext>
+            </a:extLst>
+          </p:cNvPr>
+          <p:cNvSpPr>
+            <a:spLocks noGrp="1"/>
+          </p:cNvSpPr>
+          <p:nvPr>
+            <p:ph type="title"/>
+          </p:nvPr>
+        </p:nvSpPr>
+        <p:spPr/>
+        <p:txBody>
+          <a:bodyPr/>
+          <a:lstStyle/>
+          <a:p>
+            <a:r>
+              <a:rPr lang="en-US" dirty="0"/>
+              <a:t> </a:t>
+            </a:r>
+            <a:r>
+              <a:rPr lang="en-US" sz="3200" b="1" dirty="0">
+                <a:latin typeface="Times New Roman" panose="02020603050405020304" pitchFamily="18" charset="0"/>
+                <a:cs typeface="Times New Roman" panose="02020603050405020304" pitchFamily="18" charset="0"/>
+              </a:rPr>
+              <a:t>2</a:t>
+            </a:r>
+            <a:r>
+              <a:rPr lang="en-US" sz="3200" b="1" dirty="0">
+                <a:effectLst/>
+                <a:latin typeface="Times New Roman" panose="02020603050405020304" pitchFamily="18" charset="0"/>
+                <a:ea typeface="Calibri" panose="020F0502020204030204" pitchFamily="34" charset="0"/>
+                <a:cs typeface="Times New Roman" panose="02020603050405020304" pitchFamily="18" charset="0"/>
+              </a:rPr>
+              <a:t>. Introduction:</a:t>
+            </a:r>
+            <a:endParaRPr lang="en-IN" sz="3200" dirty="0"/>
+          </a:p>
+        </p:txBody>
+      </p:sp>
+      <p:sp>
+        <p:nvSpPr>
+          <p:cNvPr id="3" name="Content Placeholder 2">
+            <a:extLst>
+              <a:ext uri="{FF2B5EF4-FFF2-40B4-BE49-F238E27FC236}">
+                <a16:creationId xmlns:a16="http://schemas.microsoft.com/office/drawing/2014/main" id="{69819FA6-84D6-471D-8753-1621E1F0DE61}"/>
+              </a:ext>
+            </a:extLst>
+          </p:cNvPr>
+          <p:cNvSpPr>
+            <a:spLocks noGrp="1"/>
+          </p:cNvSpPr>
+          <p:nvPr>
+            <p:ph idx="1"/>
+          </p:nvPr>
+        </p:nvSpPr>
+        <p:spPr>
+          <a:xfrm>
+            <a:off x="838200" y="1177047"/>
+            <a:ext cx="9298021" cy="4999916"/>
+          </a:xfrm>
+        </p:spPr>
+        <p:txBody>
+          <a:bodyPr>
+            <a:noAutofit/>
+          </a:bodyPr>
+          <a:lstStyle/>
+          <a:p>
+            <a:pPr marL="76200" marR="304800" algn="just">
+              <a:lnSpc>
+                <a:spcPct val="100000"/>
+              </a:lnSpc>
+              <a:spcAft>
+                <a:spcPts val="800"/>
+              </a:spcAft>
+            </a:pPr>
+            <a:r>
+              <a:rPr lang="en-IN" sz="2000" dirty="0">
+                <a:solidFill>
+                  <a:srgbClr val="000000"/>
+                </a:solidFill>
+                <a:effectLst/>
+                <a:latin typeface="Times New Roman" panose="02020603050405020304" pitchFamily="18" charset="0"/>
+                <a:ea typeface="Times New Roman" panose="02020603050405020304" pitchFamily="18" charset="0"/>
+                <a:cs typeface="Times New Roman" panose="02020603050405020304" pitchFamily="18" charset="0"/>
+              </a:rPr>
+              <a:t>Source: </a:t>
+            </a:r>
+            <a:r>
+              <a:rPr lang="en-IN" sz="2000" u="sng" dirty="0">
+                <a:solidFill>
+                  <a:srgbClr val="000000"/>
+                </a:solidFill>
+                <a:effectLst/>
+                <a:latin typeface="Times New Roman" panose="02020603050405020304" pitchFamily="18" charset="0"/>
+                <a:ea typeface="Times New Roman" panose="02020603050405020304" pitchFamily="18" charset="0"/>
+                <a:cs typeface="Times New Roman" panose="02020603050405020304" pitchFamily="18" charset="0"/>
+                <a:hlinkClick r:id="rId2"/>
+              </a:rPr>
+              <a:t>https://www.kaggle.com/muthuj7/weather-dataset</a:t>
+            </a:r>
+            <a:endParaRPr lang="en-IN" sz="2000" dirty="0">
+              <a:effectLst/>
+              <a:latin typeface="Calibri" panose="020F0502020204030204" pitchFamily="34" charset="0"/>
+              <a:ea typeface="Calibri" panose="020F0502020204030204" pitchFamily="34" charset="0"/>
+              <a:cs typeface="Times New Roman" panose="02020603050405020304" pitchFamily="18" charset="0"/>
+            </a:endParaRPr>
+          </a:p>
+          <a:p>
+            <a:pPr marL="76200" marR="304800" algn="just">
+              <a:lnSpc>
+                <a:spcPct val="100000"/>
+              </a:lnSpc>
+              <a:spcAft>
+                <a:spcPts val="800"/>
+              </a:spcAft>
+            </a:pPr>
+            <a:r>
+              <a:rPr lang="en-IN" sz="2000" dirty="0">
+                <a:solidFill>
+                  <a:srgbClr val="000000"/>
+                </a:solidFill>
+                <a:effectLst/>
+                <a:latin typeface="Times New Roman" panose="02020603050405020304" pitchFamily="18" charset="0"/>
+                <a:ea typeface="Times New Roman" panose="02020603050405020304" pitchFamily="18" charset="0"/>
+                <a:cs typeface="Times New Roman" panose="02020603050405020304" pitchFamily="18" charset="0"/>
+              </a:rPr>
+              <a:t>This dataset consists of the weather records for a month taken with the observations being taken down and noted per hour. It consists of various aspects of weather like precipitation, humidity, wind speed, wind bearing, visibility, loud cover, pressure, temperature, apparent temperature against a particular instant of time. The summary and the daily summary are noted down appropriately as per the parameters collected.</a:t>
+            </a:r>
+            <a:endParaRPr lang="en-IN" sz="2000" dirty="0">
+              <a:effectLst/>
+              <a:latin typeface="Calibri" panose="020F0502020204030204" pitchFamily="34" charset="0"/>
+              <a:ea typeface="Calibri" panose="020F0502020204030204" pitchFamily="34" charset="0"/>
+              <a:cs typeface="Times New Roman" panose="02020603050405020304" pitchFamily="18" charset="0"/>
+            </a:endParaRPr>
+          </a:p>
+          <a:p>
+            <a:pPr marL="76200" marR="304800" algn="just">
+              <a:lnSpc>
+                <a:spcPct val="100000"/>
+              </a:lnSpc>
+              <a:spcAft>
+                <a:spcPts val="800"/>
+              </a:spcAft>
+            </a:pPr>
+            <a:r>
+              <a:rPr lang="en-IN" sz="2000" dirty="0">
+                <a:solidFill>
+                  <a:srgbClr val="000000"/>
+                </a:solidFill>
+                <a:effectLst/>
+                <a:latin typeface="Times New Roman" panose="02020603050405020304" pitchFamily="18" charset="0"/>
+                <a:ea typeface="Times New Roman" panose="02020603050405020304" pitchFamily="18" charset="0"/>
+                <a:cs typeface="Times New Roman" panose="02020603050405020304" pitchFamily="18" charset="0"/>
+              </a:rPr>
+              <a:t>Most of the parameters are numerical with the remaining few being categorical. The objective of this project is to make optimum use of the dataset to extract maximum and most relevant information out of the dataset for various purposes. The first section of the project would consist of descriptive statistics while the second half would contain inferential statistics. With the help of the relationships generated between various variables, we can appropriately put this to a great use by inferring various parameters from it. While this is just a sample of 720 records, we can easily put this to a great use to infer about various weather parameters on the other given days with optimal accuracy and precision along with minimal margin of error.</a:t>
+            </a:r>
+            <a:endParaRPr lang="en-IN" sz="2000" dirty="0">
+              <a:effectLst/>
+              <a:latin typeface="Calibri" panose="020F0502020204030204" pitchFamily="34" charset="0"/>
+              <a:ea typeface="Calibri" panose="020F0502020204030204" pitchFamily="34" charset="0"/>
+              <a:cs typeface="Times New Roman" panose="02020603050405020304" pitchFamily="18" charset="0"/>
+            </a:endParaRPr>
+          </a:p>
+          <a:p>
+            <a:endParaRPr lang="en-IN" sz="2000" dirty="0"/>
+          </a:p>
+        </p:txBody>
+      </p:sp>
+    </p:spTree>
+    <p:extLst>
+      <p:ext uri="{BB962C8B-B14F-4D97-AF65-F5344CB8AC3E}">
+        <p14:creationId xmlns:p14="http://schemas.microsoft.com/office/powerpoint/2010/main" val="2706868276"/>
+      </p:ext>
+    </p:extLst>
+  </p:cSld>
+  <p:clrMapOvr>
+    <a:masterClrMapping/>
+  </p:clrMapOvr>
+</p:sld>
+</file>
+
+<file path=ppt/slides/slide4.xml><?xml version="1.0" encoding="utf-8"?>
+<p:sld xmlns:a="http://schemas.openxmlformats.org/drawingml/2006/main" xmlns:r="http://schemas.openxmlformats.org/officeDocument/2006/relationships" xmlns:p="http://schemas.openxmlformats.org/presentationml/2006/main">
+  <p:cSld>
+    <p:spTree>
+      <p:nvGrpSpPr>
+        <p:cNvPr id="1" name=""/>
+        <p:cNvGrpSpPr/>
+        <p:nvPr/>
+      </p:nvGrpSpPr>
+      <p:grpSpPr>
+        <a:xfrm>
+          <a:off x="0" y="0"/>
+          <a:ext cx="0" cy="0"/>
+          <a:chOff x="0" y="0"/>
+          <a:chExt cx="0" cy="0"/>
+        </a:xfrm>
+      </p:grpSpPr>
+      <p:sp>
+        <p:nvSpPr>
+          <p:cNvPr id="2" name="Title 1">
+            <a:extLst>
+              <a:ext uri="{FF2B5EF4-FFF2-40B4-BE49-F238E27FC236}">
+                <a16:creationId xmlns:a16="http://schemas.microsoft.com/office/drawing/2014/main" id="{D58BAABA-278E-4509-A8B8-024B5EE3228B}"/>
+              </a:ext>
+            </a:extLst>
+          </p:cNvPr>
+          <p:cNvSpPr>
+            <a:spLocks noGrp="1"/>
+          </p:cNvSpPr>
+          <p:nvPr>
+            <p:ph type="title"/>
+          </p:nvPr>
+        </p:nvSpPr>
+        <p:spPr/>
+        <p:txBody>
+          <a:bodyPr>
+            <a:normAutofit/>
+          </a:bodyPr>
+          <a:lstStyle/>
+          <a:p>
+            <a:r>
+              <a:rPr lang="en-US" sz="3200" b="1" dirty="0">
+                <a:latin typeface="Times New Roman" panose="02020603050405020304" pitchFamily="18" charset="0"/>
+                <a:ea typeface="Calibri" panose="020F0502020204030204" pitchFamily="34" charset="0"/>
+                <a:cs typeface="Times New Roman" panose="02020603050405020304" pitchFamily="18" charset="0"/>
+              </a:rPr>
+              <a:t>3</a:t>
+            </a:r>
+            <a:r>
+              <a:rPr lang="en-US" sz="3200" b="1" dirty="0">
+                <a:effectLst/>
+                <a:latin typeface="Times New Roman" panose="02020603050405020304" pitchFamily="18" charset="0"/>
+                <a:ea typeface="Calibri" panose="020F0502020204030204" pitchFamily="34" charset="0"/>
+                <a:cs typeface="Times New Roman" panose="02020603050405020304" pitchFamily="18" charset="0"/>
+              </a:rPr>
+              <a:t>. </a:t>
+            </a:r>
+            <a:r>
+              <a:rPr lang="en-US" sz="3200" b="1" dirty="0">
+                <a:latin typeface="Times New Roman" panose="02020603050405020304" pitchFamily="18" charset="0"/>
+                <a:ea typeface="Calibri" panose="020F0502020204030204" pitchFamily="34" charset="0"/>
+                <a:cs typeface="Times New Roman" panose="02020603050405020304" pitchFamily="18" charset="0"/>
+              </a:rPr>
+              <a:t>Dataset</a:t>
+            </a:r>
+            <a:r>
+              <a:rPr lang="en-US" sz="3200" b="1" dirty="0">
+                <a:effectLst/>
+                <a:latin typeface="Times New Roman" panose="02020603050405020304" pitchFamily="18" charset="0"/>
+                <a:ea typeface="Calibri" panose="020F0502020204030204" pitchFamily="34" charset="0"/>
+                <a:cs typeface="Times New Roman" panose="02020603050405020304" pitchFamily="18" charset="0"/>
+              </a:rPr>
+              <a:t>:</a:t>
+            </a:r>
+            <a:endParaRPr lang="en-IN" sz="3200" dirty="0"/>
+          </a:p>
+        </p:txBody>
+      </p:sp>
+      <p:sp>
+        <p:nvSpPr>
+          <p:cNvPr id="3" name="Content Placeholder 2">
+            <a:extLst>
+              <a:ext uri="{FF2B5EF4-FFF2-40B4-BE49-F238E27FC236}">
+                <a16:creationId xmlns:a16="http://schemas.microsoft.com/office/drawing/2014/main" id="{C941B253-02F1-43C5-8B5C-289C122EFEA2}"/>
+              </a:ext>
+            </a:extLst>
+          </p:cNvPr>
+          <p:cNvSpPr>
+            <a:spLocks noGrp="1"/>
+          </p:cNvSpPr>
+          <p:nvPr>
+            <p:ph idx="1"/>
+          </p:nvPr>
+        </p:nvSpPr>
+        <p:spPr>
+          <a:xfrm>
+            <a:off x="838200" y="1347537"/>
+            <a:ext cx="8801911" cy="4829426"/>
+          </a:xfrm>
+        </p:spPr>
+        <p:txBody>
+          <a:bodyPr>
+            <a:normAutofit fontScale="85000" lnSpcReduction="20000"/>
+          </a:bodyPr>
+          <a:lstStyle/>
+          <a:p>
+            <a:pPr marL="76200" marR="304800" algn="just">
+              <a:lnSpc>
+                <a:spcPct val="100000"/>
+              </a:lnSpc>
+              <a:spcAft>
+                <a:spcPts val="800"/>
+              </a:spcAft>
+            </a:pPr>
+            <a:r>
+              <a:rPr lang="en-IN" sz="2400" dirty="0">
+                <a:solidFill>
+                  <a:srgbClr val="000000"/>
+                </a:solidFill>
+                <a:effectLst/>
+                <a:latin typeface="Times New Roman" panose="02020603050405020304" pitchFamily="18" charset="0"/>
+                <a:ea typeface="Times New Roman" panose="02020603050405020304" pitchFamily="18" charset="0"/>
+                <a:cs typeface="Times New Roman" panose="02020603050405020304" pitchFamily="18" charset="0"/>
+              </a:rPr>
+              <a:t>Source: </a:t>
+            </a:r>
+            <a:r>
+              <a:rPr lang="en-IN" sz="2400" u="sng" dirty="0">
+                <a:solidFill>
+                  <a:srgbClr val="000000"/>
+                </a:solidFill>
+                <a:effectLst/>
+                <a:latin typeface="Times New Roman" panose="02020603050405020304" pitchFamily="18" charset="0"/>
+                <a:ea typeface="Times New Roman" panose="02020603050405020304" pitchFamily="18" charset="0"/>
+                <a:cs typeface="Times New Roman" panose="02020603050405020304" pitchFamily="18" charset="0"/>
+                <a:hlinkClick r:id="rId2"/>
+              </a:rPr>
+              <a:t>https://www.kaggle.com/muthuj7/weather-dataset</a:t>
+            </a:r>
+            <a:r>
+              <a:rPr lang="en-IN" sz="2400" dirty="0">
+                <a:solidFill>
+                  <a:srgbClr val="000000"/>
+                </a:solidFill>
+                <a:effectLst/>
+                <a:latin typeface="Times New Roman" panose="02020603050405020304" pitchFamily="18" charset="0"/>
+                <a:ea typeface="Times New Roman" panose="02020603050405020304" pitchFamily="18" charset="0"/>
+                <a:cs typeface="Times New Roman" panose="02020603050405020304" pitchFamily="18" charset="0"/>
+              </a:rPr>
+              <a:t> </a:t>
+            </a:r>
+            <a:endParaRPr lang="en-IN" sz="2400" dirty="0">
+              <a:effectLst/>
+              <a:latin typeface="Calibri" panose="020F0502020204030204" pitchFamily="34" charset="0"/>
+              <a:ea typeface="Calibri" panose="020F0502020204030204" pitchFamily="34" charset="0"/>
+              <a:cs typeface="Times New Roman" panose="02020603050405020304" pitchFamily="18" charset="0"/>
+            </a:endParaRPr>
+          </a:p>
+          <a:p>
+            <a:pPr marL="76200" marR="304800" algn="just">
+              <a:lnSpc>
+                <a:spcPct val="100000"/>
+              </a:lnSpc>
+              <a:spcAft>
+                <a:spcPts val="800"/>
+              </a:spcAft>
+            </a:pPr>
+            <a:r>
+              <a:rPr lang="en-IN" sz="2400" dirty="0">
+                <a:solidFill>
+                  <a:srgbClr val="000000"/>
+                </a:solidFill>
+                <a:effectLst/>
+                <a:latin typeface="Times New Roman" panose="02020603050405020304" pitchFamily="18" charset="0"/>
+                <a:ea typeface="Times New Roman" panose="02020603050405020304" pitchFamily="18" charset="0"/>
+                <a:cs typeface="Times New Roman" panose="02020603050405020304" pitchFamily="18" charset="0"/>
+              </a:rPr>
+              <a:t>This dataset consists of the weather records for a month taken with the observations being taken down and noted per hour. It consists of various aspects of weather like precipitation, humidity, wind speed, wind bearing, visibility, loud cover, pressure, temperature, apparent temperature against a particular instant of time. The summary and the daily summary are noted down appropriately as per the parameters collected.</a:t>
+            </a:r>
+            <a:endParaRPr lang="en-IN" sz="2400" dirty="0">
+              <a:effectLst/>
+              <a:latin typeface="Calibri" panose="020F0502020204030204" pitchFamily="34" charset="0"/>
+              <a:ea typeface="Calibri" panose="020F0502020204030204" pitchFamily="34" charset="0"/>
+              <a:cs typeface="Times New Roman" panose="02020603050405020304" pitchFamily="18" charset="0"/>
+            </a:endParaRPr>
+          </a:p>
+          <a:p>
+            <a:pPr marL="76200" marR="304800" algn="just">
+              <a:lnSpc>
+                <a:spcPct val="100000"/>
+              </a:lnSpc>
+              <a:spcAft>
+                <a:spcPts val="800"/>
+              </a:spcAft>
+            </a:pPr>
+            <a:r>
+              <a:rPr lang="en-IN" sz="2400" dirty="0">
+                <a:solidFill>
+                  <a:srgbClr val="000000"/>
+                </a:solidFill>
+                <a:effectLst/>
+                <a:latin typeface="Times New Roman" panose="02020603050405020304" pitchFamily="18" charset="0"/>
+                <a:ea typeface="Times New Roman" panose="02020603050405020304" pitchFamily="18" charset="0"/>
+                <a:cs typeface="Times New Roman" panose="02020603050405020304" pitchFamily="18" charset="0"/>
+              </a:rPr>
+              <a:t>Most of the parameters are numerical with the remaining few being categorical. The objective of this project is to make optimum use of the dataset to extract maximum and most relevant information out of the dataset for various purposes. The first section of the project would consist of descriptive statistics while the second half would contain inferential statistics. With the help of the relationships generated between various variables, we can appropriately put this to a great use by inferring various parameters from it. While this is just a sample of 720 records, we can easily put this to a great use to infer about various weather parameters on the other given days with optimal accuracy and precision along with minimal margin of error.</a:t>
+            </a:r>
+            <a:endParaRPr lang="en-IN" sz="2400" dirty="0">
+              <a:effectLst/>
+              <a:latin typeface="Calibri" panose="020F0502020204030204" pitchFamily="34" charset="0"/>
+              <a:ea typeface="Calibri" panose="020F0502020204030204" pitchFamily="34" charset="0"/>
+              <a:cs typeface="Times New Roman" panose="02020603050405020304" pitchFamily="18" charset="0"/>
+            </a:endParaRPr>
+          </a:p>
+        </p:txBody>
+      </p:sp>
+    </p:spTree>
+    <p:extLst>
+      <p:ext uri="{BB962C8B-B14F-4D97-AF65-F5344CB8AC3E}">
+        <p14:creationId xmlns:p14="http://schemas.microsoft.com/office/powerpoint/2010/main" val="3636115351"/>
+      </p:ext>
+    </p:extLst>
+  </p:cSld>
+  <p:clrMapOvr>
+    <a:masterClrMapping/>
+  </p:clrMapOvr>
+</p:sld>
+</file>
+
+<file path=ppt/slides/slide5.xml><?xml version="1.0" encoding="utf-8"?>
+<p:sld xmlns:a="http://schemas.openxmlformats.org/drawingml/2006/main" xmlns:r="http://schemas.openxmlformats.org/officeDocument/2006/relationships" xmlns:p="http://schemas.openxmlformats.org/presentationml/2006/main">
+  <p:cSld>
+    <p:spTree>
+      <p:nvGrpSpPr>
+        <p:cNvPr id="1" name=""/>
+        <p:cNvGrpSpPr/>
+        <p:nvPr/>
+      </p:nvGrpSpPr>
+      <p:grpSpPr>
+        <a:xfrm>
+          <a:off x="0" y="0"/>
+          <a:ext cx="0" cy="0"/>
+          <a:chOff x="0" y="0"/>
+          <a:chExt cx="0" cy="0"/>
+        </a:xfrm>
+      </p:grpSpPr>
+      <p:sp>
+        <p:nvSpPr>
+          <p:cNvPr id="2" name="Title 1">
+            <a:extLst>
+              <a:ext uri="{FF2B5EF4-FFF2-40B4-BE49-F238E27FC236}">
+                <a16:creationId xmlns:a16="http://schemas.microsoft.com/office/drawing/2014/main" id="{81D43BCA-81A2-4F61-8416-183E228A3741}"/>
+              </a:ext>
+            </a:extLst>
+          </p:cNvPr>
+          <p:cNvSpPr>
+            <a:spLocks noGrp="1"/>
+          </p:cNvSpPr>
+          <p:nvPr>
+            <p:ph type="title"/>
+          </p:nvPr>
+        </p:nvSpPr>
+        <p:spPr/>
+        <p:txBody>
+          <a:bodyPr>
+            <a:normAutofit/>
+          </a:bodyPr>
+          <a:lstStyle/>
+          <a:p>
+            <a:r>
+              <a:rPr lang="en-US" sz="3200" dirty="0"/>
+              <a:t> </a:t>
+            </a:r>
+            <a:r>
+              <a:rPr lang="en-US" sz="3200" b="1" dirty="0">
+                <a:latin typeface="Times New Roman" panose="02020603050405020304" pitchFamily="18" charset="0"/>
+                <a:cs typeface="Times New Roman" panose="02020603050405020304" pitchFamily="18" charset="0"/>
+              </a:rPr>
+              <a:t>4</a:t>
+            </a:r>
+            <a:r>
+              <a:rPr lang="en-US" sz="3200" b="1" dirty="0">
+                <a:effectLst/>
+                <a:latin typeface="Times New Roman" panose="02020603050405020304" pitchFamily="18" charset="0"/>
+                <a:ea typeface="Calibri" panose="020F0502020204030204" pitchFamily="34" charset="0"/>
+                <a:cs typeface="Times New Roman" panose="02020603050405020304" pitchFamily="18" charset="0"/>
+              </a:rPr>
+              <a:t>. </a:t>
+            </a:r>
+            <a:r>
+              <a:rPr lang="en-US" sz="3200" b="1" dirty="0">
+                <a:latin typeface="Times New Roman" panose="02020603050405020304" pitchFamily="18" charset="0"/>
+                <a:ea typeface="Calibri" panose="020F0502020204030204" pitchFamily="34" charset="0"/>
+                <a:cs typeface="Times New Roman" panose="02020603050405020304" pitchFamily="18" charset="0"/>
+              </a:rPr>
+              <a:t>Preprocessing or Data Cleaning</a:t>
+            </a:r>
+            <a:r>
+              <a:rPr lang="en-US" sz="3200" b="1" dirty="0">
+                <a:effectLst/>
+                <a:latin typeface="Times New Roman" panose="02020603050405020304" pitchFamily="18" charset="0"/>
+                <a:ea typeface="Calibri" panose="020F0502020204030204" pitchFamily="34" charset="0"/>
+                <a:cs typeface="Times New Roman" panose="02020603050405020304" pitchFamily="18" charset="0"/>
+              </a:rPr>
+              <a:t>:</a:t>
+            </a:r>
+            <a:endParaRPr lang="en-IN" sz="3200" dirty="0"/>
+          </a:p>
+        </p:txBody>
+      </p:sp>
+      <p:sp>
+        <p:nvSpPr>
+          <p:cNvPr id="3" name="Content Placeholder 2">
+            <a:extLst>
+              <a:ext uri="{FF2B5EF4-FFF2-40B4-BE49-F238E27FC236}">
+                <a16:creationId xmlns:a16="http://schemas.microsoft.com/office/drawing/2014/main" id="{2784540C-404A-40C7-88A6-6E1F8E6C58FE}"/>
+              </a:ext>
+            </a:extLst>
+          </p:cNvPr>
+          <p:cNvSpPr>
+            <a:spLocks noGrp="1"/>
+          </p:cNvSpPr>
+          <p:nvPr>
+            <p:ph idx="1"/>
+          </p:nvPr>
+        </p:nvSpPr>
+        <p:spPr>
+          <a:xfrm>
+            <a:off x="838200" y="1283368"/>
+            <a:ext cx="10515600" cy="4893595"/>
+          </a:xfrm>
+        </p:spPr>
+        <p:txBody>
+          <a:bodyPr>
+            <a:noAutofit/>
+          </a:bodyPr>
+          <a:lstStyle/>
+          <a:p>
+            <a:pPr marL="0" indent="0" algn="just">
+              <a:lnSpc>
+                <a:spcPct val="100000"/>
+              </a:lnSpc>
+              <a:spcAft>
+                <a:spcPts val="800"/>
+              </a:spcAft>
+              <a:buNone/>
+            </a:pPr>
+            <a:r>
+              <a:rPr lang="en-US" sz="2200" dirty="0">
+                <a:effectLst/>
+                <a:latin typeface="Times New Roman" panose="02020603050405020304" pitchFamily="18" charset="0"/>
+                <a:ea typeface="Calibri" panose="020F0502020204030204" pitchFamily="34" charset="0"/>
+                <a:cs typeface="Times New Roman" panose="02020603050405020304" pitchFamily="18" charset="0"/>
+              </a:rPr>
+              <a:t>Techniques used:</a:t>
+            </a:r>
+            <a:endParaRPr lang="en-IN" sz="2200" dirty="0">
+              <a:effectLst/>
+              <a:latin typeface="Times New Roman" panose="02020603050405020304" pitchFamily="18" charset="0"/>
+              <a:ea typeface="Calibri" panose="020F0502020204030204" pitchFamily="34" charset="0"/>
+              <a:cs typeface="Times New Roman" panose="02020603050405020304" pitchFamily="18" charset="0"/>
+            </a:endParaRPr>
+          </a:p>
+          <a:p>
+            <a:pPr marL="342900" lvl="0" indent="-342900" algn="just">
+              <a:lnSpc>
+                <a:spcPct val="100000"/>
+              </a:lnSpc>
+              <a:buFont typeface="Symbol" panose="05050102010706020507" pitchFamily="18" charset="2"/>
+              <a:buChar char=""/>
+            </a:pPr>
+            <a:r>
+              <a:rPr lang="en-US" sz="2200" dirty="0">
+                <a:effectLst/>
+                <a:latin typeface="Times New Roman" panose="02020603050405020304" pitchFamily="18" charset="0"/>
+                <a:ea typeface="Calibri" panose="020F0502020204030204" pitchFamily="34" charset="0"/>
+                <a:cs typeface="Times New Roman" panose="02020603050405020304" pitchFamily="18" charset="0"/>
+              </a:rPr>
+              <a:t>Correction of inconsistent capitalization and typos.</a:t>
+            </a:r>
+            <a:endParaRPr lang="en-IN" sz="2200" dirty="0">
+              <a:effectLst/>
+              <a:latin typeface="Times New Roman" panose="02020603050405020304" pitchFamily="18" charset="0"/>
+              <a:ea typeface="Calibri" panose="020F0502020204030204" pitchFamily="34" charset="0"/>
+              <a:cs typeface="Times New Roman" panose="02020603050405020304" pitchFamily="18" charset="0"/>
+            </a:endParaRPr>
+          </a:p>
+          <a:p>
+            <a:pPr marL="342900" lvl="0" indent="-342900" algn="just">
+              <a:lnSpc>
+                <a:spcPct val="100000"/>
+              </a:lnSpc>
+              <a:buFont typeface="Symbol" panose="05050102010706020507" pitchFamily="18" charset="2"/>
+              <a:buChar char=""/>
+            </a:pPr>
+            <a:r>
+              <a:rPr lang="en-US" sz="2200" dirty="0">
+                <a:effectLst/>
+                <a:latin typeface="Times New Roman" panose="02020603050405020304" pitchFamily="18" charset="0"/>
+                <a:ea typeface="Calibri" panose="020F0502020204030204" pitchFamily="34" charset="0"/>
+                <a:cs typeface="Times New Roman" panose="02020603050405020304" pitchFamily="18" charset="0"/>
+              </a:rPr>
+              <a:t>Dropping of excessively repetitive and redundant parameters and observations.</a:t>
+            </a:r>
+            <a:endParaRPr lang="en-IN" sz="2200" dirty="0">
+              <a:effectLst/>
+              <a:latin typeface="Times New Roman" panose="02020603050405020304" pitchFamily="18" charset="0"/>
+              <a:ea typeface="Calibri" panose="020F0502020204030204" pitchFamily="34" charset="0"/>
+              <a:cs typeface="Times New Roman" panose="02020603050405020304" pitchFamily="18" charset="0"/>
+            </a:endParaRPr>
+          </a:p>
+          <a:p>
+            <a:pPr marL="342900" lvl="0" indent="-342900" algn="just">
+              <a:lnSpc>
+                <a:spcPct val="100000"/>
+              </a:lnSpc>
+              <a:buFont typeface="Symbol" panose="05050102010706020507" pitchFamily="18" charset="2"/>
+              <a:buChar char=""/>
+            </a:pPr>
+            <a:r>
+              <a:rPr lang="en-US" sz="2200" dirty="0">
+                <a:effectLst/>
+                <a:latin typeface="Times New Roman" panose="02020603050405020304" pitchFamily="18" charset="0"/>
+                <a:ea typeface="Calibri" panose="020F0502020204030204" pitchFamily="34" charset="0"/>
+                <a:cs typeface="Times New Roman" panose="02020603050405020304" pitchFamily="18" charset="0"/>
+              </a:rPr>
+              <a:t>Replacement of NaN with 0.</a:t>
+            </a:r>
+            <a:endParaRPr lang="en-IN" sz="2200" dirty="0">
+              <a:effectLst/>
+              <a:latin typeface="Times New Roman" panose="02020603050405020304" pitchFamily="18" charset="0"/>
+              <a:ea typeface="Calibri" panose="020F0502020204030204" pitchFamily="34" charset="0"/>
+              <a:cs typeface="Times New Roman" panose="02020603050405020304" pitchFamily="18" charset="0"/>
+            </a:endParaRPr>
+          </a:p>
+          <a:p>
+            <a:pPr marL="342900" lvl="0" indent="-342900" algn="just">
+              <a:lnSpc>
+                <a:spcPct val="100000"/>
+              </a:lnSpc>
+              <a:buFont typeface="Symbol" panose="05050102010706020507" pitchFamily="18" charset="2"/>
+              <a:buChar char=""/>
+            </a:pPr>
+            <a:r>
+              <a:rPr lang="en-US" sz="2200" dirty="0">
+                <a:effectLst/>
+                <a:latin typeface="Times New Roman" panose="02020603050405020304" pitchFamily="18" charset="0"/>
+                <a:ea typeface="Calibri" panose="020F0502020204030204" pitchFamily="34" charset="0"/>
+                <a:cs typeface="Times New Roman" panose="02020603050405020304" pitchFamily="18" charset="0"/>
+              </a:rPr>
+              <a:t>Replacing NaN by techniques such as imputing by interpolation, etc.</a:t>
+            </a:r>
+            <a:endParaRPr lang="en-IN" sz="2200" dirty="0">
+              <a:effectLst/>
+              <a:latin typeface="Times New Roman" panose="02020603050405020304" pitchFamily="18" charset="0"/>
+              <a:ea typeface="Calibri" panose="020F0502020204030204" pitchFamily="34" charset="0"/>
+              <a:cs typeface="Times New Roman" panose="02020603050405020304" pitchFamily="18" charset="0"/>
+            </a:endParaRPr>
+          </a:p>
+          <a:p>
+            <a:pPr marL="342900" lvl="0" indent="-342900" algn="just">
+              <a:lnSpc>
+                <a:spcPct val="100000"/>
+              </a:lnSpc>
+              <a:spcAft>
+                <a:spcPts val="800"/>
+              </a:spcAft>
+              <a:buFont typeface="Symbol" panose="05050102010706020507" pitchFamily="18" charset="2"/>
+              <a:buChar char=""/>
+            </a:pPr>
+            <a:r>
+              <a:rPr lang="en-US" sz="2200" dirty="0">
+                <a:effectLst/>
+                <a:latin typeface="Times New Roman" panose="02020603050405020304" pitchFamily="18" charset="0"/>
+                <a:ea typeface="Calibri" panose="020F0502020204030204" pitchFamily="34" charset="0"/>
+                <a:cs typeface="Times New Roman" panose="02020603050405020304" pitchFamily="18" charset="0"/>
+              </a:rPr>
+              <a:t>Removal of outliers before testing for normality of the distribution</a:t>
+            </a:r>
+            <a:endParaRPr lang="en-IN" sz="2200" dirty="0">
+              <a:effectLst/>
+              <a:latin typeface="Times New Roman" panose="02020603050405020304" pitchFamily="18" charset="0"/>
+              <a:ea typeface="Calibri" panose="020F0502020204030204" pitchFamily="34" charset="0"/>
+              <a:cs typeface="Times New Roman" panose="02020603050405020304" pitchFamily="18" charset="0"/>
+            </a:endParaRPr>
+          </a:p>
+          <a:p>
+            <a:pPr marL="0" indent="0" algn="just">
+              <a:lnSpc>
+                <a:spcPct val="100000"/>
+              </a:lnSpc>
+              <a:spcAft>
+                <a:spcPts val="800"/>
+              </a:spcAft>
+              <a:buNone/>
+            </a:pPr>
+            <a:r>
+              <a:rPr lang="en-US" sz="2200" dirty="0">
+                <a:effectLst/>
+                <a:latin typeface="Times New Roman" panose="02020603050405020304" pitchFamily="18" charset="0"/>
+                <a:ea typeface="Calibri" panose="020F0502020204030204" pitchFamily="34" charset="0"/>
+                <a:cs typeface="Times New Roman" panose="02020603050405020304" pitchFamily="18" charset="0"/>
+              </a:rPr>
+              <a:t>Reasons for cleaning:</a:t>
+            </a:r>
+            <a:endParaRPr lang="en-IN" sz="2200" dirty="0">
+              <a:effectLst/>
+              <a:latin typeface="Times New Roman" panose="02020603050405020304" pitchFamily="18" charset="0"/>
+              <a:ea typeface="Calibri" panose="020F0502020204030204" pitchFamily="34" charset="0"/>
+              <a:cs typeface="Times New Roman" panose="02020603050405020304" pitchFamily="18" charset="0"/>
+            </a:endParaRPr>
+          </a:p>
+          <a:p>
+            <a:pPr marL="342900" lvl="0" indent="-342900" algn="just">
+              <a:lnSpc>
+                <a:spcPct val="100000"/>
+              </a:lnSpc>
+              <a:buFont typeface="Symbol" panose="05050102010706020507" pitchFamily="18" charset="2"/>
+              <a:buChar char=""/>
+            </a:pPr>
+            <a:r>
+              <a:rPr lang="en-US" sz="2200" dirty="0">
+                <a:effectLst/>
+                <a:latin typeface="Times New Roman" panose="02020603050405020304" pitchFamily="18" charset="0"/>
+                <a:ea typeface="Calibri" panose="020F0502020204030204" pitchFamily="34" charset="0"/>
+                <a:cs typeface="Times New Roman" panose="02020603050405020304" pitchFamily="18" charset="0"/>
+              </a:rPr>
+              <a:t>For easier data processing and visualization</a:t>
+            </a:r>
+            <a:endParaRPr lang="en-IN" sz="2200" dirty="0">
+              <a:effectLst/>
+              <a:latin typeface="Times New Roman" panose="02020603050405020304" pitchFamily="18" charset="0"/>
+              <a:ea typeface="Calibri" panose="020F0502020204030204" pitchFamily="34" charset="0"/>
+              <a:cs typeface="Times New Roman" panose="02020603050405020304" pitchFamily="18" charset="0"/>
+            </a:endParaRPr>
+          </a:p>
+          <a:p>
+            <a:pPr marL="342900" lvl="0" indent="-342900" algn="just">
+              <a:lnSpc>
+                <a:spcPct val="100000"/>
+              </a:lnSpc>
+              <a:buFont typeface="Symbol" panose="05050102010706020507" pitchFamily="18" charset="2"/>
+              <a:buChar char=""/>
+            </a:pPr>
+            <a:r>
+              <a:rPr lang="en-US" sz="2200" dirty="0">
+                <a:effectLst/>
+                <a:latin typeface="Times New Roman" panose="02020603050405020304" pitchFamily="18" charset="0"/>
+                <a:ea typeface="Calibri" panose="020F0502020204030204" pitchFamily="34" charset="0"/>
+                <a:cs typeface="Times New Roman" panose="02020603050405020304" pitchFamily="18" charset="0"/>
+              </a:rPr>
+              <a:t>For better and more accurate results</a:t>
+            </a:r>
+            <a:endParaRPr lang="en-IN" sz="2200" dirty="0">
+              <a:effectLst/>
+              <a:latin typeface="Times New Roman" panose="02020603050405020304" pitchFamily="18" charset="0"/>
+              <a:ea typeface="Calibri" panose="020F0502020204030204" pitchFamily="34" charset="0"/>
+              <a:cs typeface="Times New Roman" panose="02020603050405020304" pitchFamily="18" charset="0"/>
+            </a:endParaRPr>
+          </a:p>
+          <a:p>
+            <a:pPr marL="342900" lvl="0" indent="-342900" algn="just">
+              <a:lnSpc>
+                <a:spcPct val="100000"/>
+              </a:lnSpc>
+              <a:spcAft>
+                <a:spcPts val="800"/>
+              </a:spcAft>
+              <a:buFont typeface="Symbol" panose="05050102010706020507" pitchFamily="18" charset="2"/>
+              <a:buChar char=""/>
+            </a:pPr>
+            <a:r>
+              <a:rPr lang="en-US" sz="2200" dirty="0">
+                <a:effectLst/>
+                <a:latin typeface="Times New Roman" panose="02020603050405020304" pitchFamily="18" charset="0"/>
+                <a:ea typeface="Calibri" panose="020F0502020204030204" pitchFamily="34" charset="0"/>
+                <a:cs typeface="Times New Roman" panose="02020603050405020304" pitchFamily="18" charset="0"/>
+              </a:rPr>
+              <a:t>For easier and better inferences</a:t>
+            </a:r>
+            <a:endParaRPr lang="en-IN" sz="2200" dirty="0">
+              <a:effectLst/>
+              <a:latin typeface="Times New Roman" panose="02020603050405020304" pitchFamily="18" charset="0"/>
+              <a:ea typeface="Calibri" panose="020F0502020204030204" pitchFamily="34" charset="0"/>
+              <a:cs typeface="Times New Roman" panose="02020603050405020304" pitchFamily="18" charset="0"/>
+            </a:endParaRPr>
+          </a:p>
+        </p:txBody>
+      </p:sp>
+    </p:spTree>
+    <p:extLst>
+      <p:ext uri="{BB962C8B-B14F-4D97-AF65-F5344CB8AC3E}">
+        <p14:creationId xmlns:p14="http://schemas.microsoft.com/office/powerpoint/2010/main" val="2216155521"/>
+      </p:ext>
+    </p:extLst>
+  </p:cSld>
+  <p:clrMapOvr>
+    <a:masterClrMapping/>
+  </p:clrMapOvr>
+</p:sld>
+</file>
+
+<file path=ppt/slides/slide6.xml><?xml version="1.0" encoding="utf-8"?>
+<p:sld xmlns:a="http://schemas.openxmlformats.org/drawingml/2006/main" xmlns:r="http://schemas.openxmlformats.org/officeDocument/2006/relationships" xmlns:p="http://schemas.openxmlformats.org/presentationml/2006/main">
+  <p:cSld>
+    <p:spTree>
+      <p:nvGrpSpPr>
+        <p:cNvPr id="1" name=""/>
+        <p:cNvGrpSpPr/>
+        <p:nvPr/>
+      </p:nvGrpSpPr>
+      <p:grpSpPr>
+        <a:xfrm>
+          <a:off x="0" y="0"/>
+          <a:ext cx="0" cy="0"/>
+          <a:chOff x="0" y="0"/>
+          <a:chExt cx="0" cy="0"/>
+        </a:xfrm>
+      </p:grpSpPr>
+      <p:sp>
+        <p:nvSpPr>
+          <p:cNvPr id="2" name="Title 1">
+            <a:extLst>
+              <a:ext uri="{FF2B5EF4-FFF2-40B4-BE49-F238E27FC236}">
+                <a16:creationId xmlns:a16="http://schemas.microsoft.com/office/drawing/2014/main" id="{D4AE2B6B-CE95-4A35-B033-CB19C7C8431A}"/>
+              </a:ext>
+            </a:extLst>
+          </p:cNvPr>
+          <p:cNvSpPr>
+            <a:spLocks noGrp="1"/>
+          </p:cNvSpPr>
+          <p:nvPr>
+            <p:ph type="title"/>
+          </p:nvPr>
+        </p:nvSpPr>
+        <p:spPr/>
+        <p:txBody>
+          <a:bodyPr>
+            <a:normAutofit/>
+          </a:bodyPr>
+          <a:lstStyle/>
+          <a:p>
+            <a:r>
+              <a:rPr lang="en-US" sz="3200" dirty="0">
+                <a:latin typeface="Times New Roman" panose="02020603050405020304" pitchFamily="18" charset="0"/>
+                <a:cs typeface="Times New Roman" panose="02020603050405020304" pitchFamily="18" charset="0"/>
+              </a:rPr>
+              <a:t> </a:t>
+            </a:r>
+            <a:r>
+              <a:rPr lang="en-US" sz="3200" b="1" dirty="0">
+                <a:latin typeface="Times New Roman" panose="02020603050405020304" pitchFamily="18" charset="0"/>
+                <a:cs typeface="Times New Roman" panose="02020603050405020304" pitchFamily="18" charset="0"/>
+              </a:rPr>
+              <a:t>5. Exploratory Data Analysis:</a:t>
+            </a:r>
+            <a:endParaRPr lang="en-IN" sz="3200" dirty="0">
+              <a:latin typeface="Times New Roman" panose="02020603050405020304" pitchFamily="18" charset="0"/>
+              <a:cs typeface="Times New Roman" panose="02020603050405020304" pitchFamily="18" charset="0"/>
+            </a:endParaRPr>
+          </a:p>
+        </p:txBody>
+      </p:sp>
+      <p:sp>
+        <p:nvSpPr>
+          <p:cNvPr id="3" name="Content Placeholder 2">
+            <a:extLst>
+              <a:ext uri="{FF2B5EF4-FFF2-40B4-BE49-F238E27FC236}">
+                <a16:creationId xmlns:a16="http://schemas.microsoft.com/office/drawing/2014/main" id="{E4C0F52D-1C57-4E6F-805A-25E6453DF7C2}"/>
+              </a:ext>
+            </a:extLst>
+          </p:cNvPr>
+          <p:cNvSpPr>
+            <a:spLocks noGrp="1"/>
+          </p:cNvSpPr>
+          <p:nvPr>
+            <p:ph idx="1"/>
+          </p:nvPr>
+        </p:nvSpPr>
+        <p:spPr>
+          <a:xfrm>
+            <a:off x="838200" y="1395663"/>
+            <a:ext cx="10515600" cy="4781300"/>
+          </a:xfrm>
+        </p:spPr>
+        <p:txBody>
+          <a:bodyPr/>
+          <a:lstStyle/>
+          <a:p>
+            <a:pPr marL="0" indent="0">
+              <a:buNone/>
+            </a:pPr>
+            <a:r>
+              <a:rPr lang="en-US" sz="2200" dirty="0">
+                <a:latin typeface="Times New Roman" panose="02020603050405020304" pitchFamily="18" charset="0"/>
+                <a:cs typeface="Times New Roman" panose="02020603050405020304" pitchFamily="18" charset="0"/>
+              </a:rPr>
+              <a:t>Insights obtained from EDA:</a:t>
+            </a:r>
+          </a:p>
+          <a:p>
+            <a:r>
+              <a:rPr lang="en-US" sz="2200" dirty="0">
+                <a:latin typeface="Times New Roman" panose="02020603050405020304" pitchFamily="18" charset="0"/>
+                <a:cs typeface="Times New Roman" panose="02020603050405020304" pitchFamily="18" charset="0"/>
+              </a:rPr>
+              <a:t>Most of the days are cloudy</a:t>
+            </a:r>
+          </a:p>
+          <a:p>
+            <a:pPr marL="0" indent="0">
+              <a:buNone/>
+            </a:pPr>
+            <a:endParaRPr lang="en-US" dirty="0"/>
+          </a:p>
+        </p:txBody>
+      </p:sp>
+      <p:pic>
+        <p:nvPicPr>
+          <p:cNvPr id="22" name="Picture 21">
+            <a:extLst>
+              <a:ext uri="{FF2B5EF4-FFF2-40B4-BE49-F238E27FC236}">
+                <a16:creationId xmlns:a16="http://schemas.microsoft.com/office/drawing/2014/main" id="{CA0F0B42-EB2A-4642-9AF8-F7B97441E2CC}"/>
+              </a:ext>
+            </a:extLst>
+          </p:cNvPr>
+          <p:cNvPicPr/>
+          <p:nvPr/>
+        </p:nvPicPr>
+        <p:blipFill>
+          <a:blip r:embed="rId2"/>
+          <a:stretch>
+            <a:fillRect/>
+          </a:stretch>
+        </p:blipFill>
+        <p:spPr>
+          <a:xfrm>
+            <a:off x="1604211" y="2363821"/>
+            <a:ext cx="5428888" cy="3813142"/>
+          </a:xfrm>
+          <a:prstGeom prst="rect">
+            <a:avLst/>
+          </a:prstGeom>
+        </p:spPr>
+      </p:pic>
+    </p:spTree>
+    <p:extLst>
+      <p:ext uri="{BB962C8B-B14F-4D97-AF65-F5344CB8AC3E}">
+        <p14:creationId xmlns:p14="http://schemas.microsoft.com/office/powerpoint/2010/main" val="2348210208"/>
+      </p:ext>
+    </p:extLst>
+  </p:cSld>
+  <p:clrMapOvr>
+    <a:masterClrMapping/>
+  </p:clrMapOvr>
+</p:sld>
+</file>
+
+<file path=ppt/slides/slide7.xml><?xml version="1.0" encoding="utf-8"?>
+<p:sld xmlns:a="http://schemas.openxmlformats.org/drawingml/2006/main" xmlns:r="http://schemas.openxmlformats.org/officeDocument/2006/relationships" xmlns:p="http://schemas.openxmlformats.org/presentationml/2006/main">
+  <p:cSld>
+    <p:spTree>
+      <p:nvGrpSpPr>
+        <p:cNvPr id="1" name=""/>
+        <p:cNvGrpSpPr/>
+        <p:nvPr/>
+      </p:nvGrpSpPr>
+      <p:grpSpPr>
+        <a:xfrm>
+          <a:off x="0" y="0"/>
+          <a:ext cx="0" cy="0"/>
+          <a:chOff x="0" y="0"/>
+          <a:chExt cx="0" cy="0"/>
+        </a:xfrm>
+      </p:grpSpPr>
+      <p:sp>
+        <p:nvSpPr>
+          <p:cNvPr id="2" name="Title 1">
+            <a:extLst>
+              <a:ext uri="{FF2B5EF4-FFF2-40B4-BE49-F238E27FC236}">
+                <a16:creationId xmlns:a16="http://schemas.microsoft.com/office/drawing/2014/main" id="{BF3DE715-FE9A-40F8-A75F-73A220DB46A4}"/>
+              </a:ext>
+            </a:extLst>
+          </p:cNvPr>
+          <p:cNvSpPr>
+            <a:spLocks noGrp="1"/>
+          </p:cNvSpPr>
+          <p:nvPr>
+            <p:ph type="title"/>
+          </p:nvPr>
+        </p:nvSpPr>
+        <p:spPr/>
+        <p:txBody>
+          <a:bodyPr/>
+          <a:lstStyle/>
+          <a:p>
+            <a:endParaRPr lang="en-IN" dirty="0"/>
+          </a:p>
+        </p:txBody>
+      </p:sp>
+      <p:sp>
+        <p:nvSpPr>
+          <p:cNvPr id="3" name="Content Placeholder 2">
+            <a:extLst>
+              <a:ext uri="{FF2B5EF4-FFF2-40B4-BE49-F238E27FC236}">
+                <a16:creationId xmlns:a16="http://schemas.microsoft.com/office/drawing/2014/main" id="{A50F56F6-E5C0-4BA9-BEF8-DEBE31676AF2}"/>
+              </a:ext>
+            </a:extLst>
+          </p:cNvPr>
+          <p:cNvSpPr>
+            <a:spLocks noGrp="1"/>
+          </p:cNvSpPr>
+          <p:nvPr>
+            <p:ph idx="1"/>
+          </p:nvPr>
+        </p:nvSpPr>
+        <p:spPr>
+          <a:xfrm>
+            <a:off x="838200" y="705853"/>
+            <a:ext cx="10515600" cy="5471110"/>
+          </a:xfrm>
+        </p:spPr>
+        <p:txBody>
+          <a:bodyPr/>
+          <a:lstStyle/>
+          <a:p>
+            <a:pPr marL="0" indent="0">
+              <a:buNone/>
+            </a:pPr>
+            <a:r>
+              <a:rPr lang="en-US" sz="2200" dirty="0">
+                <a:effectLst/>
+                <a:latin typeface="Times New Roman" panose="02020603050405020304" pitchFamily="18" charset="0"/>
+                <a:ea typeface="Calibri" panose="020F0502020204030204" pitchFamily="34" charset="0"/>
+                <a:cs typeface="Times New Roman" panose="02020603050405020304" pitchFamily="18" charset="0"/>
+              </a:rPr>
+              <a:t>Most of the numerical parameters in the dataset are normally distributed. e.g.: Pressure.</a:t>
+            </a:r>
+            <a:endParaRPr lang="en-IN" sz="2200" dirty="0">
+              <a:effectLst/>
+              <a:latin typeface="Times New Roman" panose="02020603050405020304" pitchFamily="18" charset="0"/>
+              <a:ea typeface="Calibri" panose="020F0502020204030204" pitchFamily="34" charset="0"/>
+              <a:cs typeface="Times New Roman" panose="02020603050405020304" pitchFamily="18" charset="0"/>
+            </a:endParaRPr>
+          </a:p>
+          <a:p>
+            <a:endParaRPr lang="en-IN" dirty="0"/>
+          </a:p>
+        </p:txBody>
+      </p:sp>
+      <p:pic>
+        <p:nvPicPr>
+          <p:cNvPr id="4" name="Picture 3">
+            <a:extLst>
+              <a:ext uri="{FF2B5EF4-FFF2-40B4-BE49-F238E27FC236}">
+                <a16:creationId xmlns:a16="http://schemas.microsoft.com/office/drawing/2014/main" id="{407CD047-82D1-43EF-B50A-697EFCCB4A71}"/>
+              </a:ext>
+            </a:extLst>
+          </p:cNvPr>
+          <p:cNvPicPr/>
+          <p:nvPr/>
+        </p:nvPicPr>
+        <p:blipFill>
+          <a:blip r:embed="rId2"/>
+          <a:stretch>
+            <a:fillRect/>
+          </a:stretch>
+        </p:blipFill>
+        <p:spPr>
+          <a:xfrm>
+            <a:off x="1010653" y="1443789"/>
+            <a:ext cx="6820113" cy="3848058"/>
+          </a:xfrm>
+          <a:prstGeom prst="rect">
+            <a:avLst/>
+          </a:prstGeom>
+        </p:spPr>
+      </p:pic>
+    </p:spTree>
+    <p:extLst>
+      <p:ext uri="{BB962C8B-B14F-4D97-AF65-F5344CB8AC3E}">
+        <p14:creationId xmlns:p14="http://schemas.microsoft.com/office/powerpoint/2010/main" val="2247257123"/>
+      </p:ext>
+    </p:extLst>
+  </p:cSld>
+  <p:clrMapOvr>
+    <a:masterClrMapping/>
+  </p:clrMapOvr>
+</p:sld>
+</file>
+
+<file path=ppt/slides/slide8.xml><?xml version="1.0" encoding="utf-8"?>
+<p:sld xmlns:a="http://schemas.openxmlformats.org/drawingml/2006/main" xmlns:r="http://schemas.openxmlformats.org/officeDocument/2006/relationships" xmlns:p="http://schemas.openxmlformats.org/presentationml/2006/main">
+  <p:cSld>
+    <p:spTree>
+      <p:nvGrpSpPr>
+        <p:cNvPr id="1" name=""/>
+        <p:cNvGrpSpPr/>
+        <p:nvPr/>
+      </p:nvGrpSpPr>
+      <p:grpSpPr>
+        <a:xfrm>
+          <a:off x="0" y="0"/>
+          <a:ext cx="0" cy="0"/>
+          <a:chOff x="0" y="0"/>
+          <a:chExt cx="0" cy="0"/>
+        </a:xfrm>
+      </p:grpSpPr>
+      <p:sp>
+        <p:nvSpPr>
+          <p:cNvPr id="2" name="Title 1">
+            <a:extLst>
+              <a:ext uri="{FF2B5EF4-FFF2-40B4-BE49-F238E27FC236}">
+                <a16:creationId xmlns:a16="http://schemas.microsoft.com/office/drawing/2014/main" id="{EF6B90FD-2747-4278-9EA3-A68BAA0DE066}"/>
+              </a:ext>
+            </a:extLst>
+          </p:cNvPr>
+          <p:cNvSpPr>
+            <a:spLocks noGrp="1"/>
+          </p:cNvSpPr>
+          <p:nvPr>
+            <p:ph type="title"/>
+          </p:nvPr>
+        </p:nvSpPr>
+        <p:spPr/>
+        <p:txBody>
+          <a:bodyPr/>
+          <a:lstStyle/>
+          <a:p>
+            <a:endParaRPr lang="en-IN" dirty="0"/>
+          </a:p>
+        </p:txBody>
+      </p:sp>
+      <p:sp>
+        <p:nvSpPr>
+          <p:cNvPr id="3" name="Content Placeholder 2">
+            <a:extLst>
+              <a:ext uri="{FF2B5EF4-FFF2-40B4-BE49-F238E27FC236}">
+                <a16:creationId xmlns:a16="http://schemas.microsoft.com/office/drawing/2014/main" id="{BC3B00B0-98E4-44C6-98C8-6FA4F01CE5F4}"/>
+              </a:ext>
+            </a:extLst>
+          </p:cNvPr>
+          <p:cNvSpPr>
+            <a:spLocks noGrp="1"/>
+          </p:cNvSpPr>
+          <p:nvPr>
+            <p:ph idx="1"/>
+          </p:nvPr>
+        </p:nvSpPr>
+        <p:spPr>
+          <a:xfrm>
+            <a:off x="838200" y="365125"/>
+            <a:ext cx="10515600" cy="5811838"/>
+          </a:xfrm>
+        </p:spPr>
+        <p:txBody>
+          <a:bodyPr/>
+          <a:lstStyle/>
+          <a:p>
+            <a:r>
+              <a:rPr lang="en-US" sz="2200" dirty="0">
+                <a:effectLst/>
+                <a:latin typeface="Times New Roman" panose="02020603050405020304" pitchFamily="18" charset="0"/>
+                <a:ea typeface="Calibri" panose="020F0502020204030204" pitchFamily="34" charset="0"/>
+                <a:cs typeface="Times New Roman" panose="02020603050405020304" pitchFamily="18" charset="0"/>
+              </a:rPr>
+              <a:t>Breezy and overcast weather resulted in having the highest wind speed.</a:t>
+            </a:r>
+            <a:endParaRPr lang="en-IN" sz="2200" dirty="0">
+              <a:effectLst/>
+              <a:latin typeface="Times New Roman" panose="02020603050405020304" pitchFamily="18" charset="0"/>
+              <a:ea typeface="Calibri" panose="020F0502020204030204" pitchFamily="34" charset="0"/>
+              <a:cs typeface="Times New Roman" panose="02020603050405020304" pitchFamily="18" charset="0"/>
+            </a:endParaRPr>
+          </a:p>
+          <a:p>
+            <a:endParaRPr lang="en-IN" dirty="0"/>
+          </a:p>
+        </p:txBody>
+      </p:sp>
+      <p:pic>
+        <p:nvPicPr>
+          <p:cNvPr id="4" name="Picture 3">
+            <a:extLst>
+              <a:ext uri="{FF2B5EF4-FFF2-40B4-BE49-F238E27FC236}">
+                <a16:creationId xmlns:a16="http://schemas.microsoft.com/office/drawing/2014/main" id="{C6736C4B-39F8-4D1B-9F61-2BB1C5ADCAFA}"/>
+              </a:ext>
+            </a:extLst>
+          </p:cNvPr>
+          <p:cNvPicPr/>
+          <p:nvPr/>
+        </p:nvPicPr>
+        <p:blipFill>
+          <a:blip r:embed="rId2"/>
+          <a:stretch>
+            <a:fillRect/>
+          </a:stretch>
+        </p:blipFill>
+        <p:spPr>
+          <a:xfrm>
+            <a:off x="677334" y="914399"/>
+            <a:ext cx="8943321" cy="5334001"/>
+          </a:xfrm>
+          <a:prstGeom prst="rect">
+            <a:avLst/>
+          </a:prstGeom>
+        </p:spPr>
+      </p:pic>
+    </p:spTree>
+    <p:extLst>
+      <p:ext uri="{BB962C8B-B14F-4D97-AF65-F5344CB8AC3E}">
+        <p14:creationId xmlns:p14="http://schemas.microsoft.com/office/powerpoint/2010/main" val="2535777742"/>
+      </p:ext>
+    </p:extLst>
+  </p:cSld>
+  <p:clrMapOvr>
+    <a:masterClrMapping/>
+  </p:clrMapOvr>
+</p:sld>
+</file>
+
+<file path=ppt/slides/slide9.xml><?xml version="1.0" encoding="utf-8"?>
+<p:sld xmlns:a="http://schemas.openxmlformats.org/drawingml/2006/main" xmlns:r="http://schemas.openxmlformats.org/officeDocument/2006/relationships" xmlns:p="http://schemas.openxmlformats.org/presentationml/2006/main">
+  <p:cSld>
+    <p:spTree>
+      <p:nvGrpSpPr>
+        <p:cNvPr id="1" name=""/>
+        <p:cNvGrpSpPr/>
+        <p:nvPr/>
+      </p:nvGrpSpPr>
+      <p:grpSpPr>
+        <a:xfrm>
+          <a:off x="0" y="0"/>
+          <a:ext cx="0" cy="0"/>
+          <a:chOff x="0" y="0"/>
+          <a:chExt cx="0" cy="0"/>
+        </a:xfrm>
+      </p:grpSpPr>
+      <p:sp>
+        <p:nvSpPr>
+          <p:cNvPr id="2" name="Title 1">
+            <a:extLst>
+              <a:ext uri="{FF2B5EF4-FFF2-40B4-BE49-F238E27FC236}">
+                <a16:creationId xmlns:a16="http://schemas.microsoft.com/office/drawing/2014/main" id="{AA77B5E5-532D-4045-AF5F-1C80BCDA792A}"/>
+              </a:ext>
+            </a:extLst>
+          </p:cNvPr>
+          <p:cNvSpPr>
+            <a:spLocks noGrp="1"/>
+          </p:cNvSpPr>
+          <p:nvPr>
+            <p:ph type="title"/>
+          </p:nvPr>
+        </p:nvSpPr>
+        <p:spPr/>
+        <p:txBody>
+          <a:bodyPr/>
+          <a:lstStyle/>
+          <a:p>
+            <a:endParaRPr lang="en-IN" dirty="0"/>
+          </a:p>
+        </p:txBody>
+      </p:sp>
+      <p:sp>
+        <p:nvSpPr>
+          <p:cNvPr id="3" name="Content Placeholder 2">
+            <a:extLst>
+              <a:ext uri="{FF2B5EF4-FFF2-40B4-BE49-F238E27FC236}">
+                <a16:creationId xmlns:a16="http://schemas.microsoft.com/office/drawing/2014/main" id="{65787993-E9F9-4BA1-9B60-9BA8F6389D5E}"/>
+              </a:ext>
+            </a:extLst>
+          </p:cNvPr>
+          <p:cNvSpPr>
+            <a:spLocks noGrp="1"/>
+          </p:cNvSpPr>
+          <p:nvPr>
+            <p:ph idx="1"/>
+          </p:nvPr>
+        </p:nvSpPr>
+        <p:spPr>
+          <a:xfrm>
+            <a:off x="838200" y="365125"/>
+            <a:ext cx="8753272" cy="5811838"/>
+          </a:xfrm>
+        </p:spPr>
+        <p:txBody>
+          <a:bodyPr>
+            <a:normAutofit/>
+          </a:bodyPr>
+          <a:lstStyle/>
+          <a:p>
+            <a:r>
+              <a:rPr lang="en-US" sz="2200" dirty="0">
+                <a:effectLst/>
+                <a:latin typeface="Times New Roman" panose="02020603050405020304" pitchFamily="18" charset="0"/>
+                <a:ea typeface="Calibri" panose="020F0502020204030204" pitchFamily="34" charset="0"/>
+              </a:rPr>
+              <a:t>The sample is representative of the population.</a:t>
+            </a:r>
+          </a:p>
+          <a:p>
+            <a:endParaRPr lang="en-IN" sz="2200" dirty="0"/>
+          </a:p>
+          <a:p>
+            <a:r>
+              <a:rPr lang="en-US" sz="2200" dirty="0">
+                <a:effectLst/>
+                <a:latin typeface="Times New Roman" panose="02020603050405020304" pitchFamily="18" charset="0"/>
+                <a:ea typeface="Calibri" panose="020F0502020204030204" pitchFamily="34" charset="0"/>
+              </a:rPr>
+              <a:t>The sample had been taken during the rainy season during the month of September.</a:t>
+            </a:r>
+            <a:endParaRPr lang="en-IN" sz="2200" dirty="0">
+              <a:effectLst/>
+              <a:latin typeface="Times New Roman" panose="02020603050405020304" pitchFamily="18" charset="0"/>
+              <a:ea typeface="Calibri" panose="020F0502020204030204" pitchFamily="34" charset="0"/>
+            </a:endParaRPr>
+          </a:p>
+          <a:p>
+            <a:r>
+              <a:rPr lang="en-US" sz="2200" dirty="0">
+                <a:effectLst/>
+                <a:latin typeface="Times New Roman" panose="02020603050405020304" pitchFamily="18" charset="0"/>
+                <a:ea typeface="Calibri" panose="020F0502020204030204" pitchFamily="34" charset="0"/>
+                <a:cs typeface="Times New Roman" panose="02020603050405020304" pitchFamily="18" charset="0"/>
+              </a:rPr>
+              <a:t>Since, the sample had been taken during a particular month, it wouldn’t be right to treat is as the population and then collect a smaller sample from it to check whether a random sample would be representative of the population.</a:t>
+            </a:r>
+            <a:endParaRPr lang="en-IN" sz="2200" dirty="0">
+              <a:effectLst/>
+              <a:latin typeface="Calibri" panose="020F0502020204030204" pitchFamily="34" charset="0"/>
+              <a:ea typeface="Calibri" panose="020F0502020204030204" pitchFamily="34" charset="0"/>
+              <a:cs typeface="Times New Roman" panose="02020603050405020304" pitchFamily="18" charset="0"/>
+            </a:endParaRPr>
+          </a:p>
+          <a:p>
+            <a:r>
+              <a:rPr lang="en-US" sz="2200" dirty="0">
+                <a:effectLst/>
+                <a:latin typeface="Times New Roman" panose="02020603050405020304" pitchFamily="18" charset="0"/>
+                <a:ea typeface="Calibri" panose="020F0502020204030204" pitchFamily="34" charset="0"/>
+                <a:cs typeface="Times New Roman" panose="02020603050405020304" pitchFamily="18" charset="0"/>
+              </a:rPr>
+              <a:t>So, a better approach for hypothesis testing would be the to take a known statistic for the entire population (applicable in this case) and then compare the statistics of the dataset to the one of population.</a:t>
+            </a:r>
+            <a:endParaRPr lang="en-IN" sz="2200" dirty="0">
+              <a:effectLst/>
+              <a:latin typeface="Calibri" panose="020F0502020204030204" pitchFamily="34" charset="0"/>
+              <a:ea typeface="Calibri" panose="020F0502020204030204" pitchFamily="34" charset="0"/>
+              <a:cs typeface="Times New Roman" panose="02020603050405020304" pitchFamily="18" charset="0"/>
+            </a:endParaRPr>
+          </a:p>
+          <a:p>
+            <a:endParaRPr lang="en-IN" sz="2200" dirty="0"/>
+          </a:p>
+        </p:txBody>
+      </p:sp>
+      <p:pic>
+        <p:nvPicPr>
+          <p:cNvPr id="10" name="Picture 9">
+            <a:extLst>
+              <a:ext uri="{FF2B5EF4-FFF2-40B4-BE49-F238E27FC236}">
+                <a16:creationId xmlns:a16="http://schemas.microsoft.com/office/drawing/2014/main" id="{CD20F4AB-A957-4CD3-9C73-49B8F0D297E8}"/>
+              </a:ext>
+            </a:extLst>
+          </p:cNvPr>
+          <p:cNvPicPr/>
+          <p:nvPr/>
+        </p:nvPicPr>
+        <p:blipFill>
+          <a:blip r:embed="rId2"/>
+          <a:stretch>
+            <a:fillRect/>
+          </a:stretch>
+        </p:blipFill>
+        <p:spPr>
+          <a:xfrm>
+            <a:off x="1053013" y="866274"/>
+            <a:ext cx="2257425" cy="275932"/>
+          </a:xfrm>
+          <a:prstGeom prst="rect">
+            <a:avLst/>
+          </a:prstGeom>
+        </p:spPr>
+      </p:pic>
+    </p:spTree>
+    <p:extLst>
+      <p:ext uri="{BB962C8B-B14F-4D97-AF65-F5344CB8AC3E}">
+        <p14:creationId xmlns:p14="http://schemas.microsoft.com/office/powerpoint/2010/main" val="3725954216"/>
+      </p:ext>
+    </p:extLst>
+  </p:cSld>
+  <p:clrMapOvr>
+    <a:masterClrMapping/>
+  </p:clrMapOvr>
+</p:sld>
+</file>
+
 <file path=ppt/theme/theme1.xml><?xml version="1.0" encoding="utf-8"?>
-<a:theme xmlns:a="http://schemas.openxmlformats.org/drawingml/2006/main" name="Office Theme">
+<a:theme xmlns:a="http://schemas.openxmlformats.org/drawingml/2006/main" name="Facet">
   <a:themeElements>
-    <a:clrScheme name="Office">
+    <a:clrScheme name="Facet">
       <a:dk1>
         <a:sysClr val="windowText" lastClr="000000"/>
       </a:dk1>
@@ -3416,52 +8725,52 @@
         <a:sysClr val="window" lastClr="FFFFFF"/>
       </a:lt1>
       <a:dk2>
-        <a:srgbClr val="44546A"/>
+        <a:srgbClr val="2C3C43"/>
       </a:dk2>
       <a:lt2>
-        <a:srgbClr val="E7E6E6"/>
+        <a:srgbClr val="EBEBEB"/>
       </a:lt2>
       <a:accent1>
-        <a:srgbClr val="4472C4"/>
+        <a:srgbClr val="90C226"/>
       </a:accent1>
       <a:accent2>
-        <a:srgbClr val="ED7D31"/>
+        <a:srgbClr val="54A021"/>
       </a:accent2>
       <a:accent3>
-        <a:srgbClr val="A5A5A5"/>
+        <a:srgbClr val="E6B91E"/>
       </a:accent3>
       <a:accent4>
-        <a:srgbClr val="FFC000"/>
+        <a:srgbClr val="E76618"/>
       </a:accent4>
       <a:accent5>
-        <a:srgbClr val="5B9BD5"/>
+        <a:srgbClr val="C42F1A"/>
       </a:accent5>
       <a:accent6>
-        <a:srgbClr val="70AD47"/>
+        <a:srgbClr val="918655"/>
       </a:accent6>
       <a:hlink>
-        <a:srgbClr val="0563C1"/>
+        <a:srgbClr val="99CA3C"/>
       </a:hlink>
       <a:folHlink>
-        <a:srgbClr val="954F72"/>
+        <a:srgbClr val="B9D181"/>
       </a:folHlink>
     </a:clrScheme>
-    <a:fontScheme name="Office">
+    <a:fontScheme name="Facet">
       <a:majorFont>
-        <a:latin typeface="Calibri Light" panose="020F0302020204030204"/>
+        <a:latin typeface="Trebuchet MS" panose="020B0603020202020204"/>
         <a:ea typeface=""/>
         <a:cs typeface=""/>
-        <a:font script="Jpan" typeface="游ゴシック Light"/>
+        <a:font script="Jpan" typeface="メイリオ"/>
         <a:font script="Hang" typeface="맑은 고딕"/>
-        <a:font script="Hans" typeface="等线 Light"/>
-        <a:font script="Hant" typeface="新細明體"/>
-        <a:font script="Arab" typeface="Times New Roman"/>
-        <a:font script="Hebr" typeface="Times New Roman"/>
-        <a:font script="Thai" typeface="Angsana New"/>
+        <a:font script="Hans" typeface="方正姚体"/>
+        <a:font script="Hant" typeface="微軟正黑體"/>
+        <a:font script="Arab" typeface="Tahoma"/>
+        <a:font script="Hebr" typeface="Arial"/>
+        <a:font script="Thai" typeface="Cordia New"/>
         <a:font script="Ethi" typeface="Nyala"/>
         <a:font script="Beng" typeface="Vrinda"/>
         <a:font script="Gujr" typeface="Shruti"/>
-        <a:font script="Khmr" typeface="MoolBoran"/>
+        <a:font script="Khmr" typeface="DaunPenh"/>
         <a:font script="Knda" typeface="Tunga"/>
         <a:font script="Guru" typeface="Raavi"/>
         <a:font script="Cans" typeface="Euphemia"/>
@@ -3478,38 +8787,21 @@
         <a:font script="Laoo" typeface="DokChampa"/>
         <a:font script="Sinh" typeface="Iskoola Pota"/>
         <a:font script="Mong" typeface="Mongolian Baiti"/>
-        <a:font script="Viet" typeface="Times New Roman"/>
+        <a:font script="Viet" typeface="Tahoma"/>
         <a:font script="Uigh" typeface="Microsoft Uighur"/>
         <a:font script="Geor" typeface="Sylfaen"/>
-        <a:font script="Armn" typeface="Arial"/>
-        <a:font script="Bugi" typeface="Leelawadee UI"/>
-        <a:font script="Bopo" typeface="Microsoft JhengHei"/>
-        <a:font script="Java" typeface="Javanese Text"/>
-        <a:font script="Lisu" typeface="Segoe UI"/>
-        <a:font script="Mymr" typeface="Myanmar Text"/>
-        <a:font script="Nkoo" typeface="Ebrima"/>
-        <a:font script="Olck" typeface="Nirmala UI"/>
-        <a:font script="Osma" typeface="Ebrima"/>
-        <a:font script="Phag" typeface="Phagspa"/>
-        <a:font script="Syrn" typeface="Estrangelo Edessa"/>
-        <a:font script="Syrj" typeface="Estrangelo Edessa"/>
-        <a:font script="Syre" typeface="Estrangelo Edessa"/>
-        <a:font script="Sora" typeface="Nirmala UI"/>
-        <a:font script="Tale" typeface="Microsoft Tai Le"/>
-        <a:font script="Talu" typeface="Microsoft New Tai Lue"/>
-        <a:font script="Tfng" typeface="Ebrima"/>
       </a:majorFont>
       <a:minorFont>
-        <a:latin typeface="Calibri" panose="020F0502020204030204"/>
+        <a:latin typeface="Trebuchet MS" panose="020B0603020202020204"/>
         <a:ea typeface=""/>
         <a:cs typeface=""/>
-        <a:font script="Jpan" typeface="游ゴシック"/>
-        <a:font script="Hang" typeface="맑은 고딕"/>
-        <a:font script="Hans" typeface="等线"/>
-        <a:font script="Hant" typeface="新細明體"/>
-        <a:font script="Arab" typeface="Arial"/>
-        <a:font script="Hebr" typeface="Arial"/>
-        <a:font script="Thai" typeface="Cordia New"/>
+        <a:font script="Jpan" typeface="メイリオ"/>
+        <a:font script="Hang" typeface="HY그래픽M"/>
+        <a:font script="Hans" typeface="华文新魏"/>
+        <a:font script="Hant" typeface="微軟正黑體"/>
+        <a:font script="Arab" typeface="Tahoma"/>
+        <a:font script="Hebr" typeface="Gisha"/>
+        <a:font script="Thai" typeface="IrisUPC"/>
         <a:font script="Ethi" typeface="Nyala"/>
         <a:font script="Beng" typeface="Vrinda"/>
         <a:font script="Gujr" typeface="Shruti"/>
@@ -3533,26 +8825,9 @@
         <a:font script="Viet" typeface="Arial"/>
         <a:font script="Uigh" typeface="Microsoft Uighur"/>
         <a:font script="Geor" typeface="Sylfaen"/>
-        <a:font script="Armn" typeface="Arial"/>
-        <a:font script="Bugi" typeface="Leelawadee UI"/>
-        <a:font script="Bopo" typeface="Microsoft JhengHei"/>
-        <a:font script="Java" typeface="Javanese Text"/>
-        <a:font script="Lisu" typeface="Segoe UI"/>
-        <a:font script="Mymr" typeface="Myanmar Text"/>
-        <a:font script="Nkoo" typeface="Ebrima"/>
-        <a:font script="Olck" typeface="Nirmala UI"/>
-        <a:font script="Osma" typeface="Ebrima"/>
-        <a:font script="Phag" typeface="Phagspa"/>
-        <a:font script="Syrn" typeface="Estrangelo Edessa"/>
-        <a:font script="Syrj" typeface="Estrangelo Edessa"/>
-        <a:font script="Syre" typeface="Estrangelo Edessa"/>
-        <a:font script="Sora" typeface="Nirmala UI"/>
-        <a:font script="Tale" typeface="Microsoft Tai Le"/>
-        <a:font script="Talu" typeface="Microsoft New Tai Lue"/>
-        <a:font script="Tfng" typeface="Ebrima"/>
       </a:minorFont>
     </a:fontScheme>
-    <a:fmtScheme name="Office">
+    <a:fmtScheme name="Facet">
       <a:fillStyleLst>
         <a:solidFill>
           <a:schemeClr val="phClr"/>
@@ -3561,23 +8836,13 @@
           <a:gsLst>
             <a:gs pos="0">
               <a:schemeClr val="phClr">
+                <a:tint val="65000"/>
                 <a:lumMod val="110000"/>
-                <a:satMod val="105000"/>
-                <a:tint val="67000"/>
               </a:schemeClr>
             </a:gs>
-            <a:gs pos="50000">
+            <a:gs pos="88000">
               <a:schemeClr val="phClr">
-                <a:lumMod val="105000"/>
-                <a:satMod val="103000"/>
-                <a:tint val="73000"/>
-              </a:schemeClr>
-            </a:gs>
-            <a:gs pos="100000">
-              <a:schemeClr val="phClr">
-                <a:lumMod val="105000"/>
-                <a:satMod val="109000"/>
-                <a:tint val="81000"/>
+                <a:tint val="90000"/>
               </a:schemeClr>
             </a:gs>
           </a:gsLst>
@@ -3587,23 +8852,14 @@
           <a:gsLst>
             <a:gs pos="0">
               <a:schemeClr val="phClr">
-                <a:satMod val="103000"/>
-                <a:lumMod val="102000"/>
-                <a:tint val="94000"/>
+                <a:tint val="96000"/>
+                <a:lumMod val="100000"/>
               </a:schemeClr>
             </a:gs>
-            <a:gs pos="50000">
+            <a:gs pos="78000">
               <a:schemeClr val="phClr">
-                <a:satMod val="110000"/>
-                <a:lumMod val="100000"/>
-                <a:shade val="100000"/>
-              </a:schemeClr>
-            </a:gs>
-            <a:gs pos="100000">
-              <a:schemeClr val="phClr">
-                <a:lumMod val="99000"/>
-                <a:satMod val="120000"/>
-                <a:shade val="78000"/>
+                <a:shade val="94000"/>
+                <a:lumMod val="94000"/>
               </a:schemeClr>
             </a:gs>
           </a:gsLst>
@@ -3611,26 +8867,23 @@
         </a:gradFill>
       </a:fillStyleLst>
       <a:lnStyleLst>
-        <a:ln w="6350" cap="flat" cmpd="sng" algn="ctr">
+        <a:ln w="12700" cap="rnd" cmpd="sng" algn="ctr">
           <a:solidFill>
             <a:schemeClr val="phClr"/>
           </a:solidFill>
           <a:prstDash val="solid"/>
-          <a:miter lim="800000"/>
         </a:ln>
-        <a:ln w="12700" cap="flat" cmpd="sng" algn="ctr">
+        <a:ln w="19050" cap="rnd" cmpd="sng" algn="ctr">
           <a:solidFill>
             <a:schemeClr val="phClr"/>
           </a:solidFill>
           <a:prstDash val="solid"/>
-          <a:miter lim="800000"/>
         </a:ln>
-        <a:ln w="19050" cap="flat" cmpd="sng" algn="ctr">
+        <a:ln w="25400" cap="rnd" cmpd="sng" algn="ctr">
           <a:solidFill>
             <a:schemeClr val="phClr"/>
           </a:solidFill>
           <a:prstDash val="solid"/>
-          <a:miter lim="800000"/>
         </a:ln>
       </a:lnStyleLst>
       <a:effectStyleLst>
@@ -3638,54 +8891,72 @@
           <a:effectLst/>
         </a:effectStyle>
         <a:effectStyle>
-          <a:effectLst/>
+          <a:effectLst>
+            <a:outerShdw blurRad="38100" dist="25400" dir="5400000" rotWithShape="0">
+              <a:srgbClr val="000000">
+                <a:alpha val="35000"/>
+              </a:srgbClr>
+            </a:outerShdw>
+          </a:effectLst>
         </a:effectStyle>
         <a:effectStyle>
           <a:effectLst>
-            <a:outerShdw blurRad="57150" dist="19050" dir="5400000" algn="ctr" rotWithShape="0">
+            <a:outerShdw blurRad="50800" dist="38100" dir="5400000" rotWithShape="0">
               <a:srgbClr val="000000">
-                <a:alpha val="63000"/>
+                <a:alpha val="35000"/>
               </a:srgbClr>
             </a:outerShdw>
           </a:effectLst>
+          <a:scene3d>
+            <a:camera prst="orthographicFront">
+              <a:rot lat="0" lon="0" rev="0"/>
+            </a:camera>
+            <a:lightRig rig="threePt" dir="tl"/>
+          </a:scene3d>
+          <a:sp3d prstMaterial="plastic">
+            <a:bevelT w="0" h="0"/>
+          </a:sp3d>
         </a:effectStyle>
       </a:effectStyleLst>
       <a:bgFillStyleLst>
         <a:solidFill>
           <a:schemeClr val="phClr"/>
         </a:solidFill>
-        <a:solidFill>
-          <a:schemeClr val="phClr">
-            <a:tint val="95000"/>
-            <a:satMod val="170000"/>
-          </a:schemeClr>
-        </a:solidFill>
         <a:gradFill rotWithShape="1">
           <a:gsLst>
             <a:gs pos="0">
               <a:schemeClr val="phClr">
-                <a:tint val="93000"/>
-                <a:satMod val="150000"/>
-                <a:shade val="98000"/>
-                <a:lumMod val="102000"/>
+                <a:tint val="90000"/>
+                <a:lumMod val="104000"/>
               </a:schemeClr>
             </a:gs>
-            <a:gs pos="50000">
+            <a:gs pos="94000">
               <a:schemeClr val="phClr">
-                <a:tint val="98000"/>
-                <a:satMod val="130000"/>
-                <a:shade val="90000"/>
-                <a:lumMod val="103000"/>
+                <a:shade val="96000"/>
+                <a:lumMod val="82000"/>
+              </a:schemeClr>
+            </a:gs>
+          </a:gsLst>
+          <a:lin ang="5400000" scaled="0"/>
+        </a:gradFill>
+        <a:gradFill rotWithShape="1">
+          <a:gsLst>
+            <a:gs pos="0">
+              <a:schemeClr val="phClr">
+                <a:tint val="90000"/>
+                <a:lumMod val="110000"/>
               </a:schemeClr>
             </a:gs>
             <a:gs pos="100000">
               <a:schemeClr val="phClr">
-                <a:shade val="63000"/>
-                <a:satMod val="120000"/>
+                <a:shade val="94000"/>
+                <a:lumMod val="96000"/>
               </a:schemeClr>
             </a:gs>
           </a:gsLst>
-          <a:lin ang="5400000" scaled="0"/>
+          <a:path path="circle">
+            <a:fillToRect l="50000" t="50000" r="100000" b="100000"/>
+          </a:path>
         </a:gradFill>
       </a:bgFillStyleLst>
     </a:fmtScheme>
@@ -3694,7 +8965,7 @@
   <a:extraClrSchemeLst/>
   <a:extLst>
     <a:ext uri="{05A4C25C-085E-4340-85A3-A5531E510DB2}">
-      <thm15:themeFamily xmlns:thm15="http://schemas.microsoft.com/office/thememl/2012/main" name="Office Theme" id="{62F939B6-93AF-4DB8-9C6B-D6C7DFDC589F}" vid="{4A3C46E8-61CC-4603-A589-7422A47A8E4A}"/>
+      <thm15:themeFamily xmlns:thm15="http://schemas.microsoft.com/office/thememl/2012/main" name="Facet" id="{C0C680CD-088A-49FC-A102-D699147F32B2}" vid="{CFBC31BA-B70F-4F30-BCAA-4F3011E16C4D}"/>
     </a:ext>
   </a:extLst>
 </a:theme>

--- a/C_SDS_Mini_Project_sem3.pptx
+++ b/C_SDS_Mini_Project_sem3.pptx
@@ -7392,8 +7392,8 @@
         </p:nvSpPr>
         <p:spPr>
           <a:xfrm>
-            <a:off x="838200" y="1177047"/>
-            <a:ext cx="9298021" cy="4999916"/>
+            <a:off x="838200" y="1177046"/>
+            <a:ext cx="9298021" cy="5240531"/>
           </a:xfrm>
         </p:spPr>
         <p:txBody>
@@ -7403,15 +7403,12 @@
           <a:lstStyle/>
           <a:p>
             <a:pPr marL="76200" marR="304800" algn="just">
-              <a:lnSpc>
-                <a:spcPct val="100000"/>
-              </a:lnSpc>
               <a:spcAft>
                 <a:spcPts val="800"/>
               </a:spcAft>
             </a:pPr>
             <a:r>
-              <a:rPr lang="en-IN" sz="2000" dirty="0">
+              <a:rPr lang="en-IN" sz="2000" b="1" u="sng" dirty="0">
                 <a:solidFill>
                   <a:srgbClr val="000000"/>
                 </a:solidFill>
@@ -7420,37 +7417,8 @@
                 <a:ea typeface="Times New Roman" panose="02020603050405020304" pitchFamily="18" charset="0"/>
                 <a:cs typeface="Times New Roman" panose="02020603050405020304" pitchFamily="18" charset="0"/>
               </a:rPr>
-              <a:t>Source: </a:t>
-            </a:r>
-            <a:r>
-              <a:rPr lang="en-IN" sz="2000" u="sng" dirty="0">
-                <a:solidFill>
-                  <a:srgbClr val="000000"/>
-                </a:solidFill>
-                <a:effectLst/>
-                <a:latin typeface="Times New Roman" panose="02020603050405020304" pitchFamily="18" charset="0"/>
-                <a:ea typeface="Times New Roman" panose="02020603050405020304" pitchFamily="18" charset="0"/>
-                <a:cs typeface="Times New Roman" panose="02020603050405020304" pitchFamily="18" charset="0"/>
-                <a:hlinkClick r:id="rId2"/>
-              </a:rPr>
-              <a:t>https://www.kaggle.com/muthuj7/weather-dataset</a:t>
-            </a:r>
-            <a:endParaRPr lang="en-IN" sz="2000" dirty="0">
-              <a:effectLst/>
-              <a:latin typeface="Calibri" panose="020F0502020204030204" pitchFamily="34" charset="0"/>
-              <a:ea typeface="Calibri" panose="020F0502020204030204" pitchFamily="34" charset="0"/>
-              <a:cs typeface="Times New Roman" panose="02020603050405020304" pitchFamily="18" charset="0"/>
-            </a:endParaRPr>
-          </a:p>
-          <a:p>
-            <a:pPr marL="76200" marR="304800" algn="just">
-              <a:lnSpc>
-                <a:spcPct val="100000"/>
-              </a:lnSpc>
-              <a:spcAft>
-                <a:spcPts val="800"/>
-              </a:spcAft>
-            </a:pPr>
+              <a:t>Problem statement</a:t>
+            </a:r>
             <a:r>
               <a:rPr lang="en-IN" sz="2000" dirty="0">
                 <a:solidFill>
@@ -7461,26 +7429,10 @@
                 <a:ea typeface="Times New Roman" panose="02020603050405020304" pitchFamily="18" charset="0"/>
                 <a:cs typeface="Times New Roman" panose="02020603050405020304" pitchFamily="18" charset="0"/>
               </a:rPr>
-              <a:t>This dataset consists of the weather records for a month taken with the observations being taken down and noted per hour. It consists of various aspects of weather like precipitation, humidity, wind speed, wind bearing, visibility, loud cover, pressure, temperature, apparent temperature against a particular instant of time. The summary and the daily summary are noted down appropriately as per the parameters collected.</a:t>
-            </a:r>
-            <a:endParaRPr lang="en-IN" sz="2000" dirty="0">
-              <a:effectLst/>
-              <a:latin typeface="Calibri" panose="020F0502020204030204" pitchFamily="34" charset="0"/>
-              <a:ea typeface="Calibri" panose="020F0502020204030204" pitchFamily="34" charset="0"/>
-              <a:cs typeface="Times New Roman" panose="02020603050405020304" pitchFamily="18" charset="0"/>
-            </a:endParaRPr>
-          </a:p>
-          <a:p>
-            <a:pPr marL="76200" marR="304800" algn="just">
-              <a:lnSpc>
-                <a:spcPct val="100000"/>
-              </a:lnSpc>
-              <a:spcAft>
-                <a:spcPts val="800"/>
-              </a:spcAft>
-            </a:pPr>
-            <a:r>
-              <a:rPr lang="en-IN" sz="2000" dirty="0">
+              <a:t>: Displaying the various weather patterns in the graphical </a:t>
+            </a:r>
+            <a:r>
+              <a:rPr lang="en-IN" sz="2000">
                 <a:solidFill>
                   <a:srgbClr val="000000"/>
                 </a:solidFill>
@@ -7489,17 +7441,44 @@
                 <a:ea typeface="Times New Roman" panose="02020603050405020304" pitchFamily="18" charset="0"/>
                 <a:cs typeface="Times New Roman" panose="02020603050405020304" pitchFamily="18" charset="0"/>
               </a:rPr>
-              <a:t>Most of the parameters are numerical with the remaining few being categorical. The objective of this project is to make optimum use of the dataset to extract maximum and most relevant information out of the dataset for various purposes. The first section of the project would consist of descriptive statistics while the second half would contain inferential statistics. With the help of the relationships generated between various variables, we can appropriately put this to a great use by inferring various parameters from it. While this is just a sample of 720 records, we can easily put this to a great use to infer about various weather parameters on the other given days with optimal accuracy and precision along with minimal margin of error.</a:t>
+              <a:t>form           alongside </a:t>
+            </a:r>
+            <a:r>
+              <a:rPr lang="en-IN" sz="2000" dirty="0">
+                <a:solidFill>
+                  <a:srgbClr val="000000"/>
+                </a:solidFill>
+                <a:effectLst/>
+                <a:latin typeface="Times New Roman" panose="02020603050405020304" pitchFamily="18" charset="0"/>
+                <a:ea typeface="Times New Roman" panose="02020603050405020304" pitchFamily="18" charset="0"/>
+                <a:cs typeface="Times New Roman" panose="02020603050405020304" pitchFamily="18" charset="0"/>
+              </a:rPr>
+              <a:t>coming up with an appropriate conclusion for the hypothesis testing with our hypothesis being whether or not the sample is representative of the population.</a:t>
             </a:r>
             <a:endParaRPr lang="en-IN" sz="2000" dirty="0">
               <a:effectLst/>
-              <a:latin typeface="Calibri" panose="020F0502020204030204" pitchFamily="34" charset="0"/>
+              <a:latin typeface="Times New Roman" panose="02020603050405020304" pitchFamily="18" charset="0"/>
               <a:ea typeface="Calibri" panose="020F0502020204030204" pitchFamily="34" charset="0"/>
               <a:cs typeface="Times New Roman" panose="02020603050405020304" pitchFamily="18" charset="0"/>
             </a:endParaRPr>
           </a:p>
           <a:p>
-            <a:endParaRPr lang="en-IN" sz="2000" dirty="0"/>
+            <a:r>
+              <a:rPr lang="en-IN" sz="2000" dirty="0">
+                <a:solidFill>
+                  <a:srgbClr val="000000"/>
+                </a:solidFill>
+                <a:effectLst/>
+                <a:latin typeface="Times New Roman" panose="02020603050405020304" pitchFamily="18" charset="0"/>
+                <a:ea typeface="Times New Roman" panose="02020603050405020304" pitchFamily="18" charset="0"/>
+                <a:cs typeface="Times New Roman" panose="02020603050405020304" pitchFamily="18" charset="0"/>
+              </a:rPr>
+              <a:t>Most of the parameters are numerical with the remaining few being categorical. The objective of this project is to make optimum use of the dataset to extract maximum and most relevant information out of the dataset for various purposes. The first section of the project would consist of descriptive statistics while the second half would contain inferential statistics. With the help of the relationships generated between various variables, we can appropriately put this to a great use by inferring various parameters from it. While this is just a sample of 720 records, we can easily put this to a great use to infer about various weather parameters on the other given days with optimal accuracy and precision along with minimal margin of error. Along with determining at the end whether or not the sample is representative of the population. Determining the correlation b/w various numerical variables in the dataset at the end. Coming up with an appropriate conclusion finally based on the results obtained.</a:t>
+            </a:r>
+            <a:endParaRPr lang="en-IN" sz="2000" dirty="0">
+              <a:latin typeface="Times New Roman" panose="02020603050405020304" pitchFamily="18" charset="0"/>
+              <a:cs typeface="Times New Roman" panose="02020603050405020304" pitchFamily="18" charset="0"/>
+            </a:endParaRPr>
           </a:p>
         </p:txBody>
       </p:sp>
